--- a/Lesson 1 - Intro/Python_Course_OpenU_2024_Slides_1.pptx
+++ b/Lesson 1 - Intro/Python_Course_OpenU_2024_Slides_1.pptx
@@ -5,45 +5,46 @@
     <p:sldMasterId id="2147483648" r:id="rId1"/>
   </p:sldMasterIdLst>
   <p:notesMasterIdLst>
-    <p:notesMasterId r:id="rId38"/>
+    <p:notesMasterId r:id="rId39"/>
   </p:notesMasterIdLst>
   <p:sldIdLst>
-    <p:sldId id="256" r:id="rId2"/>
-    <p:sldId id="257" r:id="rId3"/>
-    <p:sldId id="259" r:id="rId4"/>
-    <p:sldId id="323" r:id="rId5"/>
-    <p:sldId id="265" r:id="rId6"/>
-    <p:sldId id="312" r:id="rId7"/>
-    <p:sldId id="266" r:id="rId8"/>
-    <p:sldId id="301" r:id="rId9"/>
-    <p:sldId id="267" r:id="rId10"/>
-    <p:sldId id="269" r:id="rId11"/>
-    <p:sldId id="315" r:id="rId12"/>
-    <p:sldId id="276" r:id="rId13"/>
-    <p:sldId id="295" r:id="rId14"/>
-    <p:sldId id="305" r:id="rId15"/>
-    <p:sldId id="308" r:id="rId16"/>
-    <p:sldId id="307" r:id="rId17"/>
-    <p:sldId id="314" r:id="rId18"/>
-    <p:sldId id="283" r:id="rId19"/>
-    <p:sldId id="274" r:id="rId20"/>
-    <p:sldId id="304" r:id="rId21"/>
-    <p:sldId id="296" r:id="rId22"/>
-    <p:sldId id="293" r:id="rId23"/>
-    <p:sldId id="309" r:id="rId24"/>
-    <p:sldId id="324" r:id="rId25"/>
-    <p:sldId id="288" r:id="rId26"/>
-    <p:sldId id="289" r:id="rId27"/>
-    <p:sldId id="300" r:id="rId28"/>
-    <p:sldId id="310" r:id="rId29"/>
-    <p:sldId id="291" r:id="rId30"/>
-    <p:sldId id="311" r:id="rId31"/>
-    <p:sldId id="285" r:id="rId32"/>
-    <p:sldId id="321" r:id="rId33"/>
-    <p:sldId id="292" r:id="rId34"/>
-    <p:sldId id="299" r:id="rId35"/>
-    <p:sldId id="322" r:id="rId36"/>
-    <p:sldId id="294" r:id="rId37"/>
+    <p:sldId id="325" r:id="rId2"/>
+    <p:sldId id="256" r:id="rId3"/>
+    <p:sldId id="257" r:id="rId4"/>
+    <p:sldId id="259" r:id="rId5"/>
+    <p:sldId id="323" r:id="rId6"/>
+    <p:sldId id="265" r:id="rId7"/>
+    <p:sldId id="312" r:id="rId8"/>
+    <p:sldId id="266" r:id="rId9"/>
+    <p:sldId id="301" r:id="rId10"/>
+    <p:sldId id="267" r:id="rId11"/>
+    <p:sldId id="269" r:id="rId12"/>
+    <p:sldId id="315" r:id="rId13"/>
+    <p:sldId id="276" r:id="rId14"/>
+    <p:sldId id="295" r:id="rId15"/>
+    <p:sldId id="305" r:id="rId16"/>
+    <p:sldId id="308" r:id="rId17"/>
+    <p:sldId id="307" r:id="rId18"/>
+    <p:sldId id="314" r:id="rId19"/>
+    <p:sldId id="283" r:id="rId20"/>
+    <p:sldId id="274" r:id="rId21"/>
+    <p:sldId id="304" r:id="rId22"/>
+    <p:sldId id="296" r:id="rId23"/>
+    <p:sldId id="293" r:id="rId24"/>
+    <p:sldId id="309" r:id="rId25"/>
+    <p:sldId id="324" r:id="rId26"/>
+    <p:sldId id="288" r:id="rId27"/>
+    <p:sldId id="289" r:id="rId28"/>
+    <p:sldId id="300" r:id="rId29"/>
+    <p:sldId id="310" r:id="rId30"/>
+    <p:sldId id="291" r:id="rId31"/>
+    <p:sldId id="311" r:id="rId32"/>
+    <p:sldId id="285" r:id="rId33"/>
+    <p:sldId id="321" r:id="rId34"/>
+    <p:sldId id="292" r:id="rId35"/>
+    <p:sldId id="299" r:id="rId36"/>
+    <p:sldId id="322" r:id="rId37"/>
+    <p:sldId id="294" r:id="rId38"/>
   </p:sldIdLst>
   <p:sldSz cx="9144000" cy="6858000" type="screen4x3"/>
   <p:notesSz cx="6858000" cy="9144000"/>
@@ -173,8 +174,8 @@
 <pc:chgInfo xmlns:a="http://schemas.openxmlformats.org/drawingml/2006/main" xmlns:r="http://schemas.openxmlformats.org/officeDocument/2006/relationships" xmlns:ac="http://schemas.microsoft.com/office/drawing/2013/main/command" xmlns:pc="http://schemas.microsoft.com/office/powerpoint/2013/main/command">
   <pc:docChgLst>
     <pc:chgData name="יפתח עמיר" userId="a6a3a001-e5cb-4ac0-ad29-e8efe0b6a614" providerId="ADAL" clId="{D75AD3EF-675D-443A-A266-3AAE98588AE0}"/>
-    <pc:docChg chg="undo custSel delSld modSld">
-      <pc:chgData name="יפתח עמיר" userId="a6a3a001-e5cb-4ac0-ad29-e8efe0b6a614" providerId="ADAL" clId="{D75AD3EF-675D-443A-A266-3AAE98588AE0}" dt="2024-04-14T06:08:43.302" v="99" actId="47"/>
+    <pc:docChg chg="undo custSel addSld delSld modSld sldOrd">
+      <pc:chgData name="יפתח עמיר" userId="a6a3a001-e5cb-4ac0-ad29-e8efe0b6a614" providerId="ADAL" clId="{D75AD3EF-675D-443A-A266-3AAE98588AE0}" dt="2024-04-14T09:03:38.111" v="129" actId="20577"/>
       <pc:docMkLst>
         <pc:docMk/>
       </pc:docMkLst>
@@ -284,6 +285,21 @@
             <ac:picMk id="3" creationId="{FC4EC581-73D6-4207-BD33-C23A578D828E}"/>
           </ac:picMkLst>
         </pc:picChg>
+      </pc:sldChg>
+      <pc:sldChg chg="modSp new mod ord">
+        <pc:chgData name="יפתח עמיר" userId="a6a3a001-e5cb-4ac0-ad29-e8efe0b6a614" providerId="ADAL" clId="{D75AD3EF-675D-443A-A266-3AAE98588AE0}" dt="2024-04-14T09:03:38.111" v="129" actId="20577"/>
+        <pc:sldMkLst>
+          <pc:docMk/>
+          <pc:sldMk cId="841080496" sldId="325"/>
+        </pc:sldMkLst>
+        <pc:spChg chg="mod">
+          <ac:chgData name="יפתח עמיר" userId="a6a3a001-e5cb-4ac0-ad29-e8efe0b6a614" providerId="ADAL" clId="{D75AD3EF-675D-443A-A266-3AAE98588AE0}" dt="2024-04-14T09:03:38.111" v="129" actId="20577"/>
+          <ac:spMkLst>
+            <pc:docMk/>
+            <pc:sldMk cId="841080496" sldId="325"/>
+            <ac:spMk id="2" creationId="{53517881-83EF-371F-25FA-E230BF746121}"/>
+          </ac:spMkLst>
+        </pc:spChg>
       </pc:sldChg>
     </pc:docChg>
   </pc:docChgLst>
@@ -6621,7 +6637,7 @@
             <a:fld id="{57C9F139-56AA-4C73-AC81-69FB89BF389A}" type="slidenum">
               <a:rPr lang="en-US" smtClean="0"/>
               <a:pPr/>
-              <a:t>1</a:t>
+              <a:t>2</a:t>
             </a:fld>
             <a:endParaRPr lang="en-US" dirty="0"/>
           </a:p>
@@ -6705,7 +6721,7 @@
           <a:p>
             <a:fld id="{57C9F139-56AA-4C73-AC81-69FB89BF389A}" type="slidenum">
               <a:rPr lang="en-US" smtClean="0"/>
-              <a:t>2</a:t>
+              <a:t>3</a:t>
             </a:fld>
             <a:endParaRPr lang="en-US" dirty="0"/>
           </a:p>
@@ -6790,7 +6806,7 @@
             <a:fld id="{57C9F139-56AA-4C73-AC81-69FB89BF389A}" type="slidenum">
               <a:rPr lang="en-US" smtClean="0"/>
               <a:pPr/>
-              <a:t>12</a:t>
+              <a:t>13</a:t>
             </a:fld>
             <a:endParaRPr lang="en-US" dirty="0"/>
           </a:p>
@@ -6875,7 +6891,7 @@
             <a:fld id="{57C9F139-56AA-4C73-AC81-69FB89BF389A}" type="slidenum">
               <a:rPr lang="en-US" smtClean="0"/>
               <a:pPr/>
-              <a:t>35</a:t>
+              <a:t>36</a:t>
             </a:fld>
             <a:endParaRPr lang="en-US" dirty="0"/>
           </a:p>
@@ -9852,10 +9868,69 @@
 <file path=ppt/slides/slide1.xml><?xml version="1.0" encoding="utf-8"?>
 <p:sld xmlns:a="http://schemas.openxmlformats.org/drawingml/2006/main" xmlns:r="http://schemas.openxmlformats.org/officeDocument/2006/relationships" xmlns:p="http://schemas.openxmlformats.org/presentationml/2006/main">
   <p:cSld>
+    <p:spTree>
+      <p:nvGrpSpPr>
+        <p:cNvPr id="1" name=""/>
+        <p:cNvGrpSpPr/>
+        <p:nvPr/>
+      </p:nvGrpSpPr>
+      <p:grpSpPr>
+        <a:xfrm>
+          <a:off x="0" y="0"/>
+          <a:ext cx="0" cy="0"/>
+          <a:chOff x="0" y="0"/>
+          <a:chExt cx="0" cy="0"/>
+        </a:xfrm>
+      </p:grpSpPr>
+      <p:sp>
+        <p:nvSpPr>
+          <p:cNvPr id="2" name="Title 1">
+            <a:extLst>
+              <a:ext uri="{FF2B5EF4-FFF2-40B4-BE49-F238E27FC236}">
+                <a16:creationId xmlns:a16="http://schemas.microsoft.com/office/drawing/2014/main" id="{53517881-83EF-371F-25FA-E230BF746121}"/>
+              </a:ext>
+            </a:extLst>
+          </p:cNvPr>
+          <p:cNvSpPr>
+            <a:spLocks noGrp="1"/>
+          </p:cNvSpPr>
+          <p:nvPr>
+            <p:ph type="title"/>
+          </p:nvPr>
+        </p:nvSpPr>
+        <p:spPr/>
+        <p:txBody>
+          <a:bodyPr/>
+          <a:lstStyle/>
+          <a:p>
+            <a:r>
+              <a:rPr lang="he-IL" dirty="0"/>
+              <a:t>השיעור יתחיל ב- 12:15</a:t>
+            </a:r>
+            <a:endParaRPr lang="en-IL" dirty="0"/>
+          </a:p>
+        </p:txBody>
+      </p:sp>
+    </p:spTree>
+    <p:extLst>
+      <p:ext uri="{BB962C8B-B14F-4D97-AF65-F5344CB8AC3E}">
+        <p14:creationId xmlns:p14="http://schemas.microsoft.com/office/powerpoint/2010/main" val="841080496"/>
+      </p:ext>
+    </p:extLst>
+  </p:cSld>
+  <p:clrMapOvr>
+    <a:masterClrMapping/>
+  </p:clrMapOvr>
+</p:sld>
+</file>
+
+<file path=ppt/slides/slide10.xml><?xml version="1.0" encoding="utf-8"?>
+<p:sld xmlns:a="http://schemas.openxmlformats.org/drawingml/2006/main" xmlns:r="http://schemas.openxmlformats.org/officeDocument/2006/relationships" xmlns:p="http://schemas.openxmlformats.org/presentationml/2006/main">
+  <p:cSld>
     <p:bg>
       <p:bgPr>
         <a:solidFill>
-          <a:schemeClr val="tx1"/>
+          <a:schemeClr val="bg1"/>
         </a:solidFill>
         <a:effectLst/>
       </p:bgPr>
@@ -9876,156 +9951,18 @@
       </p:grpSpPr>
       <p:sp>
         <p:nvSpPr>
-          <p:cNvPr id="13" name="Rectangle 7">
-            <a:extLst>
-              <a:ext uri="{FF2B5EF4-FFF2-40B4-BE49-F238E27FC236}">
-                <a16:creationId xmlns:a16="http://schemas.microsoft.com/office/drawing/2014/main" id="{2A8AA5BC-4F7A-4226-8F99-6D824B226A97}"/>
-              </a:ext>
-              <a:ext uri="{C183D7F6-B498-43B3-948B-1728B52AA6E4}">
-                <adec:decorative xmlns:adec="http://schemas.microsoft.com/office/drawing/2017/decorative" val="1"/>
-              </a:ext>
-            </a:extLst>
-          </p:cNvPr>
-          <p:cNvSpPr>
-            <a:spLocks noGrp="1" noRot="1" noChangeAspect="1" noMove="1" noResize="1" noEditPoints="1" noAdjustHandles="1" noChangeArrowheads="1" noChangeShapeType="1" noTextEdit="1"/>
-          </p:cNvSpPr>
-          <p:nvPr>
-            <p:extLst>
-              <p:ext uri="{386F3935-93C4-4BCD-93E2-E3B085C9AB24}">
-                <p16:designElem xmlns:p16="http://schemas.microsoft.com/office/powerpoint/2015/main" val="1"/>
-              </p:ext>
-            </p:extLst>
-          </p:nvPr>
-        </p:nvSpPr>
-        <p:spPr>
-          <a:xfrm>
-            <a:off x="0" y="-3324"/>
-            <a:ext cx="9144000" cy="6861324"/>
-          </a:xfrm>
-          <a:prstGeom prst="rect">
-            <a:avLst/>
-          </a:prstGeom>
-          <a:solidFill>
-            <a:schemeClr val="tx1"/>
-          </a:solidFill>
-          <a:ln>
-            <a:noFill/>
-          </a:ln>
-        </p:spPr>
-        <p:style>
-          <a:lnRef idx="2">
-            <a:schemeClr val="accent1">
-              <a:shade val="50000"/>
-            </a:schemeClr>
-          </a:lnRef>
-          <a:fillRef idx="1">
-            <a:schemeClr val="accent1"/>
-          </a:fillRef>
-          <a:effectRef idx="0">
-            <a:schemeClr val="accent1"/>
-          </a:effectRef>
-          <a:fontRef idx="minor">
-            <a:schemeClr val="lt1"/>
-          </a:fontRef>
-        </p:style>
-        <p:txBody>
-          <a:bodyPr rtlCol="0" anchor="ctr"/>
-          <a:lstStyle/>
-          <a:p>
-            <a:pPr algn="ctr"/>
-            <a:endParaRPr lang="en-US" dirty="0">
-              <a:latin typeface="Times New Roman" panose="02020603050405020304" pitchFamily="18" charset="0"/>
-            </a:endParaRPr>
-          </a:p>
-        </p:txBody>
-      </p:sp>
-      <p:sp>
-        <p:nvSpPr>
-          <p:cNvPr id="14" name="Rectangle 9">
-            <a:extLst>
-              <a:ext uri="{FF2B5EF4-FFF2-40B4-BE49-F238E27FC236}">
-                <a16:creationId xmlns:a16="http://schemas.microsoft.com/office/drawing/2014/main" id="{3E5445C6-DD42-4979-86FF-03730E8C6DB0}"/>
-              </a:ext>
-              <a:ext uri="{C183D7F6-B498-43B3-948B-1728B52AA6E4}">
-                <adec:decorative xmlns:adec="http://schemas.microsoft.com/office/drawing/2017/decorative" val="1"/>
-              </a:ext>
-            </a:extLst>
-          </p:cNvPr>
-          <p:cNvSpPr>
-            <a:spLocks noGrp="1" noRot="1" noChangeAspect="1" noMove="1" noResize="1" noEditPoints="1" noAdjustHandles="1" noChangeArrowheads="1" noChangeShapeType="1" noTextEdit="1"/>
-          </p:cNvSpPr>
-          <p:nvPr>
-            <p:extLst>
-              <p:ext uri="{386F3935-93C4-4BCD-93E2-E3B085C9AB24}">
-                <p16:designElem xmlns:p16="http://schemas.microsoft.com/office/powerpoint/2015/main" val="1"/>
-              </p:ext>
-            </p:extLst>
-          </p:nvPr>
-        </p:nvSpPr>
-        <p:spPr bwMode="ltGray">
-          <a:xfrm>
-            <a:off x="241300" y="321733"/>
-            <a:ext cx="8680116" cy="6214534"/>
-          </a:xfrm>
-          <a:prstGeom prst="rect">
-            <a:avLst/>
-          </a:prstGeom>
-          <a:solidFill>
-            <a:schemeClr val="bg1">
-              <a:lumMod val="75000"/>
-              <a:lumOff val="25000"/>
-            </a:schemeClr>
-          </a:solidFill>
-          <a:ln w="127000" cap="sq" cmpd="thinThick">
-            <a:solidFill>
-              <a:schemeClr val="bg1">
-                <a:lumMod val="75000"/>
-                <a:lumOff val="25000"/>
-              </a:schemeClr>
-            </a:solidFill>
-          </a:ln>
-        </p:spPr>
-        <p:style>
-          <a:lnRef idx="2">
-            <a:schemeClr val="accent1">
-              <a:shade val="50000"/>
-            </a:schemeClr>
-          </a:lnRef>
-          <a:fillRef idx="1">
-            <a:schemeClr val="accent1"/>
-          </a:fillRef>
-          <a:effectRef idx="0">
-            <a:schemeClr val="accent1"/>
-          </a:effectRef>
-          <a:fontRef idx="minor">
-            <a:schemeClr val="lt1"/>
-          </a:fontRef>
-        </p:style>
-        <p:txBody>
-          <a:bodyPr rtlCol="0" anchor="ctr"/>
-          <a:lstStyle/>
-          <a:p>
-            <a:pPr algn="ctr"/>
-            <a:endParaRPr lang="en-US" dirty="0">
-              <a:latin typeface="Times New Roman" panose="02020603050405020304" pitchFamily="18" charset="0"/>
-            </a:endParaRPr>
-          </a:p>
-        </p:txBody>
-      </p:sp>
-      <p:sp>
-        <p:nvSpPr>
           <p:cNvPr id="2" name="Title 1"/>
           <p:cNvSpPr>
             <a:spLocks noGrp="1"/>
           </p:cNvSpPr>
           <p:nvPr>
-            <p:ph type="ctrTitle"/>
+            <p:ph type="title"/>
           </p:nvPr>
         </p:nvSpPr>
         <p:spPr>
           <a:xfrm>
-            <a:off x="1143000" y="1122362"/>
-            <a:ext cx="6858000" cy="1977923"/>
+            <a:off x="628650" y="365125"/>
+            <a:ext cx="7886700" cy="1325563"/>
           </a:xfrm>
         </p:spPr>
         <p:txBody>
@@ -10034,109 +9971,64 @@
           </a:bodyPr>
           <a:lstStyle/>
           <a:p>
-            <a:r>
-              <a:rPr lang="en-US" sz="5000" dirty="0"/>
-              <a:t>Introduction to Python for Social Sciences</a:t>
-            </a:r>
+            <a:pPr>
+              <a:lnSpc>
+                <a:spcPct val="90000"/>
+              </a:lnSpc>
+            </a:pPr>
+            <a:r>
+              <a:rPr lang="en-US" dirty="0"/>
+              <a:t>Course requirements:</a:t>
+            </a:r>
+            <a:endParaRPr lang="en-IL" dirty="0"/>
           </a:p>
         </p:txBody>
       </p:sp>
-      <p:sp>
-        <p:nvSpPr>
-          <p:cNvPr id="3" name="Subtitle 2"/>
-          <p:cNvSpPr>
-            <a:spLocks noGrp="1"/>
-          </p:cNvSpPr>
-          <p:nvPr>
-            <p:ph type="subTitle" idx="1"/>
-          </p:nvPr>
-        </p:nvSpPr>
-        <p:spPr>
-          <a:xfrm>
-            <a:off x="1143000" y="4256436"/>
-            <a:ext cx="6858000" cy="1600818"/>
-          </a:xfrm>
-        </p:spPr>
-        <p:txBody>
-          <a:bodyPr>
-            <a:normAutofit/>
-          </a:bodyPr>
-          <a:lstStyle/>
-          <a:p>
-            <a:r>
-              <a:rPr lang="en-US" dirty="0">
-                <a:solidFill>
-                  <a:schemeClr val="accent1"/>
-                </a:solidFill>
-              </a:rPr>
-              <a:t>Iftach Amir, PhD</a:t>
-            </a:r>
-          </a:p>
-        </p:txBody>
-      </p:sp>
-      <p:cxnSp>
-        <p:nvCxnSpPr>
-          <p:cNvPr id="12" name="Straight Connector 11">
+      <p:graphicFrame>
+        <p:nvGraphicFramePr>
+          <p:cNvPr id="5" name="Content Placeholder 2">
             <a:extLst>
               <a:ext uri="{FF2B5EF4-FFF2-40B4-BE49-F238E27FC236}">
-                <a16:creationId xmlns:a16="http://schemas.microsoft.com/office/drawing/2014/main" id="{45000665-DFC7-417E-8FD7-516A0F15C975}"/>
-              </a:ext>
-              <a:ext uri="{C183D7F6-B498-43B3-948B-1728B52AA6E4}">
-                <adec:decorative xmlns:adec="http://schemas.microsoft.com/office/drawing/2017/decorative" val="1"/>
+                <a16:creationId xmlns:a16="http://schemas.microsoft.com/office/drawing/2014/main" id="{D18A1F7E-7C95-4C3E-927A-49FE10BEB3DC}"/>
               </a:ext>
             </a:extLst>
           </p:cNvPr>
-          <p:cNvCxnSpPr>
-            <a:cxnSpLocks noGrp="1" noRot="1" noChangeAspect="1" noMove="1" noResize="1" noEditPoints="1" noAdjustHandles="1" noChangeArrowheads="1" noChangeShapeType="1"/>
-          </p:cNvCxnSpPr>
+          <p:cNvGraphicFramePr>
+            <a:graphicFrameLocks noGrp="1"/>
+          </p:cNvGraphicFramePr>
           <p:nvPr>
+            <p:ph idx="1"/>
             <p:extLst>
-              <p:ext uri="{386F3935-93C4-4BCD-93E2-E3B085C9AB24}">
-                <p16:designElem xmlns:p16="http://schemas.microsoft.com/office/powerpoint/2015/main" val="1"/>
+              <p:ext uri="{D42A27DB-BD31-4B8C-83A1-F6EECF244321}">
+                <p14:modId xmlns:p14="http://schemas.microsoft.com/office/powerpoint/2010/main" val="272464317"/>
               </p:ext>
             </p:extLst>
           </p:nvPr>
-        </p:nvCxnSpPr>
-        <p:spPr>
-          <a:xfrm>
-            <a:off x="3543300" y="4109417"/>
-            <a:ext cx="2057400" cy="0"/>
-          </a:xfrm>
-          <a:prstGeom prst="line">
-            <a:avLst/>
-          </a:prstGeom>
-          <a:ln w="12700">
-            <a:solidFill>
-              <a:schemeClr val="tx1">
-                <a:lumMod val="85000"/>
-              </a:schemeClr>
-            </a:solidFill>
-          </a:ln>
-        </p:spPr>
-        <p:style>
-          <a:lnRef idx="1">
-            <a:schemeClr val="accent1"/>
-          </a:lnRef>
-          <a:fillRef idx="0">
-            <a:schemeClr val="accent1"/>
-          </a:fillRef>
-          <a:effectRef idx="0">
-            <a:schemeClr val="accent1"/>
-          </a:effectRef>
-          <a:fontRef idx="minor">
-            <a:schemeClr val="tx1"/>
-          </a:fontRef>
-        </p:style>
-      </p:cxnSp>
+        </p:nvGraphicFramePr>
+        <p:xfrm>
+          <a:off x="628650" y="1825625"/>
+          <a:ext cx="7886700" cy="4351338"/>
+        </p:xfrm>
+        <a:graphic>
+          <a:graphicData uri="http://schemas.openxmlformats.org/drawingml/2006/diagram">
+            <dgm:relIds xmlns:dgm="http://schemas.openxmlformats.org/drawingml/2006/diagram" xmlns:r="http://schemas.openxmlformats.org/officeDocument/2006/relationships" r:dm="rId2" r:lo="rId3" r:qs="rId4" r:cs="rId5"/>
+          </a:graphicData>
+        </a:graphic>
+      </p:graphicFrame>
     </p:spTree>
+    <p:extLst>
+      <p:ext uri="{BB962C8B-B14F-4D97-AF65-F5344CB8AC3E}">
+        <p14:creationId xmlns:p14="http://schemas.microsoft.com/office/powerpoint/2010/main" val="2864601969"/>
+      </p:ext>
+    </p:extLst>
   </p:cSld>
   <p:clrMapOvr>
-    <a:overrideClrMapping bg1="dk1" tx1="lt1" bg2="dk2" tx2="lt2" accent1="accent1" accent2="accent2" accent3="accent3" accent4="accent4" accent5="accent5" accent6="accent6" hlink="hlink" folHlink="folHlink"/>
+    <a:masterClrMapping/>
   </p:clrMapOvr>
 </p:sld>
 </file>
 
-<file path=ppt/slides/slide10.xml><?xml version="1.0" encoding="utf-8"?>
+<file path=ppt/slides/slide11.xml><?xml version="1.0" encoding="utf-8"?>
 <p:sld xmlns:a="http://schemas.openxmlformats.org/drawingml/2006/main" xmlns:r="http://schemas.openxmlformats.org/officeDocument/2006/relationships" xmlns:p="http://schemas.openxmlformats.org/presentationml/2006/main">
   <p:cSld>
     <p:bg>
@@ -10406,7 +10298,7 @@
 </p:sld>
 </file>
 
-<file path=ppt/slides/slide11.xml><?xml version="1.0" encoding="utf-8"?>
+<file path=ppt/slides/slide12.xml><?xml version="1.0" encoding="utf-8"?>
 <p:sld xmlns:a="http://schemas.openxmlformats.org/drawingml/2006/main" xmlns:r="http://schemas.openxmlformats.org/officeDocument/2006/relationships" xmlns:p="http://schemas.openxmlformats.org/presentationml/2006/main">
   <p:cSld>
     <p:bg>
@@ -10731,7 +10623,7 @@
 </p:sld>
 </file>
 
-<file path=ppt/slides/slide12.xml><?xml version="1.0" encoding="utf-8"?>
+<file path=ppt/slides/slide13.xml><?xml version="1.0" encoding="utf-8"?>
 <p:sld xmlns:a="http://schemas.openxmlformats.org/drawingml/2006/main" xmlns:r="http://schemas.openxmlformats.org/officeDocument/2006/relationships" xmlns:p="http://schemas.openxmlformats.org/presentationml/2006/main">
   <p:cSld>
     <p:spTree>
@@ -10858,7 +10750,7 @@
 </p:sld>
 </file>
 
-<file path=ppt/slides/slide13.xml><?xml version="1.0" encoding="utf-8"?>
+<file path=ppt/slides/slide14.xml><?xml version="1.0" encoding="utf-8"?>
 <p:sld xmlns:a="http://schemas.openxmlformats.org/drawingml/2006/main" xmlns:r="http://schemas.openxmlformats.org/officeDocument/2006/relationships" xmlns:p="http://schemas.openxmlformats.org/presentationml/2006/main">
   <p:cSld>
     <p:spTree>
@@ -10928,7 +10820,7 @@
 </p:sld>
 </file>
 
-<file path=ppt/slides/slide14.xml><?xml version="1.0" encoding="utf-8"?>
+<file path=ppt/slides/slide15.xml><?xml version="1.0" encoding="utf-8"?>
 <p:sld xmlns:a="http://schemas.openxmlformats.org/drawingml/2006/main" xmlns:r="http://schemas.openxmlformats.org/officeDocument/2006/relationships" xmlns:p="http://schemas.openxmlformats.org/presentationml/2006/main">
   <p:cSld>
     <p:spTree>
@@ -11168,7 +11060,7 @@
 </p:sld>
 </file>
 
-<file path=ppt/slides/slide15.xml><?xml version="1.0" encoding="utf-8"?>
+<file path=ppt/slides/slide16.xml><?xml version="1.0" encoding="utf-8"?>
 <p:sld xmlns:a="http://schemas.openxmlformats.org/drawingml/2006/main" xmlns:r="http://schemas.openxmlformats.org/officeDocument/2006/relationships" xmlns:p="http://schemas.openxmlformats.org/presentationml/2006/main">
   <p:cSld>
     <p:spTree>
@@ -11286,7 +11178,7 @@
 </p:sld>
 </file>
 
-<file path=ppt/slides/slide16.xml><?xml version="1.0" encoding="utf-8"?>
+<file path=ppt/slides/slide17.xml><?xml version="1.0" encoding="utf-8"?>
 <p:sld xmlns:a="http://schemas.openxmlformats.org/drawingml/2006/main" xmlns:r="http://schemas.openxmlformats.org/officeDocument/2006/relationships" xmlns:p="http://schemas.openxmlformats.org/presentationml/2006/main">
   <p:cSld>
     <p:spTree>
@@ -11384,7 +11276,7 @@
 </p:sld>
 </file>
 
-<file path=ppt/slides/slide17.xml><?xml version="1.0" encoding="utf-8"?>
+<file path=ppt/slides/slide18.xml><?xml version="1.0" encoding="utf-8"?>
 <p:sld xmlns:a="http://schemas.openxmlformats.org/drawingml/2006/main" xmlns:r="http://schemas.openxmlformats.org/officeDocument/2006/relationships" xmlns:p="http://schemas.openxmlformats.org/presentationml/2006/main">
   <p:cSld>
     <p:bg>
@@ -11631,7 +11523,7 @@
 </p:sld>
 </file>
 
-<file path=ppt/slides/slide18.xml><?xml version="1.0" encoding="utf-8"?>
+<file path=ppt/slides/slide19.xml><?xml version="1.0" encoding="utf-8"?>
 <p:sld xmlns:a="http://schemas.openxmlformats.org/drawingml/2006/main" xmlns:r="http://schemas.openxmlformats.org/officeDocument/2006/relationships" xmlns:p="http://schemas.openxmlformats.org/presentationml/2006/main">
   <p:cSld>
     <p:spTree>
@@ -11716,7 +11608,294 @@
 </p:sld>
 </file>
 
-<file path=ppt/slides/slide19.xml><?xml version="1.0" encoding="utf-8"?>
+<file path=ppt/slides/slide2.xml><?xml version="1.0" encoding="utf-8"?>
+<p:sld xmlns:a="http://schemas.openxmlformats.org/drawingml/2006/main" xmlns:r="http://schemas.openxmlformats.org/officeDocument/2006/relationships" xmlns:p="http://schemas.openxmlformats.org/presentationml/2006/main">
+  <p:cSld>
+    <p:bg>
+      <p:bgPr>
+        <a:solidFill>
+          <a:schemeClr val="tx1"/>
+        </a:solidFill>
+        <a:effectLst/>
+      </p:bgPr>
+    </p:bg>
+    <p:spTree>
+      <p:nvGrpSpPr>
+        <p:cNvPr id="1" name=""/>
+        <p:cNvGrpSpPr/>
+        <p:nvPr/>
+      </p:nvGrpSpPr>
+      <p:grpSpPr>
+        <a:xfrm>
+          <a:off x="0" y="0"/>
+          <a:ext cx="0" cy="0"/>
+          <a:chOff x="0" y="0"/>
+          <a:chExt cx="0" cy="0"/>
+        </a:xfrm>
+      </p:grpSpPr>
+      <p:sp>
+        <p:nvSpPr>
+          <p:cNvPr id="13" name="Rectangle 7">
+            <a:extLst>
+              <a:ext uri="{FF2B5EF4-FFF2-40B4-BE49-F238E27FC236}">
+                <a16:creationId xmlns:a16="http://schemas.microsoft.com/office/drawing/2014/main" id="{2A8AA5BC-4F7A-4226-8F99-6D824B226A97}"/>
+              </a:ext>
+              <a:ext uri="{C183D7F6-B498-43B3-948B-1728B52AA6E4}">
+                <adec:decorative xmlns:adec="http://schemas.microsoft.com/office/drawing/2017/decorative" val="1"/>
+              </a:ext>
+            </a:extLst>
+          </p:cNvPr>
+          <p:cNvSpPr>
+            <a:spLocks noGrp="1" noRot="1" noChangeAspect="1" noMove="1" noResize="1" noEditPoints="1" noAdjustHandles="1" noChangeArrowheads="1" noChangeShapeType="1" noTextEdit="1"/>
+          </p:cNvSpPr>
+          <p:nvPr>
+            <p:extLst>
+              <p:ext uri="{386F3935-93C4-4BCD-93E2-E3B085C9AB24}">
+                <p16:designElem xmlns:p16="http://schemas.microsoft.com/office/powerpoint/2015/main" val="1"/>
+              </p:ext>
+            </p:extLst>
+          </p:nvPr>
+        </p:nvSpPr>
+        <p:spPr>
+          <a:xfrm>
+            <a:off x="0" y="-3324"/>
+            <a:ext cx="9144000" cy="6861324"/>
+          </a:xfrm>
+          <a:prstGeom prst="rect">
+            <a:avLst/>
+          </a:prstGeom>
+          <a:solidFill>
+            <a:schemeClr val="tx1"/>
+          </a:solidFill>
+          <a:ln>
+            <a:noFill/>
+          </a:ln>
+        </p:spPr>
+        <p:style>
+          <a:lnRef idx="2">
+            <a:schemeClr val="accent1">
+              <a:shade val="50000"/>
+            </a:schemeClr>
+          </a:lnRef>
+          <a:fillRef idx="1">
+            <a:schemeClr val="accent1"/>
+          </a:fillRef>
+          <a:effectRef idx="0">
+            <a:schemeClr val="accent1"/>
+          </a:effectRef>
+          <a:fontRef idx="minor">
+            <a:schemeClr val="lt1"/>
+          </a:fontRef>
+        </p:style>
+        <p:txBody>
+          <a:bodyPr rtlCol="0" anchor="ctr"/>
+          <a:lstStyle/>
+          <a:p>
+            <a:pPr algn="ctr"/>
+            <a:endParaRPr lang="en-US" dirty="0">
+              <a:latin typeface="Times New Roman" panose="02020603050405020304" pitchFamily="18" charset="0"/>
+            </a:endParaRPr>
+          </a:p>
+        </p:txBody>
+      </p:sp>
+      <p:sp>
+        <p:nvSpPr>
+          <p:cNvPr id="14" name="Rectangle 9">
+            <a:extLst>
+              <a:ext uri="{FF2B5EF4-FFF2-40B4-BE49-F238E27FC236}">
+                <a16:creationId xmlns:a16="http://schemas.microsoft.com/office/drawing/2014/main" id="{3E5445C6-DD42-4979-86FF-03730E8C6DB0}"/>
+              </a:ext>
+              <a:ext uri="{C183D7F6-B498-43B3-948B-1728B52AA6E4}">
+                <adec:decorative xmlns:adec="http://schemas.microsoft.com/office/drawing/2017/decorative" val="1"/>
+              </a:ext>
+            </a:extLst>
+          </p:cNvPr>
+          <p:cNvSpPr>
+            <a:spLocks noGrp="1" noRot="1" noChangeAspect="1" noMove="1" noResize="1" noEditPoints="1" noAdjustHandles="1" noChangeArrowheads="1" noChangeShapeType="1" noTextEdit="1"/>
+          </p:cNvSpPr>
+          <p:nvPr>
+            <p:extLst>
+              <p:ext uri="{386F3935-93C4-4BCD-93E2-E3B085C9AB24}">
+                <p16:designElem xmlns:p16="http://schemas.microsoft.com/office/powerpoint/2015/main" val="1"/>
+              </p:ext>
+            </p:extLst>
+          </p:nvPr>
+        </p:nvSpPr>
+        <p:spPr bwMode="ltGray">
+          <a:xfrm>
+            <a:off x="241300" y="321733"/>
+            <a:ext cx="8680116" cy="6214534"/>
+          </a:xfrm>
+          <a:prstGeom prst="rect">
+            <a:avLst/>
+          </a:prstGeom>
+          <a:solidFill>
+            <a:schemeClr val="bg1">
+              <a:lumMod val="75000"/>
+              <a:lumOff val="25000"/>
+            </a:schemeClr>
+          </a:solidFill>
+          <a:ln w="127000" cap="sq" cmpd="thinThick">
+            <a:solidFill>
+              <a:schemeClr val="bg1">
+                <a:lumMod val="75000"/>
+                <a:lumOff val="25000"/>
+              </a:schemeClr>
+            </a:solidFill>
+          </a:ln>
+        </p:spPr>
+        <p:style>
+          <a:lnRef idx="2">
+            <a:schemeClr val="accent1">
+              <a:shade val="50000"/>
+            </a:schemeClr>
+          </a:lnRef>
+          <a:fillRef idx="1">
+            <a:schemeClr val="accent1"/>
+          </a:fillRef>
+          <a:effectRef idx="0">
+            <a:schemeClr val="accent1"/>
+          </a:effectRef>
+          <a:fontRef idx="minor">
+            <a:schemeClr val="lt1"/>
+          </a:fontRef>
+        </p:style>
+        <p:txBody>
+          <a:bodyPr rtlCol="0" anchor="ctr"/>
+          <a:lstStyle/>
+          <a:p>
+            <a:pPr algn="ctr"/>
+            <a:endParaRPr lang="en-US" dirty="0">
+              <a:latin typeface="Times New Roman" panose="02020603050405020304" pitchFamily="18" charset="0"/>
+            </a:endParaRPr>
+          </a:p>
+        </p:txBody>
+      </p:sp>
+      <p:sp>
+        <p:nvSpPr>
+          <p:cNvPr id="2" name="Title 1"/>
+          <p:cNvSpPr>
+            <a:spLocks noGrp="1"/>
+          </p:cNvSpPr>
+          <p:nvPr>
+            <p:ph type="ctrTitle"/>
+          </p:nvPr>
+        </p:nvSpPr>
+        <p:spPr>
+          <a:xfrm>
+            <a:off x="1143000" y="1122362"/>
+            <a:ext cx="6858000" cy="1977923"/>
+          </a:xfrm>
+        </p:spPr>
+        <p:txBody>
+          <a:bodyPr>
+            <a:normAutofit/>
+          </a:bodyPr>
+          <a:lstStyle/>
+          <a:p>
+            <a:r>
+              <a:rPr lang="en-US" sz="5000" dirty="0"/>
+              <a:t>Introduction to Python for Social Sciences</a:t>
+            </a:r>
+          </a:p>
+        </p:txBody>
+      </p:sp>
+      <p:sp>
+        <p:nvSpPr>
+          <p:cNvPr id="3" name="Subtitle 2"/>
+          <p:cNvSpPr>
+            <a:spLocks noGrp="1"/>
+          </p:cNvSpPr>
+          <p:nvPr>
+            <p:ph type="subTitle" idx="1"/>
+          </p:nvPr>
+        </p:nvSpPr>
+        <p:spPr>
+          <a:xfrm>
+            <a:off x="1143000" y="4256436"/>
+            <a:ext cx="6858000" cy="1600818"/>
+          </a:xfrm>
+        </p:spPr>
+        <p:txBody>
+          <a:bodyPr>
+            <a:normAutofit/>
+          </a:bodyPr>
+          <a:lstStyle/>
+          <a:p>
+            <a:r>
+              <a:rPr lang="en-US" dirty="0">
+                <a:solidFill>
+                  <a:schemeClr val="accent1"/>
+                </a:solidFill>
+              </a:rPr>
+              <a:t>Iftach Amir, PhD</a:t>
+            </a:r>
+          </a:p>
+        </p:txBody>
+      </p:sp>
+      <p:cxnSp>
+        <p:nvCxnSpPr>
+          <p:cNvPr id="12" name="Straight Connector 11">
+            <a:extLst>
+              <a:ext uri="{FF2B5EF4-FFF2-40B4-BE49-F238E27FC236}">
+                <a16:creationId xmlns:a16="http://schemas.microsoft.com/office/drawing/2014/main" id="{45000665-DFC7-417E-8FD7-516A0F15C975}"/>
+              </a:ext>
+              <a:ext uri="{C183D7F6-B498-43B3-948B-1728B52AA6E4}">
+                <adec:decorative xmlns:adec="http://schemas.microsoft.com/office/drawing/2017/decorative" val="1"/>
+              </a:ext>
+            </a:extLst>
+          </p:cNvPr>
+          <p:cNvCxnSpPr>
+            <a:cxnSpLocks noGrp="1" noRot="1" noChangeAspect="1" noMove="1" noResize="1" noEditPoints="1" noAdjustHandles="1" noChangeArrowheads="1" noChangeShapeType="1"/>
+          </p:cNvCxnSpPr>
+          <p:nvPr>
+            <p:extLst>
+              <p:ext uri="{386F3935-93C4-4BCD-93E2-E3B085C9AB24}">
+                <p16:designElem xmlns:p16="http://schemas.microsoft.com/office/powerpoint/2015/main" val="1"/>
+              </p:ext>
+            </p:extLst>
+          </p:nvPr>
+        </p:nvCxnSpPr>
+        <p:spPr>
+          <a:xfrm>
+            <a:off x="3543300" y="4109417"/>
+            <a:ext cx="2057400" cy="0"/>
+          </a:xfrm>
+          <a:prstGeom prst="line">
+            <a:avLst/>
+          </a:prstGeom>
+          <a:ln w="12700">
+            <a:solidFill>
+              <a:schemeClr val="tx1">
+                <a:lumMod val="85000"/>
+              </a:schemeClr>
+            </a:solidFill>
+          </a:ln>
+        </p:spPr>
+        <p:style>
+          <a:lnRef idx="1">
+            <a:schemeClr val="accent1"/>
+          </a:lnRef>
+          <a:fillRef idx="0">
+            <a:schemeClr val="accent1"/>
+          </a:fillRef>
+          <a:effectRef idx="0">
+            <a:schemeClr val="accent1"/>
+          </a:effectRef>
+          <a:fontRef idx="minor">
+            <a:schemeClr val="tx1"/>
+          </a:fontRef>
+        </p:style>
+      </p:cxnSp>
+    </p:spTree>
+  </p:cSld>
+  <p:clrMapOvr>
+    <a:overrideClrMapping bg1="dk1" tx1="lt1" bg2="dk2" tx2="lt2" accent1="accent1" accent2="accent2" accent3="accent3" accent4="accent4" accent5="accent5" accent6="accent6" hlink="hlink" folHlink="folHlink"/>
+  </p:clrMapOvr>
+</p:sld>
+</file>
+
+<file path=ppt/slides/slide20.xml><?xml version="1.0" encoding="utf-8"?>
 <p:sld xmlns:a="http://schemas.openxmlformats.org/drawingml/2006/main" xmlns:r="http://schemas.openxmlformats.org/officeDocument/2006/relationships" xmlns:p="http://schemas.openxmlformats.org/presentationml/2006/main">
   <p:cSld>
     <p:spTree>
@@ -11845,7 +12024,2482 @@
 </p:sld>
 </file>
 
-<file path=ppt/slides/slide2.xml><?xml version="1.0" encoding="utf-8"?>
+<file path=ppt/slides/slide21.xml><?xml version="1.0" encoding="utf-8"?>
+<p:sld xmlns:a="http://schemas.openxmlformats.org/drawingml/2006/main" xmlns:r="http://schemas.openxmlformats.org/officeDocument/2006/relationships" xmlns:p="http://schemas.openxmlformats.org/presentationml/2006/main">
+  <p:cSld>
+    <p:spTree>
+      <p:nvGrpSpPr>
+        <p:cNvPr id="1" name=""/>
+        <p:cNvGrpSpPr/>
+        <p:nvPr/>
+      </p:nvGrpSpPr>
+      <p:grpSpPr>
+        <a:xfrm>
+          <a:off x="0" y="0"/>
+          <a:ext cx="0" cy="0"/>
+          <a:chOff x="0" y="0"/>
+          <a:chExt cx="0" cy="0"/>
+        </a:xfrm>
+      </p:grpSpPr>
+      <p:sp>
+        <p:nvSpPr>
+          <p:cNvPr id="3" name="Content Placeholder 2"/>
+          <p:cNvSpPr>
+            <a:spLocks noGrp="1"/>
+          </p:cNvSpPr>
+          <p:nvPr>
+            <p:ph idx="1"/>
+          </p:nvPr>
+        </p:nvSpPr>
+        <p:spPr>
+          <a:xfrm>
+            <a:off x="457200" y="522514"/>
+            <a:ext cx="8229600" cy="5603649"/>
+          </a:xfrm>
+        </p:spPr>
+        <p:txBody>
+          <a:bodyPr anchor="ctr">
+            <a:normAutofit/>
+          </a:bodyPr>
+          <a:lstStyle/>
+          <a:p>
+            <a:pPr marL="0" indent="0" algn="ctr">
+              <a:buNone/>
+            </a:pPr>
+            <a:r>
+              <a:rPr lang="en-IL" sz="8000" dirty="0"/>
+              <a:t>O</a:t>
+            </a:r>
+            <a:r>
+              <a:rPr lang="en-US" sz="8000" dirty="0"/>
+              <a:t>p</a:t>
+            </a:r>
+            <a:r>
+              <a:rPr lang="en-IL" sz="8000" dirty="0"/>
+              <a:t>e</a:t>
+            </a:r>
+            <a:r>
+              <a:rPr lang="en-US" sz="8000" dirty="0"/>
+              <a:t>n</a:t>
+            </a:r>
+            <a:r>
+              <a:rPr lang="en-IL" sz="8000" dirty="0"/>
+              <a:t> </a:t>
+            </a:r>
+            <a:r>
+              <a:rPr lang="en-IL" sz="8000" dirty="0">
+                <a:hlinkClick r:id="rId2" action="ppaction://hlinkfile"/>
+              </a:rPr>
+              <a:t>repl.it</a:t>
+            </a:r>
+            <a:r>
+              <a:rPr lang="en-IL" sz="8000" dirty="0"/>
+              <a:t> </a:t>
+            </a:r>
+            <a:r>
+              <a:rPr lang="en-US" sz="8000" dirty="0"/>
+              <a:t>a</a:t>
+            </a:r>
+            <a:r>
+              <a:rPr lang="en-IL" sz="8000" dirty="0"/>
+              <a:t>n</a:t>
+            </a:r>
+            <a:r>
+              <a:rPr lang="en-US" sz="8000" dirty="0"/>
+              <a:t>d</a:t>
+            </a:r>
+            <a:r>
+              <a:rPr lang="en-IL" sz="8000" dirty="0"/>
+              <a:t> </a:t>
+            </a:r>
+            <a:r>
+              <a:rPr lang="en-US" sz="8000" dirty="0"/>
+              <a:t>c</a:t>
+            </a:r>
+            <a:r>
+              <a:rPr lang="en-IL" sz="8000" dirty="0"/>
+              <a:t>r</a:t>
+            </a:r>
+            <a:r>
+              <a:rPr lang="en-US" sz="8000" dirty="0"/>
+              <a:t>e</a:t>
+            </a:r>
+            <a:r>
+              <a:rPr lang="en-IL" sz="8000" dirty="0"/>
+              <a:t>a</a:t>
+            </a:r>
+            <a:r>
+              <a:rPr lang="en-US" sz="8000" dirty="0"/>
+              <a:t>t</a:t>
+            </a:r>
+            <a:r>
+              <a:rPr lang="en-IL" sz="8000" dirty="0"/>
+              <a:t>e </a:t>
+            </a:r>
+            <a:r>
+              <a:rPr lang="en-US" sz="8000" dirty="0"/>
+              <a:t>a</a:t>
+            </a:r>
+            <a:r>
+              <a:rPr lang="en-IL" sz="8000" dirty="0"/>
+              <a:t>n </a:t>
+            </a:r>
+            <a:r>
+              <a:rPr lang="en-US" sz="8000" dirty="0"/>
+              <a:t>a</a:t>
+            </a:r>
+            <a:r>
+              <a:rPr lang="en-IL" sz="8000" dirty="0"/>
+              <a:t>c</a:t>
+            </a:r>
+            <a:r>
+              <a:rPr lang="en-US" sz="8000" dirty="0"/>
+              <a:t>c</a:t>
+            </a:r>
+            <a:r>
+              <a:rPr lang="en-IL" sz="8000" dirty="0"/>
+              <a:t>o</a:t>
+            </a:r>
+            <a:r>
+              <a:rPr lang="en-US" sz="8000" dirty="0"/>
+              <a:t>u</a:t>
+            </a:r>
+            <a:r>
+              <a:rPr lang="en-IL" sz="8000" dirty="0"/>
+              <a:t>n</a:t>
+            </a:r>
+            <a:r>
+              <a:rPr lang="en-US" sz="8000" dirty="0"/>
+              <a:t>t</a:t>
+            </a:r>
+            <a:endParaRPr lang="en-IL" sz="8000" dirty="0"/>
+          </a:p>
+        </p:txBody>
+      </p:sp>
+    </p:spTree>
+    <p:extLst>
+      <p:ext uri="{BB962C8B-B14F-4D97-AF65-F5344CB8AC3E}">
+        <p14:creationId xmlns:p14="http://schemas.microsoft.com/office/powerpoint/2010/main" val="2187440626"/>
+      </p:ext>
+    </p:extLst>
+  </p:cSld>
+  <p:clrMapOvr>
+    <a:masterClrMapping/>
+  </p:clrMapOvr>
+</p:sld>
+</file>
+
+<file path=ppt/slides/slide22.xml><?xml version="1.0" encoding="utf-8"?>
+<p:sld xmlns:a="http://schemas.openxmlformats.org/drawingml/2006/main" xmlns:r="http://schemas.openxmlformats.org/officeDocument/2006/relationships" xmlns:p="http://schemas.openxmlformats.org/presentationml/2006/main">
+  <p:cSld>
+    <p:spTree>
+      <p:nvGrpSpPr>
+        <p:cNvPr id="1" name=""/>
+        <p:cNvGrpSpPr/>
+        <p:nvPr/>
+      </p:nvGrpSpPr>
+      <p:grpSpPr>
+        <a:xfrm>
+          <a:off x="0" y="0"/>
+          <a:ext cx="0" cy="0"/>
+          <a:chOff x="0" y="0"/>
+          <a:chExt cx="0" cy="0"/>
+        </a:xfrm>
+      </p:grpSpPr>
+      <p:sp>
+        <p:nvSpPr>
+          <p:cNvPr id="3" name="Content Placeholder 2"/>
+          <p:cNvSpPr>
+            <a:spLocks noGrp="1"/>
+          </p:cNvSpPr>
+          <p:nvPr>
+            <p:ph idx="1"/>
+          </p:nvPr>
+        </p:nvSpPr>
+        <p:spPr>
+          <a:xfrm>
+            <a:off x="457200" y="1491177"/>
+            <a:ext cx="8229600" cy="4634986"/>
+          </a:xfrm>
+        </p:spPr>
+        <p:txBody>
+          <a:bodyPr anchor="ctr">
+            <a:normAutofit/>
+          </a:bodyPr>
+          <a:lstStyle/>
+          <a:p>
+            <a:pPr marL="985838" indent="-985838"/>
+            <a:r>
+              <a:rPr lang="en-US" sz="6600" dirty="0"/>
+              <a:t>Script window</a:t>
+            </a:r>
+          </a:p>
+          <a:p>
+            <a:pPr marL="985838" indent="-985838"/>
+            <a:r>
+              <a:rPr lang="en-US" sz="6600" dirty="0"/>
+              <a:t>Interactive window</a:t>
+            </a:r>
+            <a:endParaRPr lang="en-IL" sz="6600" dirty="0"/>
+          </a:p>
+        </p:txBody>
+      </p:sp>
+      <p:pic>
+        <p:nvPicPr>
+          <p:cNvPr id="4" name="Picture 3" descr="A close up of a logo&#10;&#10;Description automatically generated">
+            <a:extLst>
+              <a:ext uri="{FF2B5EF4-FFF2-40B4-BE49-F238E27FC236}">
+                <a16:creationId xmlns:a16="http://schemas.microsoft.com/office/drawing/2014/main" id="{FEEE22C8-2D63-44C8-A8B1-AF2EE38ED144}"/>
+              </a:ext>
+            </a:extLst>
+          </p:cNvPr>
+          <p:cNvPicPr>
+            <a:picLocks noChangeAspect="1"/>
+          </p:cNvPicPr>
+          <p:nvPr/>
+        </p:nvPicPr>
+        <p:blipFill>
+          <a:blip r:embed="rId2"/>
+          <a:stretch>
+            <a:fillRect/>
+          </a:stretch>
+        </p:blipFill>
+        <p:spPr>
+          <a:xfrm>
+            <a:off x="2857500" y="186252"/>
+            <a:ext cx="3429000" cy="1304925"/>
+          </a:xfrm>
+          <a:prstGeom prst="rect">
+            <a:avLst/>
+          </a:prstGeom>
+        </p:spPr>
+      </p:pic>
+    </p:spTree>
+    <p:extLst>
+      <p:ext uri="{BB962C8B-B14F-4D97-AF65-F5344CB8AC3E}">
+        <p14:creationId xmlns:p14="http://schemas.microsoft.com/office/powerpoint/2010/main" val="2220214287"/>
+      </p:ext>
+    </p:extLst>
+  </p:cSld>
+  <p:clrMapOvr>
+    <a:masterClrMapping/>
+  </p:clrMapOvr>
+</p:sld>
+</file>
+
+<file path=ppt/slides/slide23.xml><?xml version="1.0" encoding="utf-8"?>
+<p:sld xmlns:a="http://schemas.openxmlformats.org/drawingml/2006/main" xmlns:r="http://schemas.openxmlformats.org/officeDocument/2006/relationships" xmlns:p="http://schemas.openxmlformats.org/presentationml/2006/main">
+  <p:cSld>
+    <p:spTree>
+      <p:nvGrpSpPr>
+        <p:cNvPr id="1" name=""/>
+        <p:cNvGrpSpPr/>
+        <p:nvPr/>
+      </p:nvGrpSpPr>
+      <p:grpSpPr>
+        <a:xfrm>
+          <a:off x="0" y="0"/>
+          <a:ext cx="0" cy="0"/>
+          <a:chOff x="0" y="0"/>
+          <a:chExt cx="0" cy="0"/>
+        </a:xfrm>
+      </p:grpSpPr>
+      <p:sp>
+        <p:nvSpPr>
+          <p:cNvPr id="3" name="Content Placeholder 2"/>
+          <p:cNvSpPr>
+            <a:spLocks noGrp="1"/>
+          </p:cNvSpPr>
+          <p:nvPr>
+            <p:ph idx="1"/>
+          </p:nvPr>
+        </p:nvSpPr>
+        <p:spPr>
+          <a:xfrm>
+            <a:off x="457200" y="3241964"/>
+            <a:ext cx="8229600" cy="2884199"/>
+          </a:xfrm>
+        </p:spPr>
+        <p:txBody>
+          <a:bodyPr anchor="ctr">
+            <a:normAutofit/>
+          </a:bodyPr>
+          <a:lstStyle/>
+          <a:p>
+            <a:pPr marL="0" indent="0" algn="ctr">
+              <a:buNone/>
+            </a:pPr>
+            <a:r>
+              <a:rPr lang="en-IL" sz="5400" dirty="0"/>
+              <a:t>O</a:t>
+            </a:r>
+            <a:r>
+              <a:rPr lang="en-US" sz="5400" dirty="0"/>
+              <a:t>p</a:t>
+            </a:r>
+            <a:r>
+              <a:rPr lang="en-IL" sz="5400" dirty="0"/>
+              <a:t>e</a:t>
+            </a:r>
+            <a:r>
+              <a:rPr lang="en-US" sz="5400" dirty="0"/>
+              <a:t>n</a:t>
+            </a:r>
+            <a:r>
+              <a:rPr lang="en-IL" sz="5400" dirty="0"/>
+              <a:t> </a:t>
+            </a:r>
+            <a:r>
+              <a:rPr lang="en-IL" sz="5400" dirty="0">
+                <a:hlinkClick r:id="rId2" action="ppaction://hlinkfile"/>
+              </a:rPr>
+              <a:t>repl.it</a:t>
+            </a:r>
+            <a:r>
+              <a:rPr lang="en-US" sz="5400" dirty="0"/>
+              <a:t> </a:t>
+            </a:r>
+            <a:r>
+              <a:rPr lang="en-US" sz="5400" dirty="0">
+                <a:sym typeface="Wingdings" panose="05000000000000000000" pitchFamily="2" charset="2"/>
+              </a:rPr>
+              <a:t></a:t>
+            </a:r>
+            <a:endParaRPr lang="en-IL" sz="5400" dirty="0">
+              <a:sym typeface="Wingdings" panose="05000000000000000000" pitchFamily="2" charset="2"/>
+            </a:endParaRPr>
+          </a:p>
+          <a:p>
+            <a:pPr marL="0" indent="0" algn="ctr">
+              <a:buNone/>
+            </a:pPr>
+            <a:br>
+              <a:rPr lang="en-IL" sz="5400" dirty="0">
+                <a:sym typeface="Wingdings" panose="05000000000000000000" pitchFamily="2" charset="2"/>
+              </a:rPr>
+            </a:br>
+            <a:r>
+              <a:rPr lang="en-US" sz="4000" dirty="0">
+                <a:sym typeface="Wingdings" panose="05000000000000000000" pitchFamily="2" charset="2"/>
+              </a:rPr>
+              <a:t>0.</a:t>
+            </a:r>
+            <a:r>
+              <a:rPr lang="en-IL" sz="4000" dirty="0">
+                <a:sym typeface="Wingdings" panose="05000000000000000000" pitchFamily="2" charset="2"/>
+              </a:rPr>
+              <a:t>1</a:t>
+            </a:r>
+            <a:r>
+              <a:rPr lang="en-US" sz="4000" dirty="0">
+                <a:sym typeface="Wingdings" panose="05000000000000000000" pitchFamily="2" charset="2"/>
+              </a:rPr>
+              <a:t>. “</a:t>
+            </a:r>
+            <a:r>
+              <a:rPr lang="en-IL" sz="4000" dirty="0">
+                <a:sym typeface="Wingdings" panose="05000000000000000000" pitchFamily="2" charset="2"/>
+              </a:rPr>
+              <a:t>Basic math operators</a:t>
+            </a:r>
+            <a:r>
+              <a:rPr lang="en-US" sz="4000" dirty="0">
+                <a:sym typeface="Wingdings" panose="05000000000000000000" pitchFamily="2" charset="2"/>
+              </a:rPr>
+              <a:t>”</a:t>
+            </a:r>
+            <a:endParaRPr lang="en-IL" sz="5400" dirty="0"/>
+          </a:p>
+        </p:txBody>
+      </p:sp>
+      <p:pic>
+        <p:nvPicPr>
+          <p:cNvPr id="4" name="Picture 3" descr="A close up of a logo&#10;&#10;Description automatically generated">
+            <a:extLst>
+              <a:ext uri="{FF2B5EF4-FFF2-40B4-BE49-F238E27FC236}">
+                <a16:creationId xmlns:a16="http://schemas.microsoft.com/office/drawing/2014/main" id="{1B07C04D-D05F-43A8-B4D8-73B81977168C}"/>
+              </a:ext>
+            </a:extLst>
+          </p:cNvPr>
+          <p:cNvPicPr>
+            <a:picLocks noChangeAspect="1"/>
+          </p:cNvPicPr>
+          <p:nvPr/>
+        </p:nvPicPr>
+        <p:blipFill>
+          <a:blip r:embed="rId3"/>
+          <a:stretch>
+            <a:fillRect/>
+          </a:stretch>
+        </p:blipFill>
+        <p:spPr>
+          <a:xfrm>
+            <a:off x="2857500" y="1302533"/>
+            <a:ext cx="3429000" cy="1304925"/>
+          </a:xfrm>
+          <a:prstGeom prst="rect">
+            <a:avLst/>
+          </a:prstGeom>
+        </p:spPr>
+      </p:pic>
+    </p:spTree>
+    <p:extLst>
+      <p:ext uri="{BB962C8B-B14F-4D97-AF65-F5344CB8AC3E}">
+        <p14:creationId xmlns:p14="http://schemas.microsoft.com/office/powerpoint/2010/main" val="378283820"/>
+      </p:ext>
+    </p:extLst>
+  </p:cSld>
+  <p:clrMapOvr>
+    <a:masterClrMapping/>
+  </p:clrMapOvr>
+</p:sld>
+</file>
+
+<file path=ppt/slides/slide24.xml><?xml version="1.0" encoding="utf-8"?>
+<p:sld xmlns:a="http://schemas.openxmlformats.org/drawingml/2006/main" xmlns:r="http://schemas.openxmlformats.org/officeDocument/2006/relationships" xmlns:p="http://schemas.openxmlformats.org/presentationml/2006/main">
+  <p:cSld>
+    <p:bg>
+      <p:bgPr>
+        <a:solidFill>
+          <a:schemeClr val="bg1"/>
+        </a:solidFill>
+        <a:effectLst/>
+      </p:bgPr>
+    </p:bg>
+    <p:spTree>
+      <p:nvGrpSpPr>
+        <p:cNvPr id="1" name=""/>
+        <p:cNvGrpSpPr/>
+        <p:nvPr/>
+      </p:nvGrpSpPr>
+      <p:grpSpPr>
+        <a:xfrm>
+          <a:off x="0" y="0"/>
+          <a:ext cx="0" cy="0"/>
+          <a:chOff x="0" y="0"/>
+          <a:chExt cx="0" cy="0"/>
+        </a:xfrm>
+      </p:grpSpPr>
+      <p:sp>
+        <p:nvSpPr>
+          <p:cNvPr id="2" name="Title 1"/>
+          <p:cNvSpPr>
+            <a:spLocks noGrp="1"/>
+          </p:cNvSpPr>
+          <p:nvPr>
+            <p:ph type="title"/>
+          </p:nvPr>
+        </p:nvSpPr>
+        <p:spPr>
+          <a:xfrm>
+            <a:off x="720075" y="978102"/>
+            <a:ext cx="7941325" cy="1062644"/>
+          </a:xfrm>
+        </p:spPr>
+        <p:txBody>
+          <a:bodyPr anchor="b">
+            <a:normAutofit/>
+          </a:bodyPr>
+          <a:lstStyle/>
+          <a:p>
+            <a:pPr algn="l"/>
+            <a:r>
+              <a:rPr lang="en-US"/>
+              <a:t>Variables and Assignments</a:t>
+            </a:r>
+          </a:p>
+        </p:txBody>
+      </p:sp>
+      <p:cxnSp>
+        <p:nvCxnSpPr>
+          <p:cNvPr id="15" name="Straight Connector 10">
+            <a:extLst>
+              <a:ext uri="{FF2B5EF4-FFF2-40B4-BE49-F238E27FC236}">
+                <a16:creationId xmlns:a16="http://schemas.microsoft.com/office/drawing/2014/main" id="{39B7FDC9-F0CE-43A7-9F2A-83DD09DC3453}"/>
+              </a:ext>
+              <a:ext uri="{C183D7F6-B498-43B3-948B-1728B52AA6E4}">
+                <adec:decorative xmlns:adec="http://schemas.microsoft.com/office/drawing/2017/decorative" val="1"/>
+              </a:ext>
+            </a:extLst>
+          </p:cNvPr>
+          <p:cNvCxnSpPr>
+            <a:cxnSpLocks noGrp="1" noRot="1" noChangeAspect="1" noMove="1" noResize="1" noEditPoints="1" noAdjustHandles="1" noChangeArrowheads="1" noChangeShapeType="1"/>
+          </p:cNvCxnSpPr>
+          <p:nvPr>
+            <p:extLst>
+              <p:ext uri="{386F3935-93C4-4BCD-93E2-E3B085C9AB24}">
+                <p16:designElem xmlns:p16="http://schemas.microsoft.com/office/powerpoint/2015/main" val="1"/>
+              </p:ext>
+            </p:extLst>
+          </p:nvPr>
+        </p:nvCxnSpPr>
+        <p:spPr>
+          <a:xfrm>
+            <a:off x="785718" y="2265037"/>
+            <a:ext cx="7593759" cy="0"/>
+          </a:xfrm>
+          <a:prstGeom prst="line">
+            <a:avLst/>
+          </a:prstGeom>
+          <a:ln w="15875">
+            <a:solidFill>
+              <a:schemeClr val="tx1">
+                <a:lumMod val="65000"/>
+                <a:lumOff val="35000"/>
+              </a:schemeClr>
+            </a:solidFill>
+          </a:ln>
+        </p:spPr>
+        <p:style>
+          <a:lnRef idx="1">
+            <a:schemeClr val="accent1"/>
+          </a:lnRef>
+          <a:fillRef idx="0">
+            <a:schemeClr val="accent1"/>
+          </a:fillRef>
+          <a:effectRef idx="0">
+            <a:schemeClr val="accent1"/>
+          </a:effectRef>
+          <a:fontRef idx="minor">
+            <a:schemeClr val="tx1"/>
+          </a:fontRef>
+        </p:style>
+      </p:cxnSp>
+      <p:pic>
+        <p:nvPicPr>
+          <p:cNvPr id="3" name="Picture 2">
+            <a:extLst>
+              <a:ext uri="{FF2B5EF4-FFF2-40B4-BE49-F238E27FC236}">
+                <a16:creationId xmlns:a16="http://schemas.microsoft.com/office/drawing/2014/main" id="{0143D6D4-C082-4A95-8AC8-F248EDE9A7F4}"/>
+              </a:ext>
+            </a:extLst>
+          </p:cNvPr>
+          <p:cNvPicPr>
+            <a:picLocks noChangeAspect="1"/>
+          </p:cNvPicPr>
+          <p:nvPr/>
+        </p:nvPicPr>
+        <p:blipFill rotWithShape="1">
+          <a:blip r:embed="rId2"/>
+          <a:srcRect b="6697"/>
+          <a:stretch/>
+        </p:blipFill>
+        <p:spPr>
+          <a:xfrm>
+            <a:off x="835517" y="2811104"/>
+            <a:ext cx="2524860" cy="2703342"/>
+          </a:xfrm>
+          <a:prstGeom prst="rect">
+            <a:avLst/>
+          </a:prstGeom>
+        </p:spPr>
+      </p:pic>
+      <p:sp>
+        <p:nvSpPr>
+          <p:cNvPr id="6" name="Content Placeholder 2">
+            <a:extLst>
+              <a:ext uri="{FF2B5EF4-FFF2-40B4-BE49-F238E27FC236}">
+                <a16:creationId xmlns:a16="http://schemas.microsoft.com/office/drawing/2014/main" id="{0780FB1C-DC26-4941-9533-454F4C6F14AF}"/>
+              </a:ext>
+            </a:extLst>
+          </p:cNvPr>
+          <p:cNvSpPr>
+            <a:spLocks noGrp="1"/>
+          </p:cNvSpPr>
+          <p:nvPr>
+            <p:ph idx="1"/>
+          </p:nvPr>
+        </p:nvSpPr>
+        <p:spPr>
+          <a:xfrm>
+            <a:off x="3716515" y="2682433"/>
+            <a:ext cx="4711627" cy="3215749"/>
+          </a:xfrm>
+        </p:spPr>
+        <p:txBody>
+          <a:bodyPr>
+            <a:normAutofit/>
+          </a:bodyPr>
+          <a:lstStyle/>
+          <a:p>
+            <a:r>
+              <a:rPr lang="en-US" dirty="0"/>
+              <a:t>W</a:t>
+            </a:r>
+            <a:r>
+              <a:rPr lang="en-IL" dirty="0"/>
+              <a:t>h</a:t>
+            </a:r>
+            <a:r>
+              <a:rPr lang="en-US" dirty="0"/>
+              <a:t>a</a:t>
+            </a:r>
+            <a:r>
+              <a:rPr lang="en-IL" dirty="0"/>
+              <a:t>t </a:t>
+            </a:r>
+            <a:r>
+              <a:rPr lang="en-US" dirty="0" err="1"/>
+              <a:t>i</a:t>
+            </a:r>
+            <a:r>
+              <a:rPr lang="en-IL" dirty="0"/>
+              <a:t>s a </a:t>
+            </a:r>
+            <a:r>
+              <a:rPr lang="en-US" i="1" dirty="0"/>
+              <a:t>v</a:t>
+            </a:r>
+            <a:r>
+              <a:rPr lang="en-IL" i="1" dirty="0" err="1"/>
+              <a:t>ariable</a:t>
+            </a:r>
+            <a:r>
+              <a:rPr lang="en-IL" dirty="0"/>
+              <a:t>?</a:t>
+            </a:r>
+          </a:p>
+          <a:p>
+            <a:r>
+              <a:rPr lang="en-IL" dirty="0"/>
+              <a:t>W</a:t>
+            </a:r>
+            <a:r>
+              <a:rPr lang="en-US" dirty="0"/>
+              <a:t>h</a:t>
+            </a:r>
+            <a:r>
+              <a:rPr lang="en-IL" dirty="0"/>
+              <a:t>at is an </a:t>
+            </a:r>
+            <a:r>
+              <a:rPr lang="en-IL" i="1" dirty="0"/>
+              <a:t>assignment</a:t>
+            </a:r>
+            <a:r>
+              <a:rPr lang="en-IL" dirty="0"/>
+              <a:t>?</a:t>
+            </a:r>
+            <a:endParaRPr lang="en-US" dirty="0"/>
+          </a:p>
+          <a:p>
+            <a:r>
+              <a:rPr lang="en-US" dirty="0"/>
+              <a:t>W</a:t>
+            </a:r>
+            <a:r>
+              <a:rPr lang="en-IL" dirty="0"/>
+              <a:t>h</a:t>
+            </a:r>
+            <a:r>
+              <a:rPr lang="en-US" dirty="0"/>
+              <a:t>a</a:t>
+            </a:r>
+            <a:r>
+              <a:rPr lang="en-IL" dirty="0"/>
+              <a:t>t </a:t>
+            </a:r>
+            <a:r>
+              <a:rPr lang="en-US" dirty="0" err="1"/>
+              <a:t>i</a:t>
+            </a:r>
+            <a:r>
+              <a:rPr lang="en-IL" dirty="0"/>
+              <a:t>s </a:t>
+            </a:r>
+            <a:r>
+              <a:rPr lang="en-US" dirty="0"/>
+              <a:t>a</a:t>
+            </a:r>
+            <a:r>
+              <a:rPr lang="en-IL" dirty="0"/>
+              <a:t> </a:t>
+            </a:r>
+            <a:r>
+              <a:rPr lang="en-US" dirty="0"/>
+              <a:t>v</a:t>
+            </a:r>
+            <a:r>
+              <a:rPr lang="en-IL" dirty="0"/>
+              <a:t>a</a:t>
+            </a:r>
+            <a:r>
+              <a:rPr lang="en-US" dirty="0"/>
+              <a:t>l</a:t>
+            </a:r>
+            <a:r>
+              <a:rPr lang="en-IL" dirty="0" err="1"/>
+              <a:t>i</a:t>
+            </a:r>
+            <a:r>
+              <a:rPr lang="en-US" dirty="0"/>
+              <a:t>d</a:t>
+            </a:r>
+            <a:r>
+              <a:rPr lang="en-IL" dirty="0"/>
+              <a:t> </a:t>
+            </a:r>
+            <a:r>
+              <a:rPr lang="en-US" dirty="0"/>
+              <a:t>v</a:t>
+            </a:r>
+            <a:r>
+              <a:rPr lang="en-IL" dirty="0"/>
+              <a:t>a</a:t>
+            </a:r>
+            <a:r>
+              <a:rPr lang="en-US" dirty="0"/>
+              <a:t>r</a:t>
+            </a:r>
+            <a:r>
+              <a:rPr lang="en-IL" dirty="0" err="1"/>
+              <a:t>iable</a:t>
+            </a:r>
+            <a:r>
+              <a:rPr lang="en-IL" dirty="0"/>
+              <a:t> name?</a:t>
+            </a:r>
+          </a:p>
+          <a:p>
+            <a:pPr lvl="1"/>
+            <a:endParaRPr lang="en-IL" dirty="0"/>
+          </a:p>
+          <a:p>
+            <a:pPr lvl="1"/>
+            <a:endParaRPr lang="en-IL" dirty="0"/>
+          </a:p>
+        </p:txBody>
+      </p:sp>
+    </p:spTree>
+    <p:extLst>
+      <p:ext uri="{BB962C8B-B14F-4D97-AF65-F5344CB8AC3E}">
+        <p14:creationId xmlns:p14="http://schemas.microsoft.com/office/powerpoint/2010/main" val="1838501674"/>
+      </p:ext>
+    </p:extLst>
+  </p:cSld>
+  <p:clrMapOvr>
+    <a:masterClrMapping/>
+  </p:clrMapOvr>
+</p:sld>
+</file>
+
+<file path=ppt/slides/slide25.xml><?xml version="1.0" encoding="utf-8"?>
+<p:sld xmlns:a="http://schemas.openxmlformats.org/drawingml/2006/main" xmlns:r="http://schemas.openxmlformats.org/officeDocument/2006/relationships" xmlns:p="http://schemas.openxmlformats.org/presentationml/2006/main">
+  <p:cSld>
+    <p:bg>
+      <p:bgPr>
+        <a:solidFill>
+          <a:schemeClr val="bg1"/>
+        </a:solidFill>
+        <a:effectLst/>
+      </p:bgPr>
+    </p:bg>
+    <p:spTree>
+      <p:nvGrpSpPr>
+        <p:cNvPr id="1" name=""/>
+        <p:cNvGrpSpPr/>
+        <p:nvPr/>
+      </p:nvGrpSpPr>
+      <p:grpSpPr>
+        <a:xfrm>
+          <a:off x="0" y="0"/>
+          <a:ext cx="0" cy="0"/>
+          <a:chOff x="0" y="0"/>
+          <a:chExt cx="0" cy="0"/>
+        </a:xfrm>
+      </p:grpSpPr>
+      <p:sp>
+        <p:nvSpPr>
+          <p:cNvPr id="2" name="Title 1"/>
+          <p:cNvSpPr>
+            <a:spLocks noGrp="1"/>
+          </p:cNvSpPr>
+          <p:nvPr>
+            <p:ph type="title"/>
+          </p:nvPr>
+        </p:nvSpPr>
+        <p:spPr>
+          <a:xfrm>
+            <a:off x="720075" y="978102"/>
+            <a:ext cx="7941325" cy="1062644"/>
+          </a:xfrm>
+        </p:spPr>
+        <p:txBody>
+          <a:bodyPr anchor="b">
+            <a:normAutofit/>
+          </a:bodyPr>
+          <a:lstStyle/>
+          <a:p>
+            <a:pPr rtl="1"/>
+            <a:r>
+              <a:rPr lang="en-US" dirty="0"/>
+              <a:t>Variables and Assignments</a:t>
+            </a:r>
+          </a:p>
+        </p:txBody>
+      </p:sp>
+      <p:cxnSp>
+        <p:nvCxnSpPr>
+          <p:cNvPr id="15" name="Straight Connector 10">
+            <a:extLst>
+              <a:ext uri="{FF2B5EF4-FFF2-40B4-BE49-F238E27FC236}">
+                <a16:creationId xmlns:a16="http://schemas.microsoft.com/office/drawing/2014/main" id="{39B7FDC9-F0CE-43A7-9F2A-83DD09DC3453}"/>
+              </a:ext>
+              <a:ext uri="{C183D7F6-B498-43B3-948B-1728B52AA6E4}">
+                <adec:decorative xmlns:adec="http://schemas.microsoft.com/office/drawing/2017/decorative" val="1"/>
+              </a:ext>
+            </a:extLst>
+          </p:cNvPr>
+          <p:cNvCxnSpPr>
+            <a:cxnSpLocks noGrp="1" noRot="1" noChangeAspect="1" noMove="1" noResize="1" noEditPoints="1" noAdjustHandles="1" noChangeArrowheads="1" noChangeShapeType="1"/>
+          </p:cNvCxnSpPr>
+          <p:nvPr>
+            <p:extLst>
+              <p:ext uri="{386F3935-93C4-4BCD-93E2-E3B085C9AB24}">
+                <p16:designElem xmlns:p16="http://schemas.microsoft.com/office/powerpoint/2015/main" val="1"/>
+              </p:ext>
+            </p:extLst>
+          </p:nvPr>
+        </p:nvCxnSpPr>
+        <p:spPr>
+          <a:xfrm>
+            <a:off x="785718" y="2265037"/>
+            <a:ext cx="7593759" cy="0"/>
+          </a:xfrm>
+          <a:prstGeom prst="line">
+            <a:avLst/>
+          </a:prstGeom>
+          <a:ln w="15875">
+            <a:solidFill>
+              <a:schemeClr val="tx1">
+                <a:lumMod val="65000"/>
+                <a:lumOff val="35000"/>
+              </a:schemeClr>
+            </a:solidFill>
+          </a:ln>
+        </p:spPr>
+        <p:style>
+          <a:lnRef idx="1">
+            <a:schemeClr val="accent1"/>
+          </a:lnRef>
+          <a:fillRef idx="0">
+            <a:schemeClr val="accent1"/>
+          </a:fillRef>
+          <a:effectRef idx="0">
+            <a:schemeClr val="accent1"/>
+          </a:effectRef>
+          <a:fontRef idx="minor">
+            <a:schemeClr val="tx1"/>
+          </a:fontRef>
+        </p:style>
+      </p:cxnSp>
+      <p:pic>
+        <p:nvPicPr>
+          <p:cNvPr id="3" name="Picture 2">
+            <a:extLst>
+              <a:ext uri="{FF2B5EF4-FFF2-40B4-BE49-F238E27FC236}">
+                <a16:creationId xmlns:a16="http://schemas.microsoft.com/office/drawing/2014/main" id="{0143D6D4-C082-4A95-8AC8-F248EDE9A7F4}"/>
+              </a:ext>
+            </a:extLst>
+          </p:cNvPr>
+          <p:cNvPicPr>
+            <a:picLocks noChangeAspect="1"/>
+          </p:cNvPicPr>
+          <p:nvPr/>
+        </p:nvPicPr>
+        <p:blipFill rotWithShape="1">
+          <a:blip r:embed="rId2"/>
+          <a:srcRect b="6697"/>
+          <a:stretch/>
+        </p:blipFill>
+        <p:spPr>
+          <a:xfrm>
+            <a:off x="835517" y="2811104"/>
+            <a:ext cx="2524860" cy="2703342"/>
+          </a:xfrm>
+          <a:prstGeom prst="rect">
+            <a:avLst/>
+          </a:prstGeom>
+        </p:spPr>
+      </p:pic>
+      <p:sp>
+        <p:nvSpPr>
+          <p:cNvPr id="6" name="Content Placeholder 2">
+            <a:extLst>
+              <a:ext uri="{FF2B5EF4-FFF2-40B4-BE49-F238E27FC236}">
+                <a16:creationId xmlns:a16="http://schemas.microsoft.com/office/drawing/2014/main" id="{0780FB1C-DC26-4941-9533-454F4C6F14AF}"/>
+              </a:ext>
+            </a:extLst>
+          </p:cNvPr>
+          <p:cNvSpPr>
+            <a:spLocks noGrp="1"/>
+          </p:cNvSpPr>
+          <p:nvPr>
+            <p:ph idx="1"/>
+          </p:nvPr>
+        </p:nvSpPr>
+        <p:spPr>
+          <a:xfrm>
+            <a:off x="3716515" y="2682433"/>
+            <a:ext cx="4711627" cy="3215749"/>
+          </a:xfrm>
+        </p:spPr>
+        <p:txBody>
+          <a:bodyPr>
+            <a:normAutofit/>
+          </a:bodyPr>
+          <a:lstStyle/>
+          <a:p>
+            <a:r>
+              <a:rPr lang="en-US" dirty="0"/>
+              <a:t>W</a:t>
+            </a:r>
+            <a:r>
+              <a:rPr lang="en-IL" dirty="0"/>
+              <a:t>h</a:t>
+            </a:r>
+            <a:r>
+              <a:rPr lang="en-US" dirty="0"/>
+              <a:t>a</a:t>
+            </a:r>
+            <a:r>
+              <a:rPr lang="en-IL" dirty="0"/>
+              <a:t>t </a:t>
+            </a:r>
+            <a:r>
+              <a:rPr lang="en-US" dirty="0" err="1"/>
+              <a:t>i</a:t>
+            </a:r>
+            <a:r>
+              <a:rPr lang="en-IL" dirty="0"/>
+              <a:t>s a </a:t>
+            </a:r>
+            <a:r>
+              <a:rPr lang="en-US" i="1" dirty="0"/>
+              <a:t>v</a:t>
+            </a:r>
+            <a:r>
+              <a:rPr lang="en-IL" i="1" dirty="0" err="1"/>
+              <a:t>ariable</a:t>
+            </a:r>
+            <a:r>
+              <a:rPr lang="en-IL" dirty="0"/>
+              <a:t>?</a:t>
+            </a:r>
+          </a:p>
+          <a:p>
+            <a:pPr lvl="1"/>
+            <a:endParaRPr lang="en-IL" dirty="0"/>
+          </a:p>
+        </p:txBody>
+      </p:sp>
+    </p:spTree>
+    <p:extLst>
+      <p:ext uri="{BB962C8B-B14F-4D97-AF65-F5344CB8AC3E}">
+        <p14:creationId xmlns:p14="http://schemas.microsoft.com/office/powerpoint/2010/main" val="4046723923"/>
+      </p:ext>
+    </p:extLst>
+  </p:cSld>
+  <p:clrMapOvr>
+    <a:masterClrMapping/>
+  </p:clrMapOvr>
+</p:sld>
+</file>
+
+<file path=ppt/slides/slide26.xml><?xml version="1.0" encoding="utf-8"?>
+<p:sld xmlns:a="http://schemas.openxmlformats.org/drawingml/2006/main" xmlns:r="http://schemas.openxmlformats.org/officeDocument/2006/relationships" xmlns:p="http://schemas.openxmlformats.org/presentationml/2006/main">
+  <p:cSld>
+    <p:bg>
+      <p:bgPr>
+        <a:solidFill>
+          <a:schemeClr val="bg1"/>
+        </a:solidFill>
+        <a:effectLst/>
+      </p:bgPr>
+    </p:bg>
+    <p:spTree>
+      <p:nvGrpSpPr>
+        <p:cNvPr id="1" name=""/>
+        <p:cNvGrpSpPr/>
+        <p:nvPr/>
+      </p:nvGrpSpPr>
+      <p:grpSpPr>
+        <a:xfrm>
+          <a:off x="0" y="0"/>
+          <a:ext cx="0" cy="0"/>
+          <a:chOff x="0" y="0"/>
+          <a:chExt cx="0" cy="0"/>
+        </a:xfrm>
+      </p:grpSpPr>
+      <p:sp>
+        <p:nvSpPr>
+          <p:cNvPr id="2" name="Title 1"/>
+          <p:cNvSpPr>
+            <a:spLocks noGrp="1"/>
+          </p:cNvSpPr>
+          <p:nvPr>
+            <p:ph type="title"/>
+          </p:nvPr>
+        </p:nvSpPr>
+        <p:spPr>
+          <a:xfrm>
+            <a:off x="720075" y="978102"/>
+            <a:ext cx="7941325" cy="1062644"/>
+          </a:xfrm>
+        </p:spPr>
+        <p:txBody>
+          <a:bodyPr anchor="b">
+            <a:normAutofit/>
+          </a:bodyPr>
+          <a:lstStyle/>
+          <a:p>
+            <a:pPr algn="l"/>
+            <a:r>
+              <a:rPr lang="en-US"/>
+              <a:t>Variables and Assignments</a:t>
+            </a:r>
+          </a:p>
+        </p:txBody>
+      </p:sp>
+      <p:cxnSp>
+        <p:nvCxnSpPr>
+          <p:cNvPr id="11" name="Straight Connector 10">
+            <a:extLst>
+              <a:ext uri="{FF2B5EF4-FFF2-40B4-BE49-F238E27FC236}">
+                <a16:creationId xmlns:a16="http://schemas.microsoft.com/office/drawing/2014/main" id="{39B7FDC9-F0CE-43A7-9F2A-83DD09DC3453}"/>
+              </a:ext>
+              <a:ext uri="{C183D7F6-B498-43B3-948B-1728B52AA6E4}">
+                <adec:decorative xmlns:adec="http://schemas.microsoft.com/office/drawing/2017/decorative" val="1"/>
+              </a:ext>
+            </a:extLst>
+          </p:cNvPr>
+          <p:cNvCxnSpPr>
+            <a:cxnSpLocks noGrp="1" noRot="1" noChangeAspect="1" noMove="1" noResize="1" noEditPoints="1" noAdjustHandles="1" noChangeArrowheads="1" noChangeShapeType="1"/>
+          </p:cNvCxnSpPr>
+          <p:nvPr>
+            <p:extLst>
+              <p:ext uri="{386F3935-93C4-4BCD-93E2-E3B085C9AB24}">
+                <p16:designElem xmlns:p16="http://schemas.microsoft.com/office/powerpoint/2015/main" val="1"/>
+              </p:ext>
+            </p:extLst>
+          </p:nvPr>
+        </p:nvCxnSpPr>
+        <p:spPr>
+          <a:xfrm>
+            <a:off x="785718" y="2265037"/>
+            <a:ext cx="7593759" cy="0"/>
+          </a:xfrm>
+          <a:prstGeom prst="line">
+            <a:avLst/>
+          </a:prstGeom>
+          <a:ln w="15875">
+            <a:solidFill>
+              <a:schemeClr val="tx1">
+                <a:lumMod val="65000"/>
+                <a:lumOff val="35000"/>
+              </a:schemeClr>
+            </a:solidFill>
+          </a:ln>
+        </p:spPr>
+        <p:style>
+          <a:lnRef idx="1">
+            <a:schemeClr val="accent1"/>
+          </a:lnRef>
+          <a:fillRef idx="0">
+            <a:schemeClr val="accent1"/>
+          </a:fillRef>
+          <a:effectRef idx="0">
+            <a:schemeClr val="accent1"/>
+          </a:effectRef>
+          <a:fontRef idx="minor">
+            <a:schemeClr val="tx1"/>
+          </a:fontRef>
+        </p:style>
+      </p:cxnSp>
+      <p:pic>
+        <p:nvPicPr>
+          <p:cNvPr id="4" name="Picture 3">
+            <a:extLst>
+              <a:ext uri="{FF2B5EF4-FFF2-40B4-BE49-F238E27FC236}">
+                <a16:creationId xmlns:a16="http://schemas.microsoft.com/office/drawing/2014/main" id="{ADAA5A80-CF06-4991-8EEA-5736D68843CF}"/>
+              </a:ext>
+            </a:extLst>
+          </p:cNvPr>
+          <p:cNvPicPr>
+            <a:picLocks noChangeAspect="1"/>
+          </p:cNvPicPr>
+          <p:nvPr/>
+        </p:nvPicPr>
+        <p:blipFill rotWithShape="1">
+          <a:blip r:embed="rId2"/>
+          <a:srcRect b="6697"/>
+          <a:stretch/>
+        </p:blipFill>
+        <p:spPr>
+          <a:xfrm>
+            <a:off x="835517" y="2811104"/>
+            <a:ext cx="2524860" cy="2703342"/>
+          </a:xfrm>
+          <a:prstGeom prst="rect">
+            <a:avLst/>
+          </a:prstGeom>
+        </p:spPr>
+      </p:pic>
+      <p:sp>
+        <p:nvSpPr>
+          <p:cNvPr id="6" name="Content Placeholder 2">
+            <a:extLst>
+              <a:ext uri="{FF2B5EF4-FFF2-40B4-BE49-F238E27FC236}">
+                <a16:creationId xmlns:a16="http://schemas.microsoft.com/office/drawing/2014/main" id="{0780FB1C-DC26-4941-9533-454F4C6F14AF}"/>
+              </a:ext>
+            </a:extLst>
+          </p:cNvPr>
+          <p:cNvSpPr>
+            <a:spLocks noGrp="1"/>
+          </p:cNvSpPr>
+          <p:nvPr>
+            <p:ph idx="1"/>
+          </p:nvPr>
+        </p:nvSpPr>
+        <p:spPr>
+          <a:xfrm>
+            <a:off x="3716515" y="2682433"/>
+            <a:ext cx="4711627" cy="3215749"/>
+          </a:xfrm>
+        </p:spPr>
+        <p:txBody>
+          <a:bodyPr>
+            <a:normAutofit/>
+          </a:bodyPr>
+          <a:lstStyle/>
+          <a:p>
+            <a:r>
+              <a:rPr lang="en-IL" dirty="0"/>
+              <a:t>W</a:t>
+            </a:r>
+            <a:r>
+              <a:rPr lang="en-US" dirty="0"/>
+              <a:t>h</a:t>
+            </a:r>
+            <a:r>
+              <a:rPr lang="en-IL" dirty="0"/>
+              <a:t>at is an </a:t>
+            </a:r>
+            <a:r>
+              <a:rPr lang="en-IL" b="1" i="1" dirty="0"/>
+              <a:t>assignment</a:t>
+            </a:r>
+            <a:r>
+              <a:rPr lang="en-IL" dirty="0"/>
+              <a:t>?</a:t>
+            </a:r>
+            <a:endParaRPr lang="en-US" dirty="0"/>
+          </a:p>
+          <a:p>
+            <a:pPr lvl="1"/>
+            <a:r>
+              <a:rPr lang="en-US" sz="3200" dirty="0"/>
+              <a:t>X = 4</a:t>
+            </a:r>
+          </a:p>
+          <a:p>
+            <a:pPr lvl="1"/>
+            <a:r>
+              <a:rPr lang="en-US" sz="3200" dirty="0"/>
+              <a:t>X </a:t>
+            </a:r>
+            <a:r>
+              <a:rPr lang="en-US" sz="3200" dirty="0">
+                <a:sym typeface="Wingdings" panose="05000000000000000000" pitchFamily="2" charset="2"/>
+              </a:rPr>
+              <a:t> 4</a:t>
+            </a:r>
+            <a:endParaRPr lang="en-IL" sz="3200" dirty="0">
+              <a:sym typeface="Wingdings" panose="05000000000000000000" pitchFamily="2" charset="2"/>
+            </a:endParaRPr>
+          </a:p>
+        </p:txBody>
+      </p:sp>
+    </p:spTree>
+    <p:extLst>
+      <p:ext uri="{BB962C8B-B14F-4D97-AF65-F5344CB8AC3E}">
+        <p14:creationId xmlns:p14="http://schemas.microsoft.com/office/powerpoint/2010/main" val="272362473"/>
+      </p:ext>
+    </p:extLst>
+  </p:cSld>
+  <p:clrMapOvr>
+    <a:masterClrMapping/>
+  </p:clrMapOvr>
+</p:sld>
+</file>
+
+<file path=ppt/slides/slide27.xml><?xml version="1.0" encoding="utf-8"?>
+<p:sld xmlns:a="http://schemas.openxmlformats.org/drawingml/2006/main" xmlns:r="http://schemas.openxmlformats.org/officeDocument/2006/relationships" xmlns:p="http://schemas.openxmlformats.org/presentationml/2006/main">
+  <p:cSld>
+    <p:bg>
+      <p:bgPr>
+        <a:solidFill>
+          <a:schemeClr val="bg1"/>
+        </a:solidFill>
+        <a:effectLst/>
+      </p:bgPr>
+    </p:bg>
+    <p:spTree>
+      <p:nvGrpSpPr>
+        <p:cNvPr id="1" name=""/>
+        <p:cNvGrpSpPr/>
+        <p:nvPr/>
+      </p:nvGrpSpPr>
+      <p:grpSpPr>
+        <a:xfrm>
+          <a:off x="0" y="0"/>
+          <a:ext cx="0" cy="0"/>
+          <a:chOff x="0" y="0"/>
+          <a:chExt cx="0" cy="0"/>
+        </a:xfrm>
+      </p:grpSpPr>
+      <p:sp>
+        <p:nvSpPr>
+          <p:cNvPr id="2" name="Title 1"/>
+          <p:cNvSpPr>
+            <a:spLocks noGrp="1"/>
+          </p:cNvSpPr>
+          <p:nvPr>
+            <p:ph type="title"/>
+          </p:nvPr>
+        </p:nvSpPr>
+        <p:spPr>
+          <a:xfrm>
+            <a:off x="720075" y="978102"/>
+            <a:ext cx="7941325" cy="1062644"/>
+          </a:xfrm>
+        </p:spPr>
+        <p:txBody>
+          <a:bodyPr anchor="b">
+            <a:normAutofit/>
+          </a:bodyPr>
+          <a:lstStyle/>
+          <a:p>
+            <a:pPr algn="l"/>
+            <a:r>
+              <a:rPr lang="en-US"/>
+              <a:t>Variables and Assignments</a:t>
+            </a:r>
+          </a:p>
+        </p:txBody>
+      </p:sp>
+      <p:cxnSp>
+        <p:nvCxnSpPr>
+          <p:cNvPr id="11" name="Straight Connector 10">
+            <a:extLst>
+              <a:ext uri="{FF2B5EF4-FFF2-40B4-BE49-F238E27FC236}">
+                <a16:creationId xmlns:a16="http://schemas.microsoft.com/office/drawing/2014/main" id="{39B7FDC9-F0CE-43A7-9F2A-83DD09DC3453}"/>
+              </a:ext>
+              <a:ext uri="{C183D7F6-B498-43B3-948B-1728B52AA6E4}">
+                <adec:decorative xmlns:adec="http://schemas.microsoft.com/office/drawing/2017/decorative" val="1"/>
+              </a:ext>
+            </a:extLst>
+          </p:cNvPr>
+          <p:cNvCxnSpPr>
+            <a:cxnSpLocks noGrp="1" noRot="1" noChangeAspect="1" noMove="1" noResize="1" noEditPoints="1" noAdjustHandles="1" noChangeArrowheads="1" noChangeShapeType="1"/>
+          </p:cNvCxnSpPr>
+          <p:nvPr>
+            <p:extLst>
+              <p:ext uri="{386F3935-93C4-4BCD-93E2-E3B085C9AB24}">
+                <p16:designElem xmlns:p16="http://schemas.microsoft.com/office/powerpoint/2015/main" val="1"/>
+              </p:ext>
+            </p:extLst>
+          </p:nvPr>
+        </p:nvCxnSpPr>
+        <p:spPr>
+          <a:xfrm>
+            <a:off x="785718" y="2265037"/>
+            <a:ext cx="7593759" cy="0"/>
+          </a:xfrm>
+          <a:prstGeom prst="line">
+            <a:avLst/>
+          </a:prstGeom>
+          <a:ln w="15875">
+            <a:solidFill>
+              <a:schemeClr val="tx1">
+                <a:lumMod val="65000"/>
+                <a:lumOff val="35000"/>
+              </a:schemeClr>
+            </a:solidFill>
+          </a:ln>
+        </p:spPr>
+        <p:style>
+          <a:lnRef idx="1">
+            <a:schemeClr val="accent1"/>
+          </a:lnRef>
+          <a:fillRef idx="0">
+            <a:schemeClr val="accent1"/>
+          </a:fillRef>
+          <a:effectRef idx="0">
+            <a:schemeClr val="accent1"/>
+          </a:effectRef>
+          <a:fontRef idx="minor">
+            <a:schemeClr val="tx1"/>
+          </a:fontRef>
+        </p:style>
+      </p:cxnSp>
+      <p:sp>
+        <p:nvSpPr>
+          <p:cNvPr id="6" name="Content Placeholder 2">
+            <a:extLst>
+              <a:ext uri="{FF2B5EF4-FFF2-40B4-BE49-F238E27FC236}">
+                <a16:creationId xmlns:a16="http://schemas.microsoft.com/office/drawing/2014/main" id="{0780FB1C-DC26-4941-9533-454F4C6F14AF}"/>
+              </a:ext>
+            </a:extLst>
+          </p:cNvPr>
+          <p:cNvSpPr>
+            <a:spLocks noGrp="1"/>
+          </p:cNvSpPr>
+          <p:nvPr>
+            <p:ph idx="1"/>
+          </p:nvPr>
+        </p:nvSpPr>
+        <p:spPr>
+          <a:xfrm>
+            <a:off x="720075" y="2304854"/>
+            <a:ext cx="7941325" cy="4175566"/>
+          </a:xfrm>
+        </p:spPr>
+        <p:txBody>
+          <a:bodyPr>
+            <a:noAutofit/>
+          </a:bodyPr>
+          <a:lstStyle/>
+          <a:p>
+            <a:pPr>
+              <a:lnSpc>
+                <a:spcPct val="90000"/>
+              </a:lnSpc>
+            </a:pPr>
+            <a:r>
+              <a:rPr lang="en-US" sz="2400" b="1" dirty="0"/>
+              <a:t>W</a:t>
+            </a:r>
+            <a:r>
+              <a:rPr lang="en-IL" sz="2400" b="1" dirty="0"/>
+              <a:t>h</a:t>
+            </a:r>
+            <a:r>
+              <a:rPr lang="en-US" sz="2400" b="1" dirty="0"/>
+              <a:t>a</a:t>
+            </a:r>
+            <a:r>
+              <a:rPr lang="en-IL" sz="2400" b="1" dirty="0"/>
+              <a:t>t </a:t>
+            </a:r>
+            <a:r>
+              <a:rPr lang="en-US" sz="2400" b="1" dirty="0" err="1"/>
+              <a:t>i</a:t>
+            </a:r>
+            <a:r>
+              <a:rPr lang="en-IL" sz="2400" b="1" dirty="0"/>
+              <a:t>s </a:t>
+            </a:r>
+            <a:r>
+              <a:rPr lang="en-US" sz="2400" b="1" dirty="0"/>
+              <a:t>a</a:t>
+            </a:r>
+            <a:r>
+              <a:rPr lang="en-IL" sz="2400" b="1" dirty="0"/>
+              <a:t> </a:t>
+            </a:r>
+            <a:r>
+              <a:rPr lang="en-US" sz="2400" b="1" dirty="0"/>
+              <a:t>v</a:t>
+            </a:r>
+            <a:r>
+              <a:rPr lang="en-IL" sz="2400" b="1" dirty="0"/>
+              <a:t>a</a:t>
+            </a:r>
+            <a:r>
+              <a:rPr lang="en-US" sz="2400" b="1" dirty="0"/>
+              <a:t>l</a:t>
+            </a:r>
+            <a:r>
+              <a:rPr lang="en-IL" sz="2400" b="1" dirty="0" err="1"/>
+              <a:t>i</a:t>
+            </a:r>
+            <a:r>
+              <a:rPr lang="en-US" sz="2400" b="1" dirty="0"/>
+              <a:t>d</a:t>
+            </a:r>
+            <a:r>
+              <a:rPr lang="en-IL" sz="2400" b="1" dirty="0"/>
+              <a:t> </a:t>
+            </a:r>
+            <a:r>
+              <a:rPr lang="en-US" sz="2400" b="1" dirty="0"/>
+              <a:t>v</a:t>
+            </a:r>
+            <a:r>
+              <a:rPr lang="en-IL" sz="2400" b="1" dirty="0"/>
+              <a:t>a</a:t>
+            </a:r>
+            <a:r>
+              <a:rPr lang="en-US" sz="2400" b="1" dirty="0"/>
+              <a:t>r</a:t>
+            </a:r>
+            <a:r>
+              <a:rPr lang="en-IL" sz="2400" b="1" dirty="0" err="1"/>
+              <a:t>iable</a:t>
+            </a:r>
+            <a:r>
+              <a:rPr lang="en-IL" sz="2400" b="1" dirty="0"/>
+              <a:t> name?</a:t>
+            </a:r>
+          </a:p>
+          <a:p>
+            <a:pPr lvl="1">
+              <a:lnSpc>
+                <a:spcPct val="90000"/>
+              </a:lnSpc>
+            </a:pPr>
+            <a:r>
+              <a:rPr lang="en-IL" sz="2400" dirty="0"/>
+              <a:t>Can’t start with a number</a:t>
+            </a:r>
+          </a:p>
+          <a:p>
+            <a:pPr lvl="1">
+              <a:lnSpc>
+                <a:spcPct val="90000"/>
+              </a:lnSpc>
+            </a:pPr>
+            <a:r>
+              <a:rPr lang="en-IL" sz="2400" dirty="0"/>
+              <a:t>Can’t be </a:t>
+            </a:r>
+            <a:r>
+              <a:rPr lang="en-US" sz="2400" dirty="0"/>
+              <a:t>a</a:t>
+            </a:r>
+            <a:r>
+              <a:rPr lang="en-IL" sz="2400" dirty="0"/>
+              <a:t> </a:t>
+            </a:r>
+            <a:r>
+              <a:rPr lang="en-US" sz="2400" dirty="0"/>
+              <a:t>k</a:t>
+            </a:r>
+            <a:r>
+              <a:rPr lang="en-IL" sz="2400" dirty="0"/>
+              <a:t>e</a:t>
+            </a:r>
+            <a:r>
+              <a:rPr lang="en-US" sz="2400" dirty="0"/>
+              <a:t>y</a:t>
+            </a:r>
+            <a:r>
+              <a:rPr lang="en-IL" sz="2400" dirty="0"/>
+              <a:t>word ‘reserved’ for Python, </a:t>
+            </a:r>
+            <a:r>
+              <a:rPr lang="en-US" sz="2400" dirty="0"/>
+              <a:t>e</a:t>
+            </a:r>
+            <a:r>
+              <a:rPr lang="en-IL" sz="2400" dirty="0"/>
+              <a:t>.</a:t>
+            </a:r>
+            <a:r>
+              <a:rPr lang="en-US" sz="2400" dirty="0"/>
+              <a:t>g</a:t>
+            </a:r>
+            <a:r>
+              <a:rPr lang="en-IL" sz="2400" dirty="0"/>
+              <a:t>.:</a:t>
+            </a:r>
+          </a:p>
+          <a:p>
+            <a:pPr lvl="2">
+              <a:lnSpc>
+                <a:spcPct val="90000"/>
+              </a:lnSpc>
+            </a:pPr>
+            <a:r>
+              <a:rPr lang="en-IL" dirty="0" err="1"/>
+              <a:t>retu</a:t>
+            </a:r>
+            <a:r>
+              <a:rPr lang="en-US" dirty="0"/>
+              <a:t>r</a:t>
+            </a:r>
+            <a:r>
+              <a:rPr lang="en-IL" dirty="0"/>
+              <a:t>n</a:t>
+            </a:r>
+          </a:p>
+          <a:p>
+            <a:pPr lvl="2">
+              <a:lnSpc>
+                <a:spcPct val="90000"/>
+              </a:lnSpc>
+            </a:pPr>
+            <a:r>
+              <a:rPr lang="en-US" dirty="0"/>
+              <a:t>g</a:t>
+            </a:r>
+            <a:r>
+              <a:rPr lang="en-IL" dirty="0"/>
+              <a:t>l</a:t>
+            </a:r>
+            <a:r>
+              <a:rPr lang="en-US" dirty="0"/>
+              <a:t>o</a:t>
+            </a:r>
+            <a:r>
+              <a:rPr lang="en-IL" dirty="0" err="1"/>
+              <a:t>bal</a:t>
+            </a:r>
+            <a:endParaRPr lang="en-IL" dirty="0"/>
+          </a:p>
+          <a:p>
+            <a:pPr lvl="1">
+              <a:lnSpc>
+                <a:spcPct val="90000"/>
+              </a:lnSpc>
+            </a:pPr>
+            <a:r>
+              <a:rPr lang="en-US" sz="2400" dirty="0">
+                <a:solidFill>
+                  <a:srgbClr val="FF0000"/>
+                </a:solidFill>
+              </a:rPr>
+              <a:t>Remember to give it a short, meaningful name</a:t>
+            </a:r>
+          </a:p>
+          <a:p>
+            <a:pPr lvl="2">
+              <a:lnSpc>
+                <a:spcPct val="90000"/>
+              </a:lnSpc>
+            </a:pPr>
+            <a:r>
+              <a:rPr lang="en-US" dirty="0"/>
+              <a:t>Use “_” character if you want to use more than one word</a:t>
+            </a:r>
+          </a:p>
+          <a:p>
+            <a:pPr>
+              <a:lnSpc>
+                <a:spcPct val="90000"/>
+              </a:lnSpc>
+            </a:pPr>
+            <a:r>
+              <a:rPr lang="en-US" sz="2400" b="1" dirty="0"/>
+              <a:t>Variable names are case sensitive </a:t>
+            </a:r>
+            <a:r>
+              <a:rPr lang="en-US" sz="2400" dirty="0"/>
+              <a:t>(small / capital letters)</a:t>
+            </a:r>
+            <a:endParaRPr lang="en-IL" sz="2400" dirty="0"/>
+          </a:p>
+        </p:txBody>
+      </p:sp>
+    </p:spTree>
+    <p:extLst>
+      <p:ext uri="{BB962C8B-B14F-4D97-AF65-F5344CB8AC3E}">
+        <p14:creationId xmlns:p14="http://schemas.microsoft.com/office/powerpoint/2010/main" val="1871411942"/>
+      </p:ext>
+    </p:extLst>
+  </p:cSld>
+  <p:clrMapOvr>
+    <a:masterClrMapping/>
+  </p:clrMapOvr>
+</p:sld>
+</file>
+
+<file path=ppt/slides/slide28.xml><?xml version="1.0" encoding="utf-8"?>
+<p:sld xmlns:a="http://schemas.openxmlformats.org/drawingml/2006/main" xmlns:r="http://schemas.openxmlformats.org/officeDocument/2006/relationships" xmlns:p="http://schemas.openxmlformats.org/presentationml/2006/main">
+  <p:cSld>
+    <p:bg>
+      <p:bgPr>
+        <a:solidFill>
+          <a:schemeClr val="bg1"/>
+        </a:solidFill>
+        <a:effectLst/>
+      </p:bgPr>
+    </p:bg>
+    <p:spTree>
+      <p:nvGrpSpPr>
+        <p:cNvPr id="1" name=""/>
+        <p:cNvGrpSpPr/>
+        <p:nvPr/>
+      </p:nvGrpSpPr>
+      <p:grpSpPr>
+        <a:xfrm>
+          <a:off x="0" y="0"/>
+          <a:ext cx="0" cy="0"/>
+          <a:chOff x="0" y="0"/>
+          <a:chExt cx="0" cy="0"/>
+        </a:xfrm>
+      </p:grpSpPr>
+      <p:sp>
+        <p:nvSpPr>
+          <p:cNvPr id="2" name="Title 1"/>
+          <p:cNvSpPr>
+            <a:spLocks noGrp="1"/>
+          </p:cNvSpPr>
+          <p:nvPr>
+            <p:ph type="title"/>
+          </p:nvPr>
+        </p:nvSpPr>
+        <p:spPr>
+          <a:xfrm>
+            <a:off x="720075" y="978102"/>
+            <a:ext cx="7941325" cy="1062644"/>
+          </a:xfrm>
+        </p:spPr>
+        <p:txBody>
+          <a:bodyPr anchor="b">
+            <a:normAutofit/>
+          </a:bodyPr>
+          <a:lstStyle/>
+          <a:p>
+            <a:pPr algn="l"/>
+            <a:r>
+              <a:rPr lang="en-IL" b="1" dirty="0"/>
+              <a:t>Keep your code readable</a:t>
+            </a:r>
+            <a:endParaRPr lang="en-US" b="1" dirty="0"/>
+          </a:p>
+        </p:txBody>
+      </p:sp>
+      <p:cxnSp>
+        <p:nvCxnSpPr>
+          <p:cNvPr id="11" name="Straight Connector 10">
+            <a:extLst>
+              <a:ext uri="{FF2B5EF4-FFF2-40B4-BE49-F238E27FC236}">
+                <a16:creationId xmlns:a16="http://schemas.microsoft.com/office/drawing/2014/main" id="{39B7FDC9-F0CE-43A7-9F2A-83DD09DC3453}"/>
+              </a:ext>
+              <a:ext uri="{C183D7F6-B498-43B3-948B-1728B52AA6E4}">
+                <adec:decorative xmlns:adec="http://schemas.microsoft.com/office/drawing/2017/decorative" val="1"/>
+              </a:ext>
+            </a:extLst>
+          </p:cNvPr>
+          <p:cNvCxnSpPr>
+            <a:cxnSpLocks noGrp="1" noRot="1" noChangeAspect="1" noMove="1" noResize="1" noEditPoints="1" noAdjustHandles="1" noChangeArrowheads="1" noChangeShapeType="1"/>
+          </p:cNvCxnSpPr>
+          <p:nvPr>
+            <p:extLst>
+              <p:ext uri="{386F3935-93C4-4BCD-93E2-E3B085C9AB24}">
+                <p16:designElem xmlns:p16="http://schemas.microsoft.com/office/powerpoint/2015/main" val="1"/>
+              </p:ext>
+            </p:extLst>
+          </p:nvPr>
+        </p:nvCxnSpPr>
+        <p:spPr>
+          <a:xfrm>
+            <a:off x="785718" y="2265037"/>
+            <a:ext cx="7593759" cy="0"/>
+          </a:xfrm>
+          <a:prstGeom prst="line">
+            <a:avLst/>
+          </a:prstGeom>
+          <a:ln w="15875">
+            <a:solidFill>
+              <a:schemeClr val="tx1">
+                <a:lumMod val="65000"/>
+                <a:lumOff val="35000"/>
+              </a:schemeClr>
+            </a:solidFill>
+          </a:ln>
+        </p:spPr>
+        <p:style>
+          <a:lnRef idx="1">
+            <a:schemeClr val="accent1"/>
+          </a:lnRef>
+          <a:fillRef idx="0">
+            <a:schemeClr val="accent1"/>
+          </a:fillRef>
+          <a:effectRef idx="0">
+            <a:schemeClr val="accent1"/>
+          </a:effectRef>
+          <a:fontRef idx="minor">
+            <a:schemeClr val="tx1"/>
+          </a:fontRef>
+        </p:style>
+      </p:cxnSp>
+      <p:sp>
+        <p:nvSpPr>
+          <p:cNvPr id="6" name="Content Placeholder 2">
+            <a:extLst>
+              <a:ext uri="{FF2B5EF4-FFF2-40B4-BE49-F238E27FC236}">
+                <a16:creationId xmlns:a16="http://schemas.microsoft.com/office/drawing/2014/main" id="{0780FB1C-DC26-4941-9533-454F4C6F14AF}"/>
+              </a:ext>
+            </a:extLst>
+          </p:cNvPr>
+          <p:cNvSpPr>
+            <a:spLocks noGrp="1"/>
+          </p:cNvSpPr>
+          <p:nvPr>
+            <p:ph idx="1"/>
+          </p:nvPr>
+        </p:nvSpPr>
+        <p:spPr>
+          <a:xfrm>
+            <a:off x="785718" y="2682433"/>
+            <a:ext cx="8024907" cy="3215749"/>
+          </a:xfrm>
+        </p:spPr>
+        <p:txBody>
+          <a:bodyPr>
+            <a:noAutofit/>
+          </a:bodyPr>
+          <a:lstStyle/>
+          <a:p>
+            <a:pPr marL="457200" indent="-457200">
+              <a:lnSpc>
+                <a:spcPct val="90000"/>
+              </a:lnSpc>
+              <a:buFont typeface="+mj-lt"/>
+              <a:buAutoNum type="arabicPeriod"/>
+            </a:pPr>
+            <a:r>
+              <a:rPr lang="en-IL" sz="2800" dirty="0">
+                <a:cs typeface="Times New Roman" panose="02020603050405020304" pitchFamily="18" charset="0"/>
+              </a:rPr>
+              <a:t>Give your variables descriptive names (better than short names)</a:t>
+            </a:r>
+          </a:p>
+          <a:p>
+            <a:pPr marL="457200" indent="-457200">
+              <a:lnSpc>
+                <a:spcPct val="90000"/>
+              </a:lnSpc>
+              <a:buFont typeface="+mj-lt"/>
+              <a:buAutoNum type="arabicPeriod"/>
+            </a:pPr>
+            <a:endParaRPr lang="en-IL" sz="2800" dirty="0">
+              <a:cs typeface="Times New Roman" panose="02020603050405020304" pitchFamily="18" charset="0"/>
+            </a:endParaRPr>
+          </a:p>
+          <a:p>
+            <a:pPr marL="457200" indent="-457200">
+              <a:lnSpc>
+                <a:spcPct val="90000"/>
+              </a:lnSpc>
+              <a:buFont typeface="+mj-lt"/>
+              <a:buAutoNum type="arabicPeriod"/>
+            </a:pPr>
+            <a:r>
+              <a:rPr lang="en-IL" sz="2800" dirty="0">
+                <a:cs typeface="Times New Roman" panose="02020603050405020304" pitchFamily="18" charset="0"/>
+              </a:rPr>
+              <a:t>Use “ _ “ to separate words in variable name</a:t>
+            </a:r>
+          </a:p>
+        </p:txBody>
+      </p:sp>
+    </p:spTree>
+    <p:extLst>
+      <p:ext uri="{BB962C8B-B14F-4D97-AF65-F5344CB8AC3E}">
+        <p14:creationId xmlns:p14="http://schemas.microsoft.com/office/powerpoint/2010/main" val="3008105764"/>
+      </p:ext>
+    </p:extLst>
+  </p:cSld>
+  <p:clrMapOvr>
+    <a:masterClrMapping/>
+  </p:clrMapOvr>
+</p:sld>
+</file>
+
+<file path=ppt/slides/slide29.xml><?xml version="1.0" encoding="utf-8"?>
+<p:sld xmlns:a="http://schemas.openxmlformats.org/drawingml/2006/main" xmlns:r="http://schemas.openxmlformats.org/officeDocument/2006/relationships" xmlns:p="http://schemas.openxmlformats.org/presentationml/2006/main">
+  <p:cSld>
+    <p:bg>
+      <p:bgPr>
+        <a:solidFill>
+          <a:schemeClr val="bg1"/>
+        </a:solidFill>
+        <a:effectLst/>
+      </p:bgPr>
+    </p:bg>
+    <p:spTree>
+      <p:nvGrpSpPr>
+        <p:cNvPr id="1" name=""/>
+        <p:cNvGrpSpPr/>
+        <p:nvPr/>
+      </p:nvGrpSpPr>
+      <p:grpSpPr>
+        <a:xfrm>
+          <a:off x="0" y="0"/>
+          <a:ext cx="0" cy="0"/>
+          <a:chOff x="0" y="0"/>
+          <a:chExt cx="0" cy="0"/>
+        </a:xfrm>
+      </p:grpSpPr>
+      <p:sp>
+        <p:nvSpPr>
+          <p:cNvPr id="2" name="Title 1"/>
+          <p:cNvSpPr>
+            <a:spLocks noGrp="1"/>
+          </p:cNvSpPr>
+          <p:nvPr>
+            <p:ph type="title"/>
+          </p:nvPr>
+        </p:nvSpPr>
+        <p:spPr>
+          <a:xfrm>
+            <a:off x="720075" y="978102"/>
+            <a:ext cx="7941325" cy="1062644"/>
+          </a:xfrm>
+        </p:spPr>
+        <p:txBody>
+          <a:bodyPr anchor="b">
+            <a:normAutofit/>
+          </a:bodyPr>
+          <a:lstStyle/>
+          <a:p>
+            <a:pPr algn="l"/>
+            <a:r>
+              <a:rPr lang="en-US"/>
+              <a:t>Variables and Assignments</a:t>
+            </a:r>
+          </a:p>
+        </p:txBody>
+      </p:sp>
+      <p:cxnSp>
+        <p:nvCxnSpPr>
+          <p:cNvPr id="11" name="Straight Connector 10">
+            <a:extLst>
+              <a:ext uri="{FF2B5EF4-FFF2-40B4-BE49-F238E27FC236}">
+                <a16:creationId xmlns:a16="http://schemas.microsoft.com/office/drawing/2014/main" id="{39B7FDC9-F0CE-43A7-9F2A-83DD09DC3453}"/>
+              </a:ext>
+              <a:ext uri="{C183D7F6-B498-43B3-948B-1728B52AA6E4}">
+                <adec:decorative xmlns:adec="http://schemas.microsoft.com/office/drawing/2017/decorative" val="1"/>
+              </a:ext>
+            </a:extLst>
+          </p:cNvPr>
+          <p:cNvCxnSpPr>
+            <a:cxnSpLocks noGrp="1" noRot="1" noChangeAspect="1" noMove="1" noResize="1" noEditPoints="1" noAdjustHandles="1" noChangeArrowheads="1" noChangeShapeType="1"/>
+          </p:cNvCxnSpPr>
+          <p:nvPr>
+            <p:extLst>
+              <p:ext uri="{386F3935-93C4-4BCD-93E2-E3B085C9AB24}">
+                <p16:designElem xmlns:p16="http://schemas.microsoft.com/office/powerpoint/2015/main" val="1"/>
+              </p:ext>
+            </p:extLst>
+          </p:nvPr>
+        </p:nvCxnSpPr>
+        <p:spPr>
+          <a:xfrm>
+            <a:off x="785718" y="2265037"/>
+            <a:ext cx="7593759" cy="0"/>
+          </a:xfrm>
+          <a:prstGeom prst="line">
+            <a:avLst/>
+          </a:prstGeom>
+          <a:ln w="15875">
+            <a:solidFill>
+              <a:schemeClr val="tx1">
+                <a:lumMod val="65000"/>
+                <a:lumOff val="35000"/>
+              </a:schemeClr>
+            </a:solidFill>
+          </a:ln>
+        </p:spPr>
+        <p:style>
+          <a:lnRef idx="1">
+            <a:schemeClr val="accent1"/>
+          </a:lnRef>
+          <a:fillRef idx="0">
+            <a:schemeClr val="accent1"/>
+          </a:fillRef>
+          <a:effectRef idx="0">
+            <a:schemeClr val="accent1"/>
+          </a:effectRef>
+          <a:fontRef idx="minor">
+            <a:schemeClr val="tx1"/>
+          </a:fontRef>
+        </p:style>
+      </p:cxnSp>
+      <p:sp>
+        <p:nvSpPr>
+          <p:cNvPr id="6" name="Content Placeholder 2">
+            <a:extLst>
+              <a:ext uri="{FF2B5EF4-FFF2-40B4-BE49-F238E27FC236}">
+                <a16:creationId xmlns:a16="http://schemas.microsoft.com/office/drawing/2014/main" id="{0780FB1C-DC26-4941-9533-454F4C6F14AF}"/>
+              </a:ext>
+            </a:extLst>
+          </p:cNvPr>
+          <p:cNvSpPr>
+            <a:spLocks noGrp="1"/>
+          </p:cNvSpPr>
+          <p:nvPr>
+            <p:ph idx="1"/>
+          </p:nvPr>
+        </p:nvSpPr>
+        <p:spPr>
+          <a:xfrm>
+            <a:off x="764523" y="2682433"/>
+            <a:ext cx="8046102" cy="3215749"/>
+          </a:xfrm>
+        </p:spPr>
+        <p:txBody>
+          <a:bodyPr>
+            <a:noAutofit/>
+          </a:bodyPr>
+          <a:lstStyle/>
+          <a:p>
+            <a:pPr marL="0" indent="0">
+              <a:lnSpc>
+                <a:spcPct val="90000"/>
+              </a:lnSpc>
+              <a:buNone/>
+            </a:pPr>
+            <a:r>
+              <a:rPr lang="en-IL" sz="2800" dirty="0"/>
+              <a:t>Mu</a:t>
+            </a:r>
+            <a:r>
+              <a:rPr lang="en-US" sz="2800" dirty="0"/>
+              <a:t>l</a:t>
+            </a:r>
+            <a:r>
+              <a:rPr lang="en-IL" sz="2800" dirty="0"/>
+              <a:t>t</a:t>
+            </a:r>
+            <a:r>
+              <a:rPr lang="en-US" sz="2800" dirty="0" err="1"/>
+              <a:t>i</a:t>
+            </a:r>
+            <a:r>
+              <a:rPr lang="en-IL" sz="2800" dirty="0"/>
+              <a:t>p</a:t>
+            </a:r>
+            <a:r>
+              <a:rPr lang="en-US" sz="2800" dirty="0"/>
+              <a:t>l</a:t>
+            </a:r>
+            <a:r>
+              <a:rPr lang="en-IL" sz="2800" dirty="0"/>
+              <a:t>e </a:t>
+            </a:r>
+            <a:r>
+              <a:rPr lang="en-US" sz="2800" dirty="0"/>
+              <a:t>a</a:t>
+            </a:r>
+            <a:r>
+              <a:rPr lang="en-IL" sz="2800" dirty="0"/>
+              <a:t>s</a:t>
+            </a:r>
+            <a:r>
+              <a:rPr lang="en-US" sz="2800" dirty="0"/>
+              <a:t>s</a:t>
+            </a:r>
+            <a:r>
+              <a:rPr lang="en-IL" sz="2800" dirty="0" err="1"/>
+              <a:t>i</a:t>
+            </a:r>
+            <a:r>
+              <a:rPr lang="en-US" sz="2800" dirty="0"/>
+              <a:t>g</a:t>
+            </a:r>
+            <a:r>
+              <a:rPr lang="en-IL" sz="2800" dirty="0"/>
+              <a:t>n</a:t>
+            </a:r>
+            <a:r>
+              <a:rPr lang="en-US" sz="2800" dirty="0"/>
+              <a:t>m</a:t>
+            </a:r>
+            <a:r>
+              <a:rPr lang="en-IL" sz="2800" dirty="0"/>
+              <a:t>e</a:t>
+            </a:r>
+            <a:r>
+              <a:rPr lang="en-US" sz="2800" dirty="0"/>
+              <a:t>n</a:t>
+            </a:r>
+            <a:r>
+              <a:rPr lang="en-IL" sz="2800" dirty="0"/>
+              <a:t>t:</a:t>
+            </a:r>
+          </a:p>
+          <a:p>
+            <a:pPr marL="0" indent="0">
+              <a:lnSpc>
+                <a:spcPct val="90000"/>
+              </a:lnSpc>
+              <a:buNone/>
+            </a:pPr>
+            <a:endParaRPr lang="en-IL" sz="2800" dirty="0"/>
+          </a:p>
+          <a:p>
+            <a:pPr marL="0" indent="0">
+              <a:lnSpc>
+                <a:spcPct val="90000"/>
+              </a:lnSpc>
+              <a:buNone/>
+            </a:pPr>
+            <a:r>
+              <a:rPr lang="en-IL" sz="2800" dirty="0">
+                <a:latin typeface="Consolas" panose="020B0609020204030204" pitchFamily="49" charset="0"/>
+              </a:rPr>
+              <a:t>variable1, </a:t>
+            </a:r>
+            <a:r>
+              <a:rPr lang="en-US" sz="2800" dirty="0">
+                <a:latin typeface="Consolas" panose="020B0609020204030204" pitchFamily="49" charset="0"/>
+              </a:rPr>
+              <a:t>v</a:t>
+            </a:r>
+            <a:r>
+              <a:rPr lang="en-IL" sz="2800" dirty="0">
+                <a:latin typeface="Consolas" panose="020B0609020204030204" pitchFamily="49" charset="0"/>
+              </a:rPr>
+              <a:t>a</a:t>
+            </a:r>
+            <a:r>
+              <a:rPr lang="en-US" sz="2800" dirty="0">
+                <a:latin typeface="Consolas" panose="020B0609020204030204" pitchFamily="49" charset="0"/>
+              </a:rPr>
+              <a:t>r</a:t>
+            </a:r>
+            <a:r>
+              <a:rPr lang="en-IL" sz="2800" dirty="0" err="1">
+                <a:latin typeface="Consolas" panose="020B0609020204030204" pitchFamily="49" charset="0"/>
+              </a:rPr>
+              <a:t>i</a:t>
+            </a:r>
+            <a:r>
+              <a:rPr lang="en-US" sz="2800" dirty="0">
+                <a:latin typeface="Consolas" panose="020B0609020204030204" pitchFamily="49" charset="0"/>
+              </a:rPr>
+              <a:t>a</a:t>
+            </a:r>
+            <a:r>
+              <a:rPr lang="en-IL" sz="2800" dirty="0">
+                <a:latin typeface="Consolas" panose="020B0609020204030204" pitchFamily="49" charset="0"/>
+              </a:rPr>
+              <a:t>b</a:t>
+            </a:r>
+            <a:r>
+              <a:rPr lang="en-US" sz="2800" dirty="0">
+                <a:latin typeface="Consolas" panose="020B0609020204030204" pitchFamily="49" charset="0"/>
+              </a:rPr>
+              <a:t>l</a:t>
+            </a:r>
+            <a:r>
+              <a:rPr lang="en-IL" sz="2800" dirty="0">
+                <a:latin typeface="Consolas" panose="020B0609020204030204" pitchFamily="49" charset="0"/>
+              </a:rPr>
+              <a:t>e2 = </a:t>
+            </a:r>
+            <a:r>
+              <a:rPr lang="en-US" sz="2800" dirty="0">
+                <a:latin typeface="Consolas" panose="020B0609020204030204" pitchFamily="49" charset="0"/>
+              </a:rPr>
+              <a:t>v</a:t>
+            </a:r>
+            <a:r>
+              <a:rPr lang="en-IL" sz="2800" dirty="0">
+                <a:latin typeface="Consolas" panose="020B0609020204030204" pitchFamily="49" charset="0"/>
+              </a:rPr>
+              <a:t>a</a:t>
+            </a:r>
+            <a:r>
+              <a:rPr lang="en-US" sz="2800" dirty="0">
+                <a:latin typeface="Consolas" panose="020B0609020204030204" pitchFamily="49" charset="0"/>
+              </a:rPr>
+              <a:t>l</a:t>
+            </a:r>
+            <a:r>
+              <a:rPr lang="en-IL" sz="2800" dirty="0">
+                <a:latin typeface="Consolas" panose="020B0609020204030204" pitchFamily="49" charset="0"/>
+              </a:rPr>
+              <a:t>u</a:t>
+            </a:r>
+            <a:r>
+              <a:rPr lang="en-US" sz="2800" dirty="0">
+                <a:latin typeface="Consolas" panose="020B0609020204030204" pitchFamily="49" charset="0"/>
+              </a:rPr>
+              <a:t>e</a:t>
+            </a:r>
+            <a:r>
+              <a:rPr lang="en-IL" sz="2800" dirty="0">
+                <a:latin typeface="Consolas" panose="020B0609020204030204" pitchFamily="49" charset="0"/>
+              </a:rPr>
+              <a:t>1, </a:t>
+            </a:r>
+            <a:r>
+              <a:rPr lang="en-US" sz="2800" dirty="0">
+                <a:latin typeface="Consolas" panose="020B0609020204030204" pitchFamily="49" charset="0"/>
+              </a:rPr>
+              <a:t>v</a:t>
+            </a:r>
+            <a:r>
+              <a:rPr lang="en-IL" sz="2800" dirty="0">
+                <a:latin typeface="Consolas" panose="020B0609020204030204" pitchFamily="49" charset="0"/>
+              </a:rPr>
+              <a:t>alue2</a:t>
+            </a:r>
+          </a:p>
+          <a:p>
+            <a:pPr marL="0" indent="0">
+              <a:lnSpc>
+                <a:spcPct val="90000"/>
+              </a:lnSpc>
+              <a:buNone/>
+            </a:pPr>
+            <a:endParaRPr lang="en-IL" sz="2800" dirty="0">
+              <a:latin typeface="Consolas" panose="020B0609020204030204" pitchFamily="49" charset="0"/>
+            </a:endParaRPr>
+          </a:p>
+          <a:p>
+            <a:pPr marL="0" indent="0">
+              <a:lnSpc>
+                <a:spcPct val="90000"/>
+              </a:lnSpc>
+              <a:buNone/>
+            </a:pPr>
+            <a:r>
+              <a:rPr lang="en-IL" sz="2800" dirty="0">
+                <a:latin typeface="Consolas" panose="020B0609020204030204" pitchFamily="49" charset="0"/>
+              </a:rPr>
+              <a:t>x, y, z = 1, 2, 3</a:t>
+            </a:r>
+          </a:p>
+        </p:txBody>
+      </p:sp>
+      <p:pic>
+        <p:nvPicPr>
+          <p:cNvPr id="3" name="Picture 2">
+            <a:extLst>
+              <a:ext uri="{FF2B5EF4-FFF2-40B4-BE49-F238E27FC236}">
+                <a16:creationId xmlns:a16="http://schemas.microsoft.com/office/drawing/2014/main" id="{CDDECDCF-1F4D-4509-A88E-3D5B6E873F3B}"/>
+              </a:ext>
+            </a:extLst>
+          </p:cNvPr>
+          <p:cNvPicPr>
+            <a:picLocks noChangeAspect="1"/>
+          </p:cNvPicPr>
+          <p:nvPr/>
+        </p:nvPicPr>
+        <p:blipFill rotWithShape="1">
+          <a:blip r:embed="rId2"/>
+          <a:srcRect l="32604" t="19667" r="31982" b="17238"/>
+          <a:stretch/>
+        </p:blipFill>
+        <p:spPr>
+          <a:xfrm>
+            <a:off x="7113320" y="4616351"/>
+            <a:ext cx="2030680" cy="2241649"/>
+          </a:xfrm>
+          <a:prstGeom prst="rect">
+            <a:avLst/>
+          </a:prstGeom>
+        </p:spPr>
+      </p:pic>
+      <p:sp>
+        <p:nvSpPr>
+          <p:cNvPr id="13" name="Freeform: Shape 12">
+            <a:extLst>
+              <a:ext uri="{FF2B5EF4-FFF2-40B4-BE49-F238E27FC236}">
+                <a16:creationId xmlns:a16="http://schemas.microsoft.com/office/drawing/2014/main" id="{6AD97C46-F405-44A9-AF50-CC4091BE3D85}"/>
+              </a:ext>
+            </a:extLst>
+          </p:cNvPr>
+          <p:cNvSpPr/>
+          <p:nvPr/>
+        </p:nvSpPr>
+        <p:spPr>
+          <a:xfrm>
+            <a:off x="961901" y="5035138"/>
+            <a:ext cx="1947554" cy="440639"/>
+          </a:xfrm>
+          <a:custGeom>
+            <a:avLst/>
+            <a:gdLst>
+              <a:gd name="connsiteX0" fmla="*/ 1947554 w 1947554"/>
+              <a:gd name="connsiteY0" fmla="*/ 106878 h 440639"/>
+              <a:gd name="connsiteX1" fmla="*/ 570016 w 1947554"/>
+              <a:gd name="connsiteY1" fmla="*/ 439387 h 440639"/>
+              <a:gd name="connsiteX2" fmla="*/ 0 w 1947554"/>
+              <a:gd name="connsiteY2" fmla="*/ 0 h 440639"/>
+              <a:gd name="connsiteX3" fmla="*/ 0 w 1947554"/>
+              <a:gd name="connsiteY3" fmla="*/ 0 h 440639"/>
+            </a:gdLst>
+            <a:ahLst/>
+            <a:cxnLst>
+              <a:cxn ang="0">
+                <a:pos x="connsiteX0" y="connsiteY0"/>
+              </a:cxn>
+              <a:cxn ang="0">
+                <a:pos x="connsiteX1" y="connsiteY1"/>
+              </a:cxn>
+              <a:cxn ang="0">
+                <a:pos x="connsiteX2" y="connsiteY2"/>
+              </a:cxn>
+              <a:cxn ang="0">
+                <a:pos x="connsiteX3" y="connsiteY3"/>
+              </a:cxn>
+            </a:cxnLst>
+            <a:rect l="l" t="t" r="r" b="b"/>
+            <a:pathLst>
+              <a:path w="1947554" h="440639">
+                <a:moveTo>
+                  <a:pt x="1947554" y="106878"/>
+                </a:moveTo>
+                <a:cubicBezTo>
+                  <a:pt x="1421081" y="282039"/>
+                  <a:pt x="894608" y="457200"/>
+                  <a:pt x="570016" y="439387"/>
+                </a:cubicBezTo>
+                <a:cubicBezTo>
+                  <a:pt x="245424" y="421574"/>
+                  <a:pt x="0" y="0"/>
+                  <a:pt x="0" y="0"/>
+                </a:cubicBezTo>
+                <a:lnTo>
+                  <a:pt x="0" y="0"/>
+                </a:lnTo>
+              </a:path>
+            </a:pathLst>
+          </a:custGeom>
+          <a:noFill/>
+          <a:ln w="28575">
+            <a:tailEnd type="triangle" w="lg" len="lg"/>
+          </a:ln>
+        </p:spPr>
+        <p:style>
+          <a:lnRef idx="1">
+            <a:schemeClr val="accent1"/>
+          </a:lnRef>
+          <a:fillRef idx="3">
+            <a:schemeClr val="accent1"/>
+          </a:fillRef>
+          <a:effectRef idx="2">
+            <a:schemeClr val="accent1"/>
+          </a:effectRef>
+          <a:fontRef idx="minor">
+            <a:schemeClr val="lt1"/>
+          </a:fontRef>
+        </p:style>
+        <p:txBody>
+          <a:bodyPr rtlCol="0" anchor="ctr"/>
+          <a:lstStyle/>
+          <a:p>
+            <a:pPr algn="ctr"/>
+            <a:endParaRPr lang="en-IL"/>
+          </a:p>
+        </p:txBody>
+      </p:sp>
+      <p:sp>
+        <p:nvSpPr>
+          <p:cNvPr id="14" name="Freeform: Shape 13">
+            <a:extLst>
+              <a:ext uri="{FF2B5EF4-FFF2-40B4-BE49-F238E27FC236}">
+                <a16:creationId xmlns:a16="http://schemas.microsoft.com/office/drawing/2014/main" id="{3CACABF0-7A4A-4319-BA7A-A8FD6D10D85B}"/>
+              </a:ext>
+            </a:extLst>
+          </p:cNvPr>
+          <p:cNvSpPr/>
+          <p:nvPr/>
+        </p:nvSpPr>
+        <p:spPr>
+          <a:xfrm>
+            <a:off x="1565564" y="5035138"/>
+            <a:ext cx="1947554" cy="440639"/>
+          </a:xfrm>
+          <a:custGeom>
+            <a:avLst/>
+            <a:gdLst>
+              <a:gd name="connsiteX0" fmla="*/ 1947554 w 1947554"/>
+              <a:gd name="connsiteY0" fmla="*/ 106878 h 440639"/>
+              <a:gd name="connsiteX1" fmla="*/ 570016 w 1947554"/>
+              <a:gd name="connsiteY1" fmla="*/ 439387 h 440639"/>
+              <a:gd name="connsiteX2" fmla="*/ 0 w 1947554"/>
+              <a:gd name="connsiteY2" fmla="*/ 0 h 440639"/>
+              <a:gd name="connsiteX3" fmla="*/ 0 w 1947554"/>
+              <a:gd name="connsiteY3" fmla="*/ 0 h 440639"/>
+            </a:gdLst>
+            <a:ahLst/>
+            <a:cxnLst>
+              <a:cxn ang="0">
+                <a:pos x="connsiteX0" y="connsiteY0"/>
+              </a:cxn>
+              <a:cxn ang="0">
+                <a:pos x="connsiteX1" y="connsiteY1"/>
+              </a:cxn>
+              <a:cxn ang="0">
+                <a:pos x="connsiteX2" y="connsiteY2"/>
+              </a:cxn>
+              <a:cxn ang="0">
+                <a:pos x="connsiteX3" y="connsiteY3"/>
+              </a:cxn>
+            </a:cxnLst>
+            <a:rect l="l" t="t" r="r" b="b"/>
+            <a:pathLst>
+              <a:path w="1947554" h="440639">
+                <a:moveTo>
+                  <a:pt x="1947554" y="106878"/>
+                </a:moveTo>
+                <a:cubicBezTo>
+                  <a:pt x="1421081" y="282039"/>
+                  <a:pt x="894608" y="457200"/>
+                  <a:pt x="570016" y="439387"/>
+                </a:cubicBezTo>
+                <a:cubicBezTo>
+                  <a:pt x="245424" y="421574"/>
+                  <a:pt x="0" y="0"/>
+                  <a:pt x="0" y="0"/>
+                </a:cubicBezTo>
+                <a:lnTo>
+                  <a:pt x="0" y="0"/>
+                </a:lnTo>
+              </a:path>
+            </a:pathLst>
+          </a:custGeom>
+          <a:noFill/>
+          <a:ln w="28575">
+            <a:solidFill>
+              <a:schemeClr val="accent2"/>
+            </a:solidFill>
+            <a:tailEnd type="triangle" w="lg" len="lg"/>
+          </a:ln>
+        </p:spPr>
+        <p:style>
+          <a:lnRef idx="1">
+            <a:schemeClr val="accent1"/>
+          </a:lnRef>
+          <a:fillRef idx="3">
+            <a:schemeClr val="accent1"/>
+          </a:fillRef>
+          <a:effectRef idx="2">
+            <a:schemeClr val="accent1"/>
+          </a:effectRef>
+          <a:fontRef idx="minor">
+            <a:schemeClr val="lt1"/>
+          </a:fontRef>
+        </p:style>
+        <p:txBody>
+          <a:bodyPr rtlCol="0" anchor="ctr"/>
+          <a:lstStyle/>
+          <a:p>
+            <a:pPr algn="ctr"/>
+            <a:endParaRPr lang="en-IL"/>
+          </a:p>
+        </p:txBody>
+      </p:sp>
+      <p:sp>
+        <p:nvSpPr>
+          <p:cNvPr id="15" name="Freeform: Shape 14">
+            <a:extLst>
+              <a:ext uri="{FF2B5EF4-FFF2-40B4-BE49-F238E27FC236}">
+                <a16:creationId xmlns:a16="http://schemas.microsoft.com/office/drawing/2014/main" id="{D40769F6-9F21-461D-AC80-D62A9D580F21}"/>
+              </a:ext>
+            </a:extLst>
+          </p:cNvPr>
+          <p:cNvSpPr/>
+          <p:nvPr/>
+        </p:nvSpPr>
+        <p:spPr>
+          <a:xfrm>
+            <a:off x="2133056" y="5035138"/>
+            <a:ext cx="1947554" cy="440639"/>
+          </a:xfrm>
+          <a:custGeom>
+            <a:avLst/>
+            <a:gdLst>
+              <a:gd name="connsiteX0" fmla="*/ 1947554 w 1947554"/>
+              <a:gd name="connsiteY0" fmla="*/ 106878 h 440639"/>
+              <a:gd name="connsiteX1" fmla="*/ 570016 w 1947554"/>
+              <a:gd name="connsiteY1" fmla="*/ 439387 h 440639"/>
+              <a:gd name="connsiteX2" fmla="*/ 0 w 1947554"/>
+              <a:gd name="connsiteY2" fmla="*/ 0 h 440639"/>
+              <a:gd name="connsiteX3" fmla="*/ 0 w 1947554"/>
+              <a:gd name="connsiteY3" fmla="*/ 0 h 440639"/>
+            </a:gdLst>
+            <a:ahLst/>
+            <a:cxnLst>
+              <a:cxn ang="0">
+                <a:pos x="connsiteX0" y="connsiteY0"/>
+              </a:cxn>
+              <a:cxn ang="0">
+                <a:pos x="connsiteX1" y="connsiteY1"/>
+              </a:cxn>
+              <a:cxn ang="0">
+                <a:pos x="connsiteX2" y="connsiteY2"/>
+              </a:cxn>
+              <a:cxn ang="0">
+                <a:pos x="connsiteX3" y="connsiteY3"/>
+              </a:cxn>
+            </a:cxnLst>
+            <a:rect l="l" t="t" r="r" b="b"/>
+            <a:pathLst>
+              <a:path w="1947554" h="440639">
+                <a:moveTo>
+                  <a:pt x="1947554" y="106878"/>
+                </a:moveTo>
+                <a:cubicBezTo>
+                  <a:pt x="1421081" y="282039"/>
+                  <a:pt x="894608" y="457200"/>
+                  <a:pt x="570016" y="439387"/>
+                </a:cubicBezTo>
+                <a:cubicBezTo>
+                  <a:pt x="245424" y="421574"/>
+                  <a:pt x="0" y="0"/>
+                  <a:pt x="0" y="0"/>
+                </a:cubicBezTo>
+                <a:lnTo>
+                  <a:pt x="0" y="0"/>
+                </a:lnTo>
+              </a:path>
+            </a:pathLst>
+          </a:custGeom>
+          <a:noFill/>
+          <a:ln w="28575">
+            <a:solidFill>
+              <a:srgbClr val="00B050"/>
+            </a:solidFill>
+            <a:tailEnd type="triangle" w="lg" len="lg"/>
+          </a:ln>
+        </p:spPr>
+        <p:style>
+          <a:lnRef idx="1">
+            <a:schemeClr val="accent1"/>
+          </a:lnRef>
+          <a:fillRef idx="3">
+            <a:schemeClr val="accent1"/>
+          </a:fillRef>
+          <a:effectRef idx="2">
+            <a:schemeClr val="accent1"/>
+          </a:effectRef>
+          <a:fontRef idx="minor">
+            <a:schemeClr val="lt1"/>
+          </a:fontRef>
+        </p:style>
+        <p:txBody>
+          <a:bodyPr rtlCol="0" anchor="ctr"/>
+          <a:lstStyle/>
+          <a:p>
+            <a:pPr algn="ctr"/>
+            <a:endParaRPr lang="en-IL"/>
+          </a:p>
+        </p:txBody>
+      </p:sp>
+    </p:spTree>
+    <p:extLst>
+      <p:ext uri="{BB962C8B-B14F-4D97-AF65-F5344CB8AC3E}">
+        <p14:creationId xmlns:p14="http://schemas.microsoft.com/office/powerpoint/2010/main" val="4058417675"/>
+      </p:ext>
+    </p:extLst>
+  </p:cSld>
+  <p:clrMapOvr>
+    <a:masterClrMapping/>
+  </p:clrMapOvr>
+</p:sld>
+</file>
+
+<file path=ppt/slides/slide3.xml><?xml version="1.0" encoding="utf-8"?>
 <p:sld xmlns:a="http://schemas.openxmlformats.org/drawingml/2006/main" xmlns:r="http://schemas.openxmlformats.org/officeDocument/2006/relationships" xmlns:p="http://schemas.openxmlformats.org/presentationml/2006/main">
   <p:cSld>
     <p:bg>
@@ -12423,2482 +15077,7 @@
 </p:sld>
 </file>
 
-<file path=ppt/slides/slide20.xml><?xml version="1.0" encoding="utf-8"?>
-<p:sld xmlns:a="http://schemas.openxmlformats.org/drawingml/2006/main" xmlns:r="http://schemas.openxmlformats.org/officeDocument/2006/relationships" xmlns:p="http://schemas.openxmlformats.org/presentationml/2006/main">
-  <p:cSld>
-    <p:spTree>
-      <p:nvGrpSpPr>
-        <p:cNvPr id="1" name=""/>
-        <p:cNvGrpSpPr/>
-        <p:nvPr/>
-      </p:nvGrpSpPr>
-      <p:grpSpPr>
-        <a:xfrm>
-          <a:off x="0" y="0"/>
-          <a:ext cx="0" cy="0"/>
-          <a:chOff x="0" y="0"/>
-          <a:chExt cx="0" cy="0"/>
-        </a:xfrm>
-      </p:grpSpPr>
-      <p:sp>
-        <p:nvSpPr>
-          <p:cNvPr id="3" name="Content Placeholder 2"/>
-          <p:cNvSpPr>
-            <a:spLocks noGrp="1"/>
-          </p:cNvSpPr>
-          <p:nvPr>
-            <p:ph idx="1"/>
-          </p:nvPr>
-        </p:nvSpPr>
-        <p:spPr>
-          <a:xfrm>
-            <a:off x="457200" y="522514"/>
-            <a:ext cx="8229600" cy="5603649"/>
-          </a:xfrm>
-        </p:spPr>
-        <p:txBody>
-          <a:bodyPr anchor="ctr">
-            <a:normAutofit/>
-          </a:bodyPr>
-          <a:lstStyle/>
-          <a:p>
-            <a:pPr marL="0" indent="0" algn="ctr">
-              <a:buNone/>
-            </a:pPr>
-            <a:r>
-              <a:rPr lang="en-IL" sz="8000" dirty="0"/>
-              <a:t>O</a:t>
-            </a:r>
-            <a:r>
-              <a:rPr lang="en-US" sz="8000" dirty="0"/>
-              <a:t>p</a:t>
-            </a:r>
-            <a:r>
-              <a:rPr lang="en-IL" sz="8000" dirty="0"/>
-              <a:t>e</a:t>
-            </a:r>
-            <a:r>
-              <a:rPr lang="en-US" sz="8000" dirty="0"/>
-              <a:t>n</a:t>
-            </a:r>
-            <a:r>
-              <a:rPr lang="en-IL" sz="8000" dirty="0"/>
-              <a:t> </a:t>
-            </a:r>
-            <a:r>
-              <a:rPr lang="en-IL" sz="8000" dirty="0">
-                <a:hlinkClick r:id="rId2" action="ppaction://hlinkfile"/>
-              </a:rPr>
-              <a:t>repl.it</a:t>
-            </a:r>
-            <a:r>
-              <a:rPr lang="en-IL" sz="8000" dirty="0"/>
-              <a:t> </a:t>
-            </a:r>
-            <a:r>
-              <a:rPr lang="en-US" sz="8000" dirty="0"/>
-              <a:t>a</a:t>
-            </a:r>
-            <a:r>
-              <a:rPr lang="en-IL" sz="8000" dirty="0"/>
-              <a:t>n</a:t>
-            </a:r>
-            <a:r>
-              <a:rPr lang="en-US" sz="8000" dirty="0"/>
-              <a:t>d</a:t>
-            </a:r>
-            <a:r>
-              <a:rPr lang="en-IL" sz="8000" dirty="0"/>
-              <a:t> </a:t>
-            </a:r>
-            <a:r>
-              <a:rPr lang="en-US" sz="8000" dirty="0"/>
-              <a:t>c</a:t>
-            </a:r>
-            <a:r>
-              <a:rPr lang="en-IL" sz="8000" dirty="0"/>
-              <a:t>r</a:t>
-            </a:r>
-            <a:r>
-              <a:rPr lang="en-US" sz="8000" dirty="0"/>
-              <a:t>e</a:t>
-            </a:r>
-            <a:r>
-              <a:rPr lang="en-IL" sz="8000" dirty="0"/>
-              <a:t>a</a:t>
-            </a:r>
-            <a:r>
-              <a:rPr lang="en-US" sz="8000" dirty="0"/>
-              <a:t>t</a:t>
-            </a:r>
-            <a:r>
-              <a:rPr lang="en-IL" sz="8000" dirty="0"/>
-              <a:t>e </a:t>
-            </a:r>
-            <a:r>
-              <a:rPr lang="en-US" sz="8000" dirty="0"/>
-              <a:t>a</a:t>
-            </a:r>
-            <a:r>
-              <a:rPr lang="en-IL" sz="8000" dirty="0"/>
-              <a:t>n </a:t>
-            </a:r>
-            <a:r>
-              <a:rPr lang="en-US" sz="8000" dirty="0"/>
-              <a:t>a</a:t>
-            </a:r>
-            <a:r>
-              <a:rPr lang="en-IL" sz="8000" dirty="0"/>
-              <a:t>c</a:t>
-            </a:r>
-            <a:r>
-              <a:rPr lang="en-US" sz="8000" dirty="0"/>
-              <a:t>c</a:t>
-            </a:r>
-            <a:r>
-              <a:rPr lang="en-IL" sz="8000" dirty="0"/>
-              <a:t>o</a:t>
-            </a:r>
-            <a:r>
-              <a:rPr lang="en-US" sz="8000" dirty="0"/>
-              <a:t>u</a:t>
-            </a:r>
-            <a:r>
-              <a:rPr lang="en-IL" sz="8000" dirty="0"/>
-              <a:t>n</a:t>
-            </a:r>
-            <a:r>
-              <a:rPr lang="en-US" sz="8000" dirty="0"/>
-              <a:t>t</a:t>
-            </a:r>
-            <a:endParaRPr lang="en-IL" sz="8000" dirty="0"/>
-          </a:p>
-        </p:txBody>
-      </p:sp>
-    </p:spTree>
-    <p:extLst>
-      <p:ext uri="{BB962C8B-B14F-4D97-AF65-F5344CB8AC3E}">
-        <p14:creationId xmlns:p14="http://schemas.microsoft.com/office/powerpoint/2010/main" val="2187440626"/>
-      </p:ext>
-    </p:extLst>
-  </p:cSld>
-  <p:clrMapOvr>
-    <a:masterClrMapping/>
-  </p:clrMapOvr>
-</p:sld>
-</file>
-
-<file path=ppt/slides/slide21.xml><?xml version="1.0" encoding="utf-8"?>
-<p:sld xmlns:a="http://schemas.openxmlformats.org/drawingml/2006/main" xmlns:r="http://schemas.openxmlformats.org/officeDocument/2006/relationships" xmlns:p="http://schemas.openxmlformats.org/presentationml/2006/main">
-  <p:cSld>
-    <p:spTree>
-      <p:nvGrpSpPr>
-        <p:cNvPr id="1" name=""/>
-        <p:cNvGrpSpPr/>
-        <p:nvPr/>
-      </p:nvGrpSpPr>
-      <p:grpSpPr>
-        <a:xfrm>
-          <a:off x="0" y="0"/>
-          <a:ext cx="0" cy="0"/>
-          <a:chOff x="0" y="0"/>
-          <a:chExt cx="0" cy="0"/>
-        </a:xfrm>
-      </p:grpSpPr>
-      <p:sp>
-        <p:nvSpPr>
-          <p:cNvPr id="3" name="Content Placeholder 2"/>
-          <p:cNvSpPr>
-            <a:spLocks noGrp="1"/>
-          </p:cNvSpPr>
-          <p:nvPr>
-            <p:ph idx="1"/>
-          </p:nvPr>
-        </p:nvSpPr>
-        <p:spPr>
-          <a:xfrm>
-            <a:off x="457200" y="1491177"/>
-            <a:ext cx="8229600" cy="4634986"/>
-          </a:xfrm>
-        </p:spPr>
-        <p:txBody>
-          <a:bodyPr anchor="ctr">
-            <a:normAutofit/>
-          </a:bodyPr>
-          <a:lstStyle/>
-          <a:p>
-            <a:pPr marL="985838" indent="-985838"/>
-            <a:r>
-              <a:rPr lang="en-US" sz="6600" dirty="0"/>
-              <a:t>Script window</a:t>
-            </a:r>
-          </a:p>
-          <a:p>
-            <a:pPr marL="985838" indent="-985838"/>
-            <a:r>
-              <a:rPr lang="en-US" sz="6600" dirty="0"/>
-              <a:t>Interactive window</a:t>
-            </a:r>
-            <a:endParaRPr lang="en-IL" sz="6600" dirty="0"/>
-          </a:p>
-        </p:txBody>
-      </p:sp>
-      <p:pic>
-        <p:nvPicPr>
-          <p:cNvPr id="4" name="Picture 3" descr="A close up of a logo&#10;&#10;Description automatically generated">
-            <a:extLst>
-              <a:ext uri="{FF2B5EF4-FFF2-40B4-BE49-F238E27FC236}">
-                <a16:creationId xmlns:a16="http://schemas.microsoft.com/office/drawing/2014/main" id="{FEEE22C8-2D63-44C8-A8B1-AF2EE38ED144}"/>
-              </a:ext>
-            </a:extLst>
-          </p:cNvPr>
-          <p:cNvPicPr>
-            <a:picLocks noChangeAspect="1"/>
-          </p:cNvPicPr>
-          <p:nvPr/>
-        </p:nvPicPr>
-        <p:blipFill>
-          <a:blip r:embed="rId2"/>
-          <a:stretch>
-            <a:fillRect/>
-          </a:stretch>
-        </p:blipFill>
-        <p:spPr>
-          <a:xfrm>
-            <a:off x="2857500" y="186252"/>
-            <a:ext cx="3429000" cy="1304925"/>
-          </a:xfrm>
-          <a:prstGeom prst="rect">
-            <a:avLst/>
-          </a:prstGeom>
-        </p:spPr>
-      </p:pic>
-    </p:spTree>
-    <p:extLst>
-      <p:ext uri="{BB962C8B-B14F-4D97-AF65-F5344CB8AC3E}">
-        <p14:creationId xmlns:p14="http://schemas.microsoft.com/office/powerpoint/2010/main" val="2220214287"/>
-      </p:ext>
-    </p:extLst>
-  </p:cSld>
-  <p:clrMapOvr>
-    <a:masterClrMapping/>
-  </p:clrMapOvr>
-</p:sld>
-</file>
-
-<file path=ppt/slides/slide22.xml><?xml version="1.0" encoding="utf-8"?>
-<p:sld xmlns:a="http://schemas.openxmlformats.org/drawingml/2006/main" xmlns:r="http://schemas.openxmlformats.org/officeDocument/2006/relationships" xmlns:p="http://schemas.openxmlformats.org/presentationml/2006/main">
-  <p:cSld>
-    <p:spTree>
-      <p:nvGrpSpPr>
-        <p:cNvPr id="1" name=""/>
-        <p:cNvGrpSpPr/>
-        <p:nvPr/>
-      </p:nvGrpSpPr>
-      <p:grpSpPr>
-        <a:xfrm>
-          <a:off x="0" y="0"/>
-          <a:ext cx="0" cy="0"/>
-          <a:chOff x="0" y="0"/>
-          <a:chExt cx="0" cy="0"/>
-        </a:xfrm>
-      </p:grpSpPr>
-      <p:sp>
-        <p:nvSpPr>
-          <p:cNvPr id="3" name="Content Placeholder 2"/>
-          <p:cNvSpPr>
-            <a:spLocks noGrp="1"/>
-          </p:cNvSpPr>
-          <p:nvPr>
-            <p:ph idx="1"/>
-          </p:nvPr>
-        </p:nvSpPr>
-        <p:spPr>
-          <a:xfrm>
-            <a:off x="457200" y="3241964"/>
-            <a:ext cx="8229600" cy="2884199"/>
-          </a:xfrm>
-        </p:spPr>
-        <p:txBody>
-          <a:bodyPr anchor="ctr">
-            <a:normAutofit/>
-          </a:bodyPr>
-          <a:lstStyle/>
-          <a:p>
-            <a:pPr marL="0" indent="0" algn="ctr">
-              <a:buNone/>
-            </a:pPr>
-            <a:r>
-              <a:rPr lang="en-IL" sz="5400" dirty="0"/>
-              <a:t>O</a:t>
-            </a:r>
-            <a:r>
-              <a:rPr lang="en-US" sz="5400" dirty="0"/>
-              <a:t>p</a:t>
-            </a:r>
-            <a:r>
-              <a:rPr lang="en-IL" sz="5400" dirty="0"/>
-              <a:t>e</a:t>
-            </a:r>
-            <a:r>
-              <a:rPr lang="en-US" sz="5400" dirty="0"/>
-              <a:t>n</a:t>
-            </a:r>
-            <a:r>
-              <a:rPr lang="en-IL" sz="5400" dirty="0"/>
-              <a:t> </a:t>
-            </a:r>
-            <a:r>
-              <a:rPr lang="en-IL" sz="5400" dirty="0">
-                <a:hlinkClick r:id="rId2" action="ppaction://hlinkfile"/>
-              </a:rPr>
-              <a:t>repl.it</a:t>
-            </a:r>
-            <a:r>
-              <a:rPr lang="en-US" sz="5400" dirty="0"/>
-              <a:t> </a:t>
-            </a:r>
-            <a:r>
-              <a:rPr lang="en-US" sz="5400" dirty="0">
-                <a:sym typeface="Wingdings" panose="05000000000000000000" pitchFamily="2" charset="2"/>
-              </a:rPr>
-              <a:t></a:t>
-            </a:r>
-            <a:endParaRPr lang="en-IL" sz="5400" dirty="0">
-              <a:sym typeface="Wingdings" panose="05000000000000000000" pitchFamily="2" charset="2"/>
-            </a:endParaRPr>
-          </a:p>
-          <a:p>
-            <a:pPr marL="0" indent="0" algn="ctr">
-              <a:buNone/>
-            </a:pPr>
-            <a:br>
-              <a:rPr lang="en-IL" sz="5400" dirty="0">
-                <a:sym typeface="Wingdings" panose="05000000000000000000" pitchFamily="2" charset="2"/>
-              </a:rPr>
-            </a:br>
-            <a:r>
-              <a:rPr lang="en-US" sz="4000" dirty="0">
-                <a:sym typeface="Wingdings" panose="05000000000000000000" pitchFamily="2" charset="2"/>
-              </a:rPr>
-              <a:t>0.</a:t>
-            </a:r>
-            <a:r>
-              <a:rPr lang="en-IL" sz="4000" dirty="0">
-                <a:sym typeface="Wingdings" panose="05000000000000000000" pitchFamily="2" charset="2"/>
-              </a:rPr>
-              <a:t>1</a:t>
-            </a:r>
-            <a:r>
-              <a:rPr lang="en-US" sz="4000" dirty="0">
-                <a:sym typeface="Wingdings" panose="05000000000000000000" pitchFamily="2" charset="2"/>
-              </a:rPr>
-              <a:t>. “</a:t>
-            </a:r>
-            <a:r>
-              <a:rPr lang="en-IL" sz="4000" dirty="0">
-                <a:sym typeface="Wingdings" panose="05000000000000000000" pitchFamily="2" charset="2"/>
-              </a:rPr>
-              <a:t>Basic math operators</a:t>
-            </a:r>
-            <a:r>
-              <a:rPr lang="en-US" sz="4000" dirty="0">
-                <a:sym typeface="Wingdings" panose="05000000000000000000" pitchFamily="2" charset="2"/>
-              </a:rPr>
-              <a:t>”</a:t>
-            </a:r>
-            <a:endParaRPr lang="en-IL" sz="5400" dirty="0"/>
-          </a:p>
-        </p:txBody>
-      </p:sp>
-      <p:pic>
-        <p:nvPicPr>
-          <p:cNvPr id="4" name="Picture 3" descr="A close up of a logo&#10;&#10;Description automatically generated">
-            <a:extLst>
-              <a:ext uri="{FF2B5EF4-FFF2-40B4-BE49-F238E27FC236}">
-                <a16:creationId xmlns:a16="http://schemas.microsoft.com/office/drawing/2014/main" id="{1B07C04D-D05F-43A8-B4D8-73B81977168C}"/>
-              </a:ext>
-            </a:extLst>
-          </p:cNvPr>
-          <p:cNvPicPr>
-            <a:picLocks noChangeAspect="1"/>
-          </p:cNvPicPr>
-          <p:nvPr/>
-        </p:nvPicPr>
-        <p:blipFill>
-          <a:blip r:embed="rId3"/>
-          <a:stretch>
-            <a:fillRect/>
-          </a:stretch>
-        </p:blipFill>
-        <p:spPr>
-          <a:xfrm>
-            <a:off x="2857500" y="1302533"/>
-            <a:ext cx="3429000" cy="1304925"/>
-          </a:xfrm>
-          <a:prstGeom prst="rect">
-            <a:avLst/>
-          </a:prstGeom>
-        </p:spPr>
-      </p:pic>
-    </p:spTree>
-    <p:extLst>
-      <p:ext uri="{BB962C8B-B14F-4D97-AF65-F5344CB8AC3E}">
-        <p14:creationId xmlns:p14="http://schemas.microsoft.com/office/powerpoint/2010/main" val="378283820"/>
-      </p:ext>
-    </p:extLst>
-  </p:cSld>
-  <p:clrMapOvr>
-    <a:masterClrMapping/>
-  </p:clrMapOvr>
-</p:sld>
-</file>
-
-<file path=ppt/slides/slide23.xml><?xml version="1.0" encoding="utf-8"?>
-<p:sld xmlns:a="http://schemas.openxmlformats.org/drawingml/2006/main" xmlns:r="http://schemas.openxmlformats.org/officeDocument/2006/relationships" xmlns:p="http://schemas.openxmlformats.org/presentationml/2006/main">
-  <p:cSld>
-    <p:bg>
-      <p:bgPr>
-        <a:solidFill>
-          <a:schemeClr val="bg1"/>
-        </a:solidFill>
-        <a:effectLst/>
-      </p:bgPr>
-    </p:bg>
-    <p:spTree>
-      <p:nvGrpSpPr>
-        <p:cNvPr id="1" name=""/>
-        <p:cNvGrpSpPr/>
-        <p:nvPr/>
-      </p:nvGrpSpPr>
-      <p:grpSpPr>
-        <a:xfrm>
-          <a:off x="0" y="0"/>
-          <a:ext cx="0" cy="0"/>
-          <a:chOff x="0" y="0"/>
-          <a:chExt cx="0" cy="0"/>
-        </a:xfrm>
-      </p:grpSpPr>
-      <p:sp>
-        <p:nvSpPr>
-          <p:cNvPr id="2" name="Title 1"/>
-          <p:cNvSpPr>
-            <a:spLocks noGrp="1"/>
-          </p:cNvSpPr>
-          <p:nvPr>
-            <p:ph type="title"/>
-          </p:nvPr>
-        </p:nvSpPr>
-        <p:spPr>
-          <a:xfrm>
-            <a:off x="720075" y="978102"/>
-            <a:ext cx="7941325" cy="1062644"/>
-          </a:xfrm>
-        </p:spPr>
-        <p:txBody>
-          <a:bodyPr anchor="b">
-            <a:normAutofit/>
-          </a:bodyPr>
-          <a:lstStyle/>
-          <a:p>
-            <a:pPr algn="l"/>
-            <a:r>
-              <a:rPr lang="en-US"/>
-              <a:t>Variables and Assignments</a:t>
-            </a:r>
-          </a:p>
-        </p:txBody>
-      </p:sp>
-      <p:cxnSp>
-        <p:nvCxnSpPr>
-          <p:cNvPr id="15" name="Straight Connector 10">
-            <a:extLst>
-              <a:ext uri="{FF2B5EF4-FFF2-40B4-BE49-F238E27FC236}">
-                <a16:creationId xmlns:a16="http://schemas.microsoft.com/office/drawing/2014/main" id="{39B7FDC9-F0CE-43A7-9F2A-83DD09DC3453}"/>
-              </a:ext>
-              <a:ext uri="{C183D7F6-B498-43B3-948B-1728B52AA6E4}">
-                <adec:decorative xmlns:adec="http://schemas.microsoft.com/office/drawing/2017/decorative" val="1"/>
-              </a:ext>
-            </a:extLst>
-          </p:cNvPr>
-          <p:cNvCxnSpPr>
-            <a:cxnSpLocks noGrp="1" noRot="1" noChangeAspect="1" noMove="1" noResize="1" noEditPoints="1" noAdjustHandles="1" noChangeArrowheads="1" noChangeShapeType="1"/>
-          </p:cNvCxnSpPr>
-          <p:nvPr>
-            <p:extLst>
-              <p:ext uri="{386F3935-93C4-4BCD-93E2-E3B085C9AB24}">
-                <p16:designElem xmlns:p16="http://schemas.microsoft.com/office/powerpoint/2015/main" val="1"/>
-              </p:ext>
-            </p:extLst>
-          </p:nvPr>
-        </p:nvCxnSpPr>
-        <p:spPr>
-          <a:xfrm>
-            <a:off x="785718" y="2265037"/>
-            <a:ext cx="7593759" cy="0"/>
-          </a:xfrm>
-          <a:prstGeom prst="line">
-            <a:avLst/>
-          </a:prstGeom>
-          <a:ln w="15875">
-            <a:solidFill>
-              <a:schemeClr val="tx1">
-                <a:lumMod val="65000"/>
-                <a:lumOff val="35000"/>
-              </a:schemeClr>
-            </a:solidFill>
-          </a:ln>
-        </p:spPr>
-        <p:style>
-          <a:lnRef idx="1">
-            <a:schemeClr val="accent1"/>
-          </a:lnRef>
-          <a:fillRef idx="0">
-            <a:schemeClr val="accent1"/>
-          </a:fillRef>
-          <a:effectRef idx="0">
-            <a:schemeClr val="accent1"/>
-          </a:effectRef>
-          <a:fontRef idx="minor">
-            <a:schemeClr val="tx1"/>
-          </a:fontRef>
-        </p:style>
-      </p:cxnSp>
-      <p:pic>
-        <p:nvPicPr>
-          <p:cNvPr id="3" name="Picture 2">
-            <a:extLst>
-              <a:ext uri="{FF2B5EF4-FFF2-40B4-BE49-F238E27FC236}">
-                <a16:creationId xmlns:a16="http://schemas.microsoft.com/office/drawing/2014/main" id="{0143D6D4-C082-4A95-8AC8-F248EDE9A7F4}"/>
-              </a:ext>
-            </a:extLst>
-          </p:cNvPr>
-          <p:cNvPicPr>
-            <a:picLocks noChangeAspect="1"/>
-          </p:cNvPicPr>
-          <p:nvPr/>
-        </p:nvPicPr>
-        <p:blipFill rotWithShape="1">
-          <a:blip r:embed="rId2"/>
-          <a:srcRect b="6697"/>
-          <a:stretch/>
-        </p:blipFill>
-        <p:spPr>
-          <a:xfrm>
-            <a:off x="835517" y="2811104"/>
-            <a:ext cx="2524860" cy="2703342"/>
-          </a:xfrm>
-          <a:prstGeom prst="rect">
-            <a:avLst/>
-          </a:prstGeom>
-        </p:spPr>
-      </p:pic>
-      <p:sp>
-        <p:nvSpPr>
-          <p:cNvPr id="6" name="Content Placeholder 2">
-            <a:extLst>
-              <a:ext uri="{FF2B5EF4-FFF2-40B4-BE49-F238E27FC236}">
-                <a16:creationId xmlns:a16="http://schemas.microsoft.com/office/drawing/2014/main" id="{0780FB1C-DC26-4941-9533-454F4C6F14AF}"/>
-              </a:ext>
-            </a:extLst>
-          </p:cNvPr>
-          <p:cNvSpPr>
-            <a:spLocks noGrp="1"/>
-          </p:cNvSpPr>
-          <p:nvPr>
-            <p:ph idx="1"/>
-          </p:nvPr>
-        </p:nvSpPr>
-        <p:spPr>
-          <a:xfrm>
-            <a:off x="3716515" y="2682433"/>
-            <a:ext cx="4711627" cy="3215749"/>
-          </a:xfrm>
-        </p:spPr>
-        <p:txBody>
-          <a:bodyPr>
-            <a:normAutofit/>
-          </a:bodyPr>
-          <a:lstStyle/>
-          <a:p>
-            <a:r>
-              <a:rPr lang="en-US" dirty="0"/>
-              <a:t>W</a:t>
-            </a:r>
-            <a:r>
-              <a:rPr lang="en-IL" dirty="0"/>
-              <a:t>h</a:t>
-            </a:r>
-            <a:r>
-              <a:rPr lang="en-US" dirty="0"/>
-              <a:t>a</a:t>
-            </a:r>
-            <a:r>
-              <a:rPr lang="en-IL" dirty="0"/>
-              <a:t>t </a:t>
-            </a:r>
-            <a:r>
-              <a:rPr lang="en-US" dirty="0" err="1"/>
-              <a:t>i</a:t>
-            </a:r>
-            <a:r>
-              <a:rPr lang="en-IL" dirty="0"/>
-              <a:t>s a </a:t>
-            </a:r>
-            <a:r>
-              <a:rPr lang="en-US" i="1" dirty="0"/>
-              <a:t>v</a:t>
-            </a:r>
-            <a:r>
-              <a:rPr lang="en-IL" i="1" dirty="0" err="1"/>
-              <a:t>ariable</a:t>
-            </a:r>
-            <a:r>
-              <a:rPr lang="en-IL" dirty="0"/>
-              <a:t>?</a:t>
-            </a:r>
-          </a:p>
-          <a:p>
-            <a:r>
-              <a:rPr lang="en-IL" dirty="0"/>
-              <a:t>W</a:t>
-            </a:r>
-            <a:r>
-              <a:rPr lang="en-US" dirty="0"/>
-              <a:t>h</a:t>
-            </a:r>
-            <a:r>
-              <a:rPr lang="en-IL" dirty="0"/>
-              <a:t>at is an </a:t>
-            </a:r>
-            <a:r>
-              <a:rPr lang="en-IL" i="1" dirty="0"/>
-              <a:t>assignment</a:t>
-            </a:r>
-            <a:r>
-              <a:rPr lang="en-IL" dirty="0"/>
-              <a:t>?</a:t>
-            </a:r>
-            <a:endParaRPr lang="en-US" dirty="0"/>
-          </a:p>
-          <a:p>
-            <a:r>
-              <a:rPr lang="en-US" dirty="0"/>
-              <a:t>W</a:t>
-            </a:r>
-            <a:r>
-              <a:rPr lang="en-IL" dirty="0"/>
-              <a:t>h</a:t>
-            </a:r>
-            <a:r>
-              <a:rPr lang="en-US" dirty="0"/>
-              <a:t>a</a:t>
-            </a:r>
-            <a:r>
-              <a:rPr lang="en-IL" dirty="0"/>
-              <a:t>t </a:t>
-            </a:r>
-            <a:r>
-              <a:rPr lang="en-US" dirty="0" err="1"/>
-              <a:t>i</a:t>
-            </a:r>
-            <a:r>
-              <a:rPr lang="en-IL" dirty="0"/>
-              <a:t>s </a:t>
-            </a:r>
-            <a:r>
-              <a:rPr lang="en-US" dirty="0"/>
-              <a:t>a</a:t>
-            </a:r>
-            <a:r>
-              <a:rPr lang="en-IL" dirty="0"/>
-              <a:t> </a:t>
-            </a:r>
-            <a:r>
-              <a:rPr lang="en-US" dirty="0"/>
-              <a:t>v</a:t>
-            </a:r>
-            <a:r>
-              <a:rPr lang="en-IL" dirty="0"/>
-              <a:t>a</a:t>
-            </a:r>
-            <a:r>
-              <a:rPr lang="en-US" dirty="0"/>
-              <a:t>l</a:t>
-            </a:r>
-            <a:r>
-              <a:rPr lang="en-IL" dirty="0" err="1"/>
-              <a:t>i</a:t>
-            </a:r>
-            <a:r>
-              <a:rPr lang="en-US" dirty="0"/>
-              <a:t>d</a:t>
-            </a:r>
-            <a:r>
-              <a:rPr lang="en-IL" dirty="0"/>
-              <a:t> </a:t>
-            </a:r>
-            <a:r>
-              <a:rPr lang="en-US" dirty="0"/>
-              <a:t>v</a:t>
-            </a:r>
-            <a:r>
-              <a:rPr lang="en-IL" dirty="0"/>
-              <a:t>a</a:t>
-            </a:r>
-            <a:r>
-              <a:rPr lang="en-US" dirty="0"/>
-              <a:t>r</a:t>
-            </a:r>
-            <a:r>
-              <a:rPr lang="en-IL" dirty="0" err="1"/>
-              <a:t>iable</a:t>
-            </a:r>
-            <a:r>
-              <a:rPr lang="en-IL" dirty="0"/>
-              <a:t> name?</a:t>
-            </a:r>
-          </a:p>
-          <a:p>
-            <a:pPr lvl="1"/>
-            <a:endParaRPr lang="en-IL" dirty="0"/>
-          </a:p>
-          <a:p>
-            <a:pPr lvl="1"/>
-            <a:endParaRPr lang="en-IL" dirty="0"/>
-          </a:p>
-        </p:txBody>
-      </p:sp>
-    </p:spTree>
-    <p:extLst>
-      <p:ext uri="{BB962C8B-B14F-4D97-AF65-F5344CB8AC3E}">
-        <p14:creationId xmlns:p14="http://schemas.microsoft.com/office/powerpoint/2010/main" val="1838501674"/>
-      </p:ext>
-    </p:extLst>
-  </p:cSld>
-  <p:clrMapOvr>
-    <a:masterClrMapping/>
-  </p:clrMapOvr>
-</p:sld>
-</file>
-
-<file path=ppt/slides/slide24.xml><?xml version="1.0" encoding="utf-8"?>
-<p:sld xmlns:a="http://schemas.openxmlformats.org/drawingml/2006/main" xmlns:r="http://schemas.openxmlformats.org/officeDocument/2006/relationships" xmlns:p="http://schemas.openxmlformats.org/presentationml/2006/main">
-  <p:cSld>
-    <p:bg>
-      <p:bgPr>
-        <a:solidFill>
-          <a:schemeClr val="bg1"/>
-        </a:solidFill>
-        <a:effectLst/>
-      </p:bgPr>
-    </p:bg>
-    <p:spTree>
-      <p:nvGrpSpPr>
-        <p:cNvPr id="1" name=""/>
-        <p:cNvGrpSpPr/>
-        <p:nvPr/>
-      </p:nvGrpSpPr>
-      <p:grpSpPr>
-        <a:xfrm>
-          <a:off x="0" y="0"/>
-          <a:ext cx="0" cy="0"/>
-          <a:chOff x="0" y="0"/>
-          <a:chExt cx="0" cy="0"/>
-        </a:xfrm>
-      </p:grpSpPr>
-      <p:sp>
-        <p:nvSpPr>
-          <p:cNvPr id="2" name="Title 1"/>
-          <p:cNvSpPr>
-            <a:spLocks noGrp="1"/>
-          </p:cNvSpPr>
-          <p:nvPr>
-            <p:ph type="title"/>
-          </p:nvPr>
-        </p:nvSpPr>
-        <p:spPr>
-          <a:xfrm>
-            <a:off x="720075" y="978102"/>
-            <a:ext cx="7941325" cy="1062644"/>
-          </a:xfrm>
-        </p:spPr>
-        <p:txBody>
-          <a:bodyPr anchor="b">
-            <a:normAutofit/>
-          </a:bodyPr>
-          <a:lstStyle/>
-          <a:p>
-            <a:pPr rtl="1"/>
-            <a:r>
-              <a:rPr lang="en-US" dirty="0"/>
-              <a:t>Variables and Assignments</a:t>
-            </a:r>
-          </a:p>
-        </p:txBody>
-      </p:sp>
-      <p:cxnSp>
-        <p:nvCxnSpPr>
-          <p:cNvPr id="15" name="Straight Connector 10">
-            <a:extLst>
-              <a:ext uri="{FF2B5EF4-FFF2-40B4-BE49-F238E27FC236}">
-                <a16:creationId xmlns:a16="http://schemas.microsoft.com/office/drawing/2014/main" id="{39B7FDC9-F0CE-43A7-9F2A-83DD09DC3453}"/>
-              </a:ext>
-              <a:ext uri="{C183D7F6-B498-43B3-948B-1728B52AA6E4}">
-                <adec:decorative xmlns:adec="http://schemas.microsoft.com/office/drawing/2017/decorative" val="1"/>
-              </a:ext>
-            </a:extLst>
-          </p:cNvPr>
-          <p:cNvCxnSpPr>
-            <a:cxnSpLocks noGrp="1" noRot="1" noChangeAspect="1" noMove="1" noResize="1" noEditPoints="1" noAdjustHandles="1" noChangeArrowheads="1" noChangeShapeType="1"/>
-          </p:cNvCxnSpPr>
-          <p:nvPr>
-            <p:extLst>
-              <p:ext uri="{386F3935-93C4-4BCD-93E2-E3B085C9AB24}">
-                <p16:designElem xmlns:p16="http://schemas.microsoft.com/office/powerpoint/2015/main" val="1"/>
-              </p:ext>
-            </p:extLst>
-          </p:nvPr>
-        </p:nvCxnSpPr>
-        <p:spPr>
-          <a:xfrm>
-            <a:off x="785718" y="2265037"/>
-            <a:ext cx="7593759" cy="0"/>
-          </a:xfrm>
-          <a:prstGeom prst="line">
-            <a:avLst/>
-          </a:prstGeom>
-          <a:ln w="15875">
-            <a:solidFill>
-              <a:schemeClr val="tx1">
-                <a:lumMod val="65000"/>
-                <a:lumOff val="35000"/>
-              </a:schemeClr>
-            </a:solidFill>
-          </a:ln>
-        </p:spPr>
-        <p:style>
-          <a:lnRef idx="1">
-            <a:schemeClr val="accent1"/>
-          </a:lnRef>
-          <a:fillRef idx="0">
-            <a:schemeClr val="accent1"/>
-          </a:fillRef>
-          <a:effectRef idx="0">
-            <a:schemeClr val="accent1"/>
-          </a:effectRef>
-          <a:fontRef idx="minor">
-            <a:schemeClr val="tx1"/>
-          </a:fontRef>
-        </p:style>
-      </p:cxnSp>
-      <p:pic>
-        <p:nvPicPr>
-          <p:cNvPr id="3" name="Picture 2">
-            <a:extLst>
-              <a:ext uri="{FF2B5EF4-FFF2-40B4-BE49-F238E27FC236}">
-                <a16:creationId xmlns:a16="http://schemas.microsoft.com/office/drawing/2014/main" id="{0143D6D4-C082-4A95-8AC8-F248EDE9A7F4}"/>
-              </a:ext>
-            </a:extLst>
-          </p:cNvPr>
-          <p:cNvPicPr>
-            <a:picLocks noChangeAspect="1"/>
-          </p:cNvPicPr>
-          <p:nvPr/>
-        </p:nvPicPr>
-        <p:blipFill rotWithShape="1">
-          <a:blip r:embed="rId2"/>
-          <a:srcRect b="6697"/>
-          <a:stretch/>
-        </p:blipFill>
-        <p:spPr>
-          <a:xfrm>
-            <a:off x="835517" y="2811104"/>
-            <a:ext cx="2524860" cy="2703342"/>
-          </a:xfrm>
-          <a:prstGeom prst="rect">
-            <a:avLst/>
-          </a:prstGeom>
-        </p:spPr>
-      </p:pic>
-      <p:sp>
-        <p:nvSpPr>
-          <p:cNvPr id="6" name="Content Placeholder 2">
-            <a:extLst>
-              <a:ext uri="{FF2B5EF4-FFF2-40B4-BE49-F238E27FC236}">
-                <a16:creationId xmlns:a16="http://schemas.microsoft.com/office/drawing/2014/main" id="{0780FB1C-DC26-4941-9533-454F4C6F14AF}"/>
-              </a:ext>
-            </a:extLst>
-          </p:cNvPr>
-          <p:cNvSpPr>
-            <a:spLocks noGrp="1"/>
-          </p:cNvSpPr>
-          <p:nvPr>
-            <p:ph idx="1"/>
-          </p:nvPr>
-        </p:nvSpPr>
-        <p:spPr>
-          <a:xfrm>
-            <a:off x="3716515" y="2682433"/>
-            <a:ext cx="4711627" cy="3215749"/>
-          </a:xfrm>
-        </p:spPr>
-        <p:txBody>
-          <a:bodyPr>
-            <a:normAutofit/>
-          </a:bodyPr>
-          <a:lstStyle/>
-          <a:p>
-            <a:r>
-              <a:rPr lang="en-US" dirty="0"/>
-              <a:t>W</a:t>
-            </a:r>
-            <a:r>
-              <a:rPr lang="en-IL" dirty="0"/>
-              <a:t>h</a:t>
-            </a:r>
-            <a:r>
-              <a:rPr lang="en-US" dirty="0"/>
-              <a:t>a</a:t>
-            </a:r>
-            <a:r>
-              <a:rPr lang="en-IL" dirty="0"/>
-              <a:t>t </a:t>
-            </a:r>
-            <a:r>
-              <a:rPr lang="en-US" dirty="0" err="1"/>
-              <a:t>i</a:t>
-            </a:r>
-            <a:r>
-              <a:rPr lang="en-IL" dirty="0"/>
-              <a:t>s a </a:t>
-            </a:r>
-            <a:r>
-              <a:rPr lang="en-US" i="1" dirty="0"/>
-              <a:t>v</a:t>
-            </a:r>
-            <a:r>
-              <a:rPr lang="en-IL" i="1" dirty="0" err="1"/>
-              <a:t>ariable</a:t>
-            </a:r>
-            <a:r>
-              <a:rPr lang="en-IL" dirty="0"/>
-              <a:t>?</a:t>
-            </a:r>
-          </a:p>
-          <a:p>
-            <a:pPr lvl="1"/>
-            <a:endParaRPr lang="en-IL" dirty="0"/>
-          </a:p>
-        </p:txBody>
-      </p:sp>
-    </p:spTree>
-    <p:extLst>
-      <p:ext uri="{BB962C8B-B14F-4D97-AF65-F5344CB8AC3E}">
-        <p14:creationId xmlns:p14="http://schemas.microsoft.com/office/powerpoint/2010/main" val="4046723923"/>
-      </p:ext>
-    </p:extLst>
-  </p:cSld>
-  <p:clrMapOvr>
-    <a:masterClrMapping/>
-  </p:clrMapOvr>
-</p:sld>
-</file>
-
-<file path=ppt/slides/slide25.xml><?xml version="1.0" encoding="utf-8"?>
-<p:sld xmlns:a="http://schemas.openxmlformats.org/drawingml/2006/main" xmlns:r="http://schemas.openxmlformats.org/officeDocument/2006/relationships" xmlns:p="http://schemas.openxmlformats.org/presentationml/2006/main">
-  <p:cSld>
-    <p:bg>
-      <p:bgPr>
-        <a:solidFill>
-          <a:schemeClr val="bg1"/>
-        </a:solidFill>
-        <a:effectLst/>
-      </p:bgPr>
-    </p:bg>
-    <p:spTree>
-      <p:nvGrpSpPr>
-        <p:cNvPr id="1" name=""/>
-        <p:cNvGrpSpPr/>
-        <p:nvPr/>
-      </p:nvGrpSpPr>
-      <p:grpSpPr>
-        <a:xfrm>
-          <a:off x="0" y="0"/>
-          <a:ext cx="0" cy="0"/>
-          <a:chOff x="0" y="0"/>
-          <a:chExt cx="0" cy="0"/>
-        </a:xfrm>
-      </p:grpSpPr>
-      <p:sp>
-        <p:nvSpPr>
-          <p:cNvPr id="2" name="Title 1"/>
-          <p:cNvSpPr>
-            <a:spLocks noGrp="1"/>
-          </p:cNvSpPr>
-          <p:nvPr>
-            <p:ph type="title"/>
-          </p:nvPr>
-        </p:nvSpPr>
-        <p:spPr>
-          <a:xfrm>
-            <a:off x="720075" y="978102"/>
-            <a:ext cx="7941325" cy="1062644"/>
-          </a:xfrm>
-        </p:spPr>
-        <p:txBody>
-          <a:bodyPr anchor="b">
-            <a:normAutofit/>
-          </a:bodyPr>
-          <a:lstStyle/>
-          <a:p>
-            <a:pPr algn="l"/>
-            <a:r>
-              <a:rPr lang="en-US"/>
-              <a:t>Variables and Assignments</a:t>
-            </a:r>
-          </a:p>
-        </p:txBody>
-      </p:sp>
-      <p:cxnSp>
-        <p:nvCxnSpPr>
-          <p:cNvPr id="11" name="Straight Connector 10">
-            <a:extLst>
-              <a:ext uri="{FF2B5EF4-FFF2-40B4-BE49-F238E27FC236}">
-                <a16:creationId xmlns:a16="http://schemas.microsoft.com/office/drawing/2014/main" id="{39B7FDC9-F0CE-43A7-9F2A-83DD09DC3453}"/>
-              </a:ext>
-              <a:ext uri="{C183D7F6-B498-43B3-948B-1728B52AA6E4}">
-                <adec:decorative xmlns:adec="http://schemas.microsoft.com/office/drawing/2017/decorative" val="1"/>
-              </a:ext>
-            </a:extLst>
-          </p:cNvPr>
-          <p:cNvCxnSpPr>
-            <a:cxnSpLocks noGrp="1" noRot="1" noChangeAspect="1" noMove="1" noResize="1" noEditPoints="1" noAdjustHandles="1" noChangeArrowheads="1" noChangeShapeType="1"/>
-          </p:cNvCxnSpPr>
-          <p:nvPr>
-            <p:extLst>
-              <p:ext uri="{386F3935-93C4-4BCD-93E2-E3B085C9AB24}">
-                <p16:designElem xmlns:p16="http://schemas.microsoft.com/office/powerpoint/2015/main" val="1"/>
-              </p:ext>
-            </p:extLst>
-          </p:nvPr>
-        </p:nvCxnSpPr>
-        <p:spPr>
-          <a:xfrm>
-            <a:off x="785718" y="2265037"/>
-            <a:ext cx="7593759" cy="0"/>
-          </a:xfrm>
-          <a:prstGeom prst="line">
-            <a:avLst/>
-          </a:prstGeom>
-          <a:ln w="15875">
-            <a:solidFill>
-              <a:schemeClr val="tx1">
-                <a:lumMod val="65000"/>
-                <a:lumOff val="35000"/>
-              </a:schemeClr>
-            </a:solidFill>
-          </a:ln>
-        </p:spPr>
-        <p:style>
-          <a:lnRef idx="1">
-            <a:schemeClr val="accent1"/>
-          </a:lnRef>
-          <a:fillRef idx="0">
-            <a:schemeClr val="accent1"/>
-          </a:fillRef>
-          <a:effectRef idx="0">
-            <a:schemeClr val="accent1"/>
-          </a:effectRef>
-          <a:fontRef idx="minor">
-            <a:schemeClr val="tx1"/>
-          </a:fontRef>
-        </p:style>
-      </p:cxnSp>
-      <p:pic>
-        <p:nvPicPr>
-          <p:cNvPr id="4" name="Picture 3">
-            <a:extLst>
-              <a:ext uri="{FF2B5EF4-FFF2-40B4-BE49-F238E27FC236}">
-                <a16:creationId xmlns:a16="http://schemas.microsoft.com/office/drawing/2014/main" id="{ADAA5A80-CF06-4991-8EEA-5736D68843CF}"/>
-              </a:ext>
-            </a:extLst>
-          </p:cNvPr>
-          <p:cNvPicPr>
-            <a:picLocks noChangeAspect="1"/>
-          </p:cNvPicPr>
-          <p:nvPr/>
-        </p:nvPicPr>
-        <p:blipFill rotWithShape="1">
-          <a:blip r:embed="rId2"/>
-          <a:srcRect b="6697"/>
-          <a:stretch/>
-        </p:blipFill>
-        <p:spPr>
-          <a:xfrm>
-            <a:off x="835517" y="2811104"/>
-            <a:ext cx="2524860" cy="2703342"/>
-          </a:xfrm>
-          <a:prstGeom prst="rect">
-            <a:avLst/>
-          </a:prstGeom>
-        </p:spPr>
-      </p:pic>
-      <p:sp>
-        <p:nvSpPr>
-          <p:cNvPr id="6" name="Content Placeholder 2">
-            <a:extLst>
-              <a:ext uri="{FF2B5EF4-FFF2-40B4-BE49-F238E27FC236}">
-                <a16:creationId xmlns:a16="http://schemas.microsoft.com/office/drawing/2014/main" id="{0780FB1C-DC26-4941-9533-454F4C6F14AF}"/>
-              </a:ext>
-            </a:extLst>
-          </p:cNvPr>
-          <p:cNvSpPr>
-            <a:spLocks noGrp="1"/>
-          </p:cNvSpPr>
-          <p:nvPr>
-            <p:ph idx="1"/>
-          </p:nvPr>
-        </p:nvSpPr>
-        <p:spPr>
-          <a:xfrm>
-            <a:off x="3716515" y="2682433"/>
-            <a:ext cx="4711627" cy="3215749"/>
-          </a:xfrm>
-        </p:spPr>
-        <p:txBody>
-          <a:bodyPr>
-            <a:normAutofit/>
-          </a:bodyPr>
-          <a:lstStyle/>
-          <a:p>
-            <a:r>
-              <a:rPr lang="en-IL" dirty="0"/>
-              <a:t>W</a:t>
-            </a:r>
-            <a:r>
-              <a:rPr lang="en-US" dirty="0"/>
-              <a:t>h</a:t>
-            </a:r>
-            <a:r>
-              <a:rPr lang="en-IL" dirty="0"/>
-              <a:t>at is an </a:t>
-            </a:r>
-            <a:r>
-              <a:rPr lang="en-IL" b="1" i="1" dirty="0"/>
-              <a:t>assignment</a:t>
-            </a:r>
-            <a:r>
-              <a:rPr lang="en-IL" dirty="0"/>
-              <a:t>?</a:t>
-            </a:r>
-            <a:endParaRPr lang="en-US" dirty="0"/>
-          </a:p>
-          <a:p>
-            <a:pPr lvl="1"/>
-            <a:r>
-              <a:rPr lang="en-US" sz="3200" dirty="0"/>
-              <a:t>X = 4</a:t>
-            </a:r>
-          </a:p>
-          <a:p>
-            <a:pPr lvl="1"/>
-            <a:r>
-              <a:rPr lang="en-US" sz="3200" dirty="0"/>
-              <a:t>X </a:t>
-            </a:r>
-            <a:r>
-              <a:rPr lang="en-US" sz="3200" dirty="0">
-                <a:sym typeface="Wingdings" panose="05000000000000000000" pitchFamily="2" charset="2"/>
-              </a:rPr>
-              <a:t> 4</a:t>
-            </a:r>
-            <a:endParaRPr lang="en-IL" sz="3200" dirty="0">
-              <a:sym typeface="Wingdings" panose="05000000000000000000" pitchFamily="2" charset="2"/>
-            </a:endParaRPr>
-          </a:p>
-        </p:txBody>
-      </p:sp>
-    </p:spTree>
-    <p:extLst>
-      <p:ext uri="{BB962C8B-B14F-4D97-AF65-F5344CB8AC3E}">
-        <p14:creationId xmlns:p14="http://schemas.microsoft.com/office/powerpoint/2010/main" val="272362473"/>
-      </p:ext>
-    </p:extLst>
-  </p:cSld>
-  <p:clrMapOvr>
-    <a:masterClrMapping/>
-  </p:clrMapOvr>
-</p:sld>
-</file>
-
-<file path=ppt/slides/slide26.xml><?xml version="1.0" encoding="utf-8"?>
-<p:sld xmlns:a="http://schemas.openxmlformats.org/drawingml/2006/main" xmlns:r="http://schemas.openxmlformats.org/officeDocument/2006/relationships" xmlns:p="http://schemas.openxmlformats.org/presentationml/2006/main">
-  <p:cSld>
-    <p:bg>
-      <p:bgPr>
-        <a:solidFill>
-          <a:schemeClr val="bg1"/>
-        </a:solidFill>
-        <a:effectLst/>
-      </p:bgPr>
-    </p:bg>
-    <p:spTree>
-      <p:nvGrpSpPr>
-        <p:cNvPr id="1" name=""/>
-        <p:cNvGrpSpPr/>
-        <p:nvPr/>
-      </p:nvGrpSpPr>
-      <p:grpSpPr>
-        <a:xfrm>
-          <a:off x="0" y="0"/>
-          <a:ext cx="0" cy="0"/>
-          <a:chOff x="0" y="0"/>
-          <a:chExt cx="0" cy="0"/>
-        </a:xfrm>
-      </p:grpSpPr>
-      <p:sp>
-        <p:nvSpPr>
-          <p:cNvPr id="2" name="Title 1"/>
-          <p:cNvSpPr>
-            <a:spLocks noGrp="1"/>
-          </p:cNvSpPr>
-          <p:nvPr>
-            <p:ph type="title"/>
-          </p:nvPr>
-        </p:nvSpPr>
-        <p:spPr>
-          <a:xfrm>
-            <a:off x="720075" y="978102"/>
-            <a:ext cx="7941325" cy="1062644"/>
-          </a:xfrm>
-        </p:spPr>
-        <p:txBody>
-          <a:bodyPr anchor="b">
-            <a:normAutofit/>
-          </a:bodyPr>
-          <a:lstStyle/>
-          <a:p>
-            <a:pPr algn="l"/>
-            <a:r>
-              <a:rPr lang="en-US"/>
-              <a:t>Variables and Assignments</a:t>
-            </a:r>
-          </a:p>
-        </p:txBody>
-      </p:sp>
-      <p:cxnSp>
-        <p:nvCxnSpPr>
-          <p:cNvPr id="11" name="Straight Connector 10">
-            <a:extLst>
-              <a:ext uri="{FF2B5EF4-FFF2-40B4-BE49-F238E27FC236}">
-                <a16:creationId xmlns:a16="http://schemas.microsoft.com/office/drawing/2014/main" id="{39B7FDC9-F0CE-43A7-9F2A-83DD09DC3453}"/>
-              </a:ext>
-              <a:ext uri="{C183D7F6-B498-43B3-948B-1728B52AA6E4}">
-                <adec:decorative xmlns:adec="http://schemas.microsoft.com/office/drawing/2017/decorative" val="1"/>
-              </a:ext>
-            </a:extLst>
-          </p:cNvPr>
-          <p:cNvCxnSpPr>
-            <a:cxnSpLocks noGrp="1" noRot="1" noChangeAspect="1" noMove="1" noResize="1" noEditPoints="1" noAdjustHandles="1" noChangeArrowheads="1" noChangeShapeType="1"/>
-          </p:cNvCxnSpPr>
-          <p:nvPr>
-            <p:extLst>
-              <p:ext uri="{386F3935-93C4-4BCD-93E2-E3B085C9AB24}">
-                <p16:designElem xmlns:p16="http://schemas.microsoft.com/office/powerpoint/2015/main" val="1"/>
-              </p:ext>
-            </p:extLst>
-          </p:nvPr>
-        </p:nvCxnSpPr>
-        <p:spPr>
-          <a:xfrm>
-            <a:off x="785718" y="2265037"/>
-            <a:ext cx="7593759" cy="0"/>
-          </a:xfrm>
-          <a:prstGeom prst="line">
-            <a:avLst/>
-          </a:prstGeom>
-          <a:ln w="15875">
-            <a:solidFill>
-              <a:schemeClr val="tx1">
-                <a:lumMod val="65000"/>
-                <a:lumOff val="35000"/>
-              </a:schemeClr>
-            </a:solidFill>
-          </a:ln>
-        </p:spPr>
-        <p:style>
-          <a:lnRef idx="1">
-            <a:schemeClr val="accent1"/>
-          </a:lnRef>
-          <a:fillRef idx="0">
-            <a:schemeClr val="accent1"/>
-          </a:fillRef>
-          <a:effectRef idx="0">
-            <a:schemeClr val="accent1"/>
-          </a:effectRef>
-          <a:fontRef idx="minor">
-            <a:schemeClr val="tx1"/>
-          </a:fontRef>
-        </p:style>
-      </p:cxnSp>
-      <p:sp>
-        <p:nvSpPr>
-          <p:cNvPr id="6" name="Content Placeholder 2">
-            <a:extLst>
-              <a:ext uri="{FF2B5EF4-FFF2-40B4-BE49-F238E27FC236}">
-                <a16:creationId xmlns:a16="http://schemas.microsoft.com/office/drawing/2014/main" id="{0780FB1C-DC26-4941-9533-454F4C6F14AF}"/>
-              </a:ext>
-            </a:extLst>
-          </p:cNvPr>
-          <p:cNvSpPr>
-            <a:spLocks noGrp="1"/>
-          </p:cNvSpPr>
-          <p:nvPr>
-            <p:ph idx="1"/>
-          </p:nvPr>
-        </p:nvSpPr>
-        <p:spPr>
-          <a:xfrm>
-            <a:off x="720075" y="2304854"/>
-            <a:ext cx="7941325" cy="4175566"/>
-          </a:xfrm>
-        </p:spPr>
-        <p:txBody>
-          <a:bodyPr>
-            <a:noAutofit/>
-          </a:bodyPr>
-          <a:lstStyle/>
-          <a:p>
-            <a:pPr>
-              <a:lnSpc>
-                <a:spcPct val="90000"/>
-              </a:lnSpc>
-            </a:pPr>
-            <a:r>
-              <a:rPr lang="en-US" sz="2400" b="1" dirty="0"/>
-              <a:t>W</a:t>
-            </a:r>
-            <a:r>
-              <a:rPr lang="en-IL" sz="2400" b="1" dirty="0"/>
-              <a:t>h</a:t>
-            </a:r>
-            <a:r>
-              <a:rPr lang="en-US" sz="2400" b="1" dirty="0"/>
-              <a:t>a</a:t>
-            </a:r>
-            <a:r>
-              <a:rPr lang="en-IL" sz="2400" b="1" dirty="0"/>
-              <a:t>t </a:t>
-            </a:r>
-            <a:r>
-              <a:rPr lang="en-US" sz="2400" b="1" dirty="0" err="1"/>
-              <a:t>i</a:t>
-            </a:r>
-            <a:r>
-              <a:rPr lang="en-IL" sz="2400" b="1" dirty="0"/>
-              <a:t>s </a:t>
-            </a:r>
-            <a:r>
-              <a:rPr lang="en-US" sz="2400" b="1" dirty="0"/>
-              <a:t>a</a:t>
-            </a:r>
-            <a:r>
-              <a:rPr lang="en-IL" sz="2400" b="1" dirty="0"/>
-              <a:t> </a:t>
-            </a:r>
-            <a:r>
-              <a:rPr lang="en-US" sz="2400" b="1" dirty="0"/>
-              <a:t>v</a:t>
-            </a:r>
-            <a:r>
-              <a:rPr lang="en-IL" sz="2400" b="1" dirty="0"/>
-              <a:t>a</a:t>
-            </a:r>
-            <a:r>
-              <a:rPr lang="en-US" sz="2400" b="1" dirty="0"/>
-              <a:t>l</a:t>
-            </a:r>
-            <a:r>
-              <a:rPr lang="en-IL" sz="2400" b="1" dirty="0" err="1"/>
-              <a:t>i</a:t>
-            </a:r>
-            <a:r>
-              <a:rPr lang="en-US" sz="2400" b="1" dirty="0"/>
-              <a:t>d</a:t>
-            </a:r>
-            <a:r>
-              <a:rPr lang="en-IL" sz="2400" b="1" dirty="0"/>
-              <a:t> </a:t>
-            </a:r>
-            <a:r>
-              <a:rPr lang="en-US" sz="2400" b="1" dirty="0"/>
-              <a:t>v</a:t>
-            </a:r>
-            <a:r>
-              <a:rPr lang="en-IL" sz="2400" b="1" dirty="0"/>
-              <a:t>a</a:t>
-            </a:r>
-            <a:r>
-              <a:rPr lang="en-US" sz="2400" b="1" dirty="0"/>
-              <a:t>r</a:t>
-            </a:r>
-            <a:r>
-              <a:rPr lang="en-IL" sz="2400" b="1" dirty="0" err="1"/>
-              <a:t>iable</a:t>
-            </a:r>
-            <a:r>
-              <a:rPr lang="en-IL" sz="2400" b="1" dirty="0"/>
-              <a:t> name?</a:t>
-            </a:r>
-          </a:p>
-          <a:p>
-            <a:pPr lvl="1">
-              <a:lnSpc>
-                <a:spcPct val="90000"/>
-              </a:lnSpc>
-            </a:pPr>
-            <a:r>
-              <a:rPr lang="en-IL" sz="2400" dirty="0"/>
-              <a:t>Can’t start with a number</a:t>
-            </a:r>
-          </a:p>
-          <a:p>
-            <a:pPr lvl="1">
-              <a:lnSpc>
-                <a:spcPct val="90000"/>
-              </a:lnSpc>
-            </a:pPr>
-            <a:r>
-              <a:rPr lang="en-IL" sz="2400" dirty="0"/>
-              <a:t>Can’t be </a:t>
-            </a:r>
-            <a:r>
-              <a:rPr lang="en-US" sz="2400" dirty="0"/>
-              <a:t>a</a:t>
-            </a:r>
-            <a:r>
-              <a:rPr lang="en-IL" sz="2400" dirty="0"/>
-              <a:t> </a:t>
-            </a:r>
-            <a:r>
-              <a:rPr lang="en-US" sz="2400" dirty="0"/>
-              <a:t>k</a:t>
-            </a:r>
-            <a:r>
-              <a:rPr lang="en-IL" sz="2400" dirty="0"/>
-              <a:t>e</a:t>
-            </a:r>
-            <a:r>
-              <a:rPr lang="en-US" sz="2400" dirty="0"/>
-              <a:t>y</a:t>
-            </a:r>
-            <a:r>
-              <a:rPr lang="en-IL" sz="2400" dirty="0"/>
-              <a:t>word ‘reserved’ for Python, </a:t>
-            </a:r>
-            <a:r>
-              <a:rPr lang="en-US" sz="2400" dirty="0"/>
-              <a:t>e</a:t>
-            </a:r>
-            <a:r>
-              <a:rPr lang="en-IL" sz="2400" dirty="0"/>
-              <a:t>.</a:t>
-            </a:r>
-            <a:r>
-              <a:rPr lang="en-US" sz="2400" dirty="0"/>
-              <a:t>g</a:t>
-            </a:r>
-            <a:r>
-              <a:rPr lang="en-IL" sz="2400" dirty="0"/>
-              <a:t>.:</a:t>
-            </a:r>
-          </a:p>
-          <a:p>
-            <a:pPr lvl="2">
-              <a:lnSpc>
-                <a:spcPct val="90000"/>
-              </a:lnSpc>
-            </a:pPr>
-            <a:r>
-              <a:rPr lang="en-IL" dirty="0" err="1"/>
-              <a:t>retu</a:t>
-            </a:r>
-            <a:r>
-              <a:rPr lang="en-US" dirty="0"/>
-              <a:t>r</a:t>
-            </a:r>
-            <a:r>
-              <a:rPr lang="en-IL" dirty="0"/>
-              <a:t>n</a:t>
-            </a:r>
-          </a:p>
-          <a:p>
-            <a:pPr lvl="2">
-              <a:lnSpc>
-                <a:spcPct val="90000"/>
-              </a:lnSpc>
-            </a:pPr>
-            <a:r>
-              <a:rPr lang="en-US" dirty="0"/>
-              <a:t>g</a:t>
-            </a:r>
-            <a:r>
-              <a:rPr lang="en-IL" dirty="0"/>
-              <a:t>l</a:t>
-            </a:r>
-            <a:r>
-              <a:rPr lang="en-US" dirty="0"/>
-              <a:t>o</a:t>
-            </a:r>
-            <a:r>
-              <a:rPr lang="en-IL" dirty="0" err="1"/>
-              <a:t>bal</a:t>
-            </a:r>
-            <a:endParaRPr lang="en-IL" dirty="0"/>
-          </a:p>
-          <a:p>
-            <a:pPr lvl="1">
-              <a:lnSpc>
-                <a:spcPct val="90000"/>
-              </a:lnSpc>
-            </a:pPr>
-            <a:r>
-              <a:rPr lang="en-US" sz="2400" dirty="0">
-                <a:solidFill>
-                  <a:srgbClr val="FF0000"/>
-                </a:solidFill>
-              </a:rPr>
-              <a:t>Remember to give it a short, meaningful name</a:t>
-            </a:r>
-          </a:p>
-          <a:p>
-            <a:pPr lvl="2">
-              <a:lnSpc>
-                <a:spcPct val="90000"/>
-              </a:lnSpc>
-            </a:pPr>
-            <a:r>
-              <a:rPr lang="en-US" dirty="0"/>
-              <a:t>Use “_” character if you want to use more than one word</a:t>
-            </a:r>
-          </a:p>
-          <a:p>
-            <a:pPr>
-              <a:lnSpc>
-                <a:spcPct val="90000"/>
-              </a:lnSpc>
-            </a:pPr>
-            <a:r>
-              <a:rPr lang="en-US" sz="2400" b="1" dirty="0"/>
-              <a:t>Variable names are case sensitive </a:t>
-            </a:r>
-            <a:r>
-              <a:rPr lang="en-US" sz="2400" dirty="0"/>
-              <a:t>(small / capital letters)</a:t>
-            </a:r>
-            <a:endParaRPr lang="en-IL" sz="2400" dirty="0"/>
-          </a:p>
-        </p:txBody>
-      </p:sp>
-    </p:spTree>
-    <p:extLst>
-      <p:ext uri="{BB962C8B-B14F-4D97-AF65-F5344CB8AC3E}">
-        <p14:creationId xmlns:p14="http://schemas.microsoft.com/office/powerpoint/2010/main" val="1871411942"/>
-      </p:ext>
-    </p:extLst>
-  </p:cSld>
-  <p:clrMapOvr>
-    <a:masterClrMapping/>
-  </p:clrMapOvr>
-</p:sld>
-</file>
-
-<file path=ppt/slides/slide27.xml><?xml version="1.0" encoding="utf-8"?>
-<p:sld xmlns:a="http://schemas.openxmlformats.org/drawingml/2006/main" xmlns:r="http://schemas.openxmlformats.org/officeDocument/2006/relationships" xmlns:p="http://schemas.openxmlformats.org/presentationml/2006/main">
-  <p:cSld>
-    <p:bg>
-      <p:bgPr>
-        <a:solidFill>
-          <a:schemeClr val="bg1"/>
-        </a:solidFill>
-        <a:effectLst/>
-      </p:bgPr>
-    </p:bg>
-    <p:spTree>
-      <p:nvGrpSpPr>
-        <p:cNvPr id="1" name=""/>
-        <p:cNvGrpSpPr/>
-        <p:nvPr/>
-      </p:nvGrpSpPr>
-      <p:grpSpPr>
-        <a:xfrm>
-          <a:off x="0" y="0"/>
-          <a:ext cx="0" cy="0"/>
-          <a:chOff x="0" y="0"/>
-          <a:chExt cx="0" cy="0"/>
-        </a:xfrm>
-      </p:grpSpPr>
-      <p:sp>
-        <p:nvSpPr>
-          <p:cNvPr id="2" name="Title 1"/>
-          <p:cNvSpPr>
-            <a:spLocks noGrp="1"/>
-          </p:cNvSpPr>
-          <p:nvPr>
-            <p:ph type="title"/>
-          </p:nvPr>
-        </p:nvSpPr>
-        <p:spPr>
-          <a:xfrm>
-            <a:off x="720075" y="978102"/>
-            <a:ext cx="7941325" cy="1062644"/>
-          </a:xfrm>
-        </p:spPr>
-        <p:txBody>
-          <a:bodyPr anchor="b">
-            <a:normAutofit/>
-          </a:bodyPr>
-          <a:lstStyle/>
-          <a:p>
-            <a:pPr algn="l"/>
-            <a:r>
-              <a:rPr lang="en-IL" b="1" dirty="0"/>
-              <a:t>Keep your code readable</a:t>
-            </a:r>
-            <a:endParaRPr lang="en-US" b="1" dirty="0"/>
-          </a:p>
-        </p:txBody>
-      </p:sp>
-      <p:cxnSp>
-        <p:nvCxnSpPr>
-          <p:cNvPr id="11" name="Straight Connector 10">
-            <a:extLst>
-              <a:ext uri="{FF2B5EF4-FFF2-40B4-BE49-F238E27FC236}">
-                <a16:creationId xmlns:a16="http://schemas.microsoft.com/office/drawing/2014/main" id="{39B7FDC9-F0CE-43A7-9F2A-83DD09DC3453}"/>
-              </a:ext>
-              <a:ext uri="{C183D7F6-B498-43B3-948B-1728B52AA6E4}">
-                <adec:decorative xmlns:adec="http://schemas.microsoft.com/office/drawing/2017/decorative" val="1"/>
-              </a:ext>
-            </a:extLst>
-          </p:cNvPr>
-          <p:cNvCxnSpPr>
-            <a:cxnSpLocks noGrp="1" noRot="1" noChangeAspect="1" noMove="1" noResize="1" noEditPoints="1" noAdjustHandles="1" noChangeArrowheads="1" noChangeShapeType="1"/>
-          </p:cNvCxnSpPr>
-          <p:nvPr>
-            <p:extLst>
-              <p:ext uri="{386F3935-93C4-4BCD-93E2-E3B085C9AB24}">
-                <p16:designElem xmlns:p16="http://schemas.microsoft.com/office/powerpoint/2015/main" val="1"/>
-              </p:ext>
-            </p:extLst>
-          </p:nvPr>
-        </p:nvCxnSpPr>
-        <p:spPr>
-          <a:xfrm>
-            <a:off x="785718" y="2265037"/>
-            <a:ext cx="7593759" cy="0"/>
-          </a:xfrm>
-          <a:prstGeom prst="line">
-            <a:avLst/>
-          </a:prstGeom>
-          <a:ln w="15875">
-            <a:solidFill>
-              <a:schemeClr val="tx1">
-                <a:lumMod val="65000"/>
-                <a:lumOff val="35000"/>
-              </a:schemeClr>
-            </a:solidFill>
-          </a:ln>
-        </p:spPr>
-        <p:style>
-          <a:lnRef idx="1">
-            <a:schemeClr val="accent1"/>
-          </a:lnRef>
-          <a:fillRef idx="0">
-            <a:schemeClr val="accent1"/>
-          </a:fillRef>
-          <a:effectRef idx="0">
-            <a:schemeClr val="accent1"/>
-          </a:effectRef>
-          <a:fontRef idx="minor">
-            <a:schemeClr val="tx1"/>
-          </a:fontRef>
-        </p:style>
-      </p:cxnSp>
-      <p:sp>
-        <p:nvSpPr>
-          <p:cNvPr id="6" name="Content Placeholder 2">
-            <a:extLst>
-              <a:ext uri="{FF2B5EF4-FFF2-40B4-BE49-F238E27FC236}">
-                <a16:creationId xmlns:a16="http://schemas.microsoft.com/office/drawing/2014/main" id="{0780FB1C-DC26-4941-9533-454F4C6F14AF}"/>
-              </a:ext>
-            </a:extLst>
-          </p:cNvPr>
-          <p:cNvSpPr>
-            <a:spLocks noGrp="1"/>
-          </p:cNvSpPr>
-          <p:nvPr>
-            <p:ph idx="1"/>
-          </p:nvPr>
-        </p:nvSpPr>
-        <p:spPr>
-          <a:xfrm>
-            <a:off x="785718" y="2682433"/>
-            <a:ext cx="8024907" cy="3215749"/>
-          </a:xfrm>
-        </p:spPr>
-        <p:txBody>
-          <a:bodyPr>
-            <a:noAutofit/>
-          </a:bodyPr>
-          <a:lstStyle/>
-          <a:p>
-            <a:pPr marL="457200" indent="-457200">
-              <a:lnSpc>
-                <a:spcPct val="90000"/>
-              </a:lnSpc>
-              <a:buFont typeface="+mj-lt"/>
-              <a:buAutoNum type="arabicPeriod"/>
-            </a:pPr>
-            <a:r>
-              <a:rPr lang="en-IL" sz="2800" dirty="0">
-                <a:cs typeface="Times New Roman" panose="02020603050405020304" pitchFamily="18" charset="0"/>
-              </a:rPr>
-              <a:t>Give your variables descriptive names (better than short names)</a:t>
-            </a:r>
-          </a:p>
-          <a:p>
-            <a:pPr marL="457200" indent="-457200">
-              <a:lnSpc>
-                <a:spcPct val="90000"/>
-              </a:lnSpc>
-              <a:buFont typeface="+mj-lt"/>
-              <a:buAutoNum type="arabicPeriod"/>
-            </a:pPr>
-            <a:endParaRPr lang="en-IL" sz="2800" dirty="0">
-              <a:cs typeface="Times New Roman" panose="02020603050405020304" pitchFamily="18" charset="0"/>
-            </a:endParaRPr>
-          </a:p>
-          <a:p>
-            <a:pPr marL="457200" indent="-457200">
-              <a:lnSpc>
-                <a:spcPct val="90000"/>
-              </a:lnSpc>
-              <a:buFont typeface="+mj-lt"/>
-              <a:buAutoNum type="arabicPeriod"/>
-            </a:pPr>
-            <a:r>
-              <a:rPr lang="en-IL" sz="2800" dirty="0">
-                <a:cs typeface="Times New Roman" panose="02020603050405020304" pitchFamily="18" charset="0"/>
-              </a:rPr>
-              <a:t>Use “ _ “ to separate words in variable name</a:t>
-            </a:r>
-          </a:p>
-        </p:txBody>
-      </p:sp>
-    </p:spTree>
-    <p:extLst>
-      <p:ext uri="{BB962C8B-B14F-4D97-AF65-F5344CB8AC3E}">
-        <p14:creationId xmlns:p14="http://schemas.microsoft.com/office/powerpoint/2010/main" val="3008105764"/>
-      </p:ext>
-    </p:extLst>
-  </p:cSld>
-  <p:clrMapOvr>
-    <a:masterClrMapping/>
-  </p:clrMapOvr>
-</p:sld>
-</file>
-
-<file path=ppt/slides/slide28.xml><?xml version="1.0" encoding="utf-8"?>
-<p:sld xmlns:a="http://schemas.openxmlformats.org/drawingml/2006/main" xmlns:r="http://schemas.openxmlformats.org/officeDocument/2006/relationships" xmlns:p="http://schemas.openxmlformats.org/presentationml/2006/main">
-  <p:cSld>
-    <p:bg>
-      <p:bgPr>
-        <a:solidFill>
-          <a:schemeClr val="bg1"/>
-        </a:solidFill>
-        <a:effectLst/>
-      </p:bgPr>
-    </p:bg>
-    <p:spTree>
-      <p:nvGrpSpPr>
-        <p:cNvPr id="1" name=""/>
-        <p:cNvGrpSpPr/>
-        <p:nvPr/>
-      </p:nvGrpSpPr>
-      <p:grpSpPr>
-        <a:xfrm>
-          <a:off x="0" y="0"/>
-          <a:ext cx="0" cy="0"/>
-          <a:chOff x="0" y="0"/>
-          <a:chExt cx="0" cy="0"/>
-        </a:xfrm>
-      </p:grpSpPr>
-      <p:sp>
-        <p:nvSpPr>
-          <p:cNvPr id="2" name="Title 1"/>
-          <p:cNvSpPr>
-            <a:spLocks noGrp="1"/>
-          </p:cNvSpPr>
-          <p:nvPr>
-            <p:ph type="title"/>
-          </p:nvPr>
-        </p:nvSpPr>
-        <p:spPr>
-          <a:xfrm>
-            <a:off x="720075" y="978102"/>
-            <a:ext cx="7941325" cy="1062644"/>
-          </a:xfrm>
-        </p:spPr>
-        <p:txBody>
-          <a:bodyPr anchor="b">
-            <a:normAutofit/>
-          </a:bodyPr>
-          <a:lstStyle/>
-          <a:p>
-            <a:pPr algn="l"/>
-            <a:r>
-              <a:rPr lang="en-US"/>
-              <a:t>Variables and Assignments</a:t>
-            </a:r>
-          </a:p>
-        </p:txBody>
-      </p:sp>
-      <p:cxnSp>
-        <p:nvCxnSpPr>
-          <p:cNvPr id="11" name="Straight Connector 10">
-            <a:extLst>
-              <a:ext uri="{FF2B5EF4-FFF2-40B4-BE49-F238E27FC236}">
-                <a16:creationId xmlns:a16="http://schemas.microsoft.com/office/drawing/2014/main" id="{39B7FDC9-F0CE-43A7-9F2A-83DD09DC3453}"/>
-              </a:ext>
-              <a:ext uri="{C183D7F6-B498-43B3-948B-1728B52AA6E4}">
-                <adec:decorative xmlns:adec="http://schemas.microsoft.com/office/drawing/2017/decorative" val="1"/>
-              </a:ext>
-            </a:extLst>
-          </p:cNvPr>
-          <p:cNvCxnSpPr>
-            <a:cxnSpLocks noGrp="1" noRot="1" noChangeAspect="1" noMove="1" noResize="1" noEditPoints="1" noAdjustHandles="1" noChangeArrowheads="1" noChangeShapeType="1"/>
-          </p:cNvCxnSpPr>
-          <p:nvPr>
-            <p:extLst>
-              <p:ext uri="{386F3935-93C4-4BCD-93E2-E3B085C9AB24}">
-                <p16:designElem xmlns:p16="http://schemas.microsoft.com/office/powerpoint/2015/main" val="1"/>
-              </p:ext>
-            </p:extLst>
-          </p:nvPr>
-        </p:nvCxnSpPr>
-        <p:spPr>
-          <a:xfrm>
-            <a:off x="785718" y="2265037"/>
-            <a:ext cx="7593759" cy="0"/>
-          </a:xfrm>
-          <a:prstGeom prst="line">
-            <a:avLst/>
-          </a:prstGeom>
-          <a:ln w="15875">
-            <a:solidFill>
-              <a:schemeClr val="tx1">
-                <a:lumMod val="65000"/>
-                <a:lumOff val="35000"/>
-              </a:schemeClr>
-            </a:solidFill>
-          </a:ln>
-        </p:spPr>
-        <p:style>
-          <a:lnRef idx="1">
-            <a:schemeClr val="accent1"/>
-          </a:lnRef>
-          <a:fillRef idx="0">
-            <a:schemeClr val="accent1"/>
-          </a:fillRef>
-          <a:effectRef idx="0">
-            <a:schemeClr val="accent1"/>
-          </a:effectRef>
-          <a:fontRef idx="minor">
-            <a:schemeClr val="tx1"/>
-          </a:fontRef>
-        </p:style>
-      </p:cxnSp>
-      <p:sp>
-        <p:nvSpPr>
-          <p:cNvPr id="6" name="Content Placeholder 2">
-            <a:extLst>
-              <a:ext uri="{FF2B5EF4-FFF2-40B4-BE49-F238E27FC236}">
-                <a16:creationId xmlns:a16="http://schemas.microsoft.com/office/drawing/2014/main" id="{0780FB1C-DC26-4941-9533-454F4C6F14AF}"/>
-              </a:ext>
-            </a:extLst>
-          </p:cNvPr>
-          <p:cNvSpPr>
-            <a:spLocks noGrp="1"/>
-          </p:cNvSpPr>
-          <p:nvPr>
-            <p:ph idx="1"/>
-          </p:nvPr>
-        </p:nvSpPr>
-        <p:spPr>
-          <a:xfrm>
-            <a:off x="764523" y="2682433"/>
-            <a:ext cx="8046102" cy="3215749"/>
-          </a:xfrm>
-        </p:spPr>
-        <p:txBody>
-          <a:bodyPr>
-            <a:noAutofit/>
-          </a:bodyPr>
-          <a:lstStyle/>
-          <a:p>
-            <a:pPr marL="0" indent="0">
-              <a:lnSpc>
-                <a:spcPct val="90000"/>
-              </a:lnSpc>
-              <a:buNone/>
-            </a:pPr>
-            <a:r>
-              <a:rPr lang="en-IL" sz="2800" dirty="0"/>
-              <a:t>Mu</a:t>
-            </a:r>
-            <a:r>
-              <a:rPr lang="en-US" sz="2800" dirty="0"/>
-              <a:t>l</a:t>
-            </a:r>
-            <a:r>
-              <a:rPr lang="en-IL" sz="2800" dirty="0"/>
-              <a:t>t</a:t>
-            </a:r>
-            <a:r>
-              <a:rPr lang="en-US" sz="2800" dirty="0" err="1"/>
-              <a:t>i</a:t>
-            </a:r>
-            <a:r>
-              <a:rPr lang="en-IL" sz="2800" dirty="0"/>
-              <a:t>p</a:t>
-            </a:r>
-            <a:r>
-              <a:rPr lang="en-US" sz="2800" dirty="0"/>
-              <a:t>l</a:t>
-            </a:r>
-            <a:r>
-              <a:rPr lang="en-IL" sz="2800" dirty="0"/>
-              <a:t>e </a:t>
-            </a:r>
-            <a:r>
-              <a:rPr lang="en-US" sz="2800" dirty="0"/>
-              <a:t>a</a:t>
-            </a:r>
-            <a:r>
-              <a:rPr lang="en-IL" sz="2800" dirty="0"/>
-              <a:t>s</a:t>
-            </a:r>
-            <a:r>
-              <a:rPr lang="en-US" sz="2800" dirty="0"/>
-              <a:t>s</a:t>
-            </a:r>
-            <a:r>
-              <a:rPr lang="en-IL" sz="2800" dirty="0" err="1"/>
-              <a:t>i</a:t>
-            </a:r>
-            <a:r>
-              <a:rPr lang="en-US" sz="2800" dirty="0"/>
-              <a:t>g</a:t>
-            </a:r>
-            <a:r>
-              <a:rPr lang="en-IL" sz="2800" dirty="0"/>
-              <a:t>n</a:t>
-            </a:r>
-            <a:r>
-              <a:rPr lang="en-US" sz="2800" dirty="0"/>
-              <a:t>m</a:t>
-            </a:r>
-            <a:r>
-              <a:rPr lang="en-IL" sz="2800" dirty="0"/>
-              <a:t>e</a:t>
-            </a:r>
-            <a:r>
-              <a:rPr lang="en-US" sz="2800" dirty="0"/>
-              <a:t>n</a:t>
-            </a:r>
-            <a:r>
-              <a:rPr lang="en-IL" sz="2800" dirty="0"/>
-              <a:t>t:</a:t>
-            </a:r>
-          </a:p>
-          <a:p>
-            <a:pPr marL="0" indent="0">
-              <a:lnSpc>
-                <a:spcPct val="90000"/>
-              </a:lnSpc>
-              <a:buNone/>
-            </a:pPr>
-            <a:endParaRPr lang="en-IL" sz="2800" dirty="0"/>
-          </a:p>
-          <a:p>
-            <a:pPr marL="0" indent="0">
-              <a:lnSpc>
-                <a:spcPct val="90000"/>
-              </a:lnSpc>
-              <a:buNone/>
-            </a:pPr>
-            <a:r>
-              <a:rPr lang="en-IL" sz="2800" dirty="0">
-                <a:latin typeface="Consolas" panose="020B0609020204030204" pitchFamily="49" charset="0"/>
-              </a:rPr>
-              <a:t>variable1, </a:t>
-            </a:r>
-            <a:r>
-              <a:rPr lang="en-US" sz="2800" dirty="0">
-                <a:latin typeface="Consolas" panose="020B0609020204030204" pitchFamily="49" charset="0"/>
-              </a:rPr>
-              <a:t>v</a:t>
-            </a:r>
-            <a:r>
-              <a:rPr lang="en-IL" sz="2800" dirty="0">
-                <a:latin typeface="Consolas" panose="020B0609020204030204" pitchFamily="49" charset="0"/>
-              </a:rPr>
-              <a:t>a</a:t>
-            </a:r>
-            <a:r>
-              <a:rPr lang="en-US" sz="2800" dirty="0">
-                <a:latin typeface="Consolas" panose="020B0609020204030204" pitchFamily="49" charset="0"/>
-              </a:rPr>
-              <a:t>r</a:t>
-            </a:r>
-            <a:r>
-              <a:rPr lang="en-IL" sz="2800" dirty="0" err="1">
-                <a:latin typeface="Consolas" panose="020B0609020204030204" pitchFamily="49" charset="0"/>
-              </a:rPr>
-              <a:t>i</a:t>
-            </a:r>
-            <a:r>
-              <a:rPr lang="en-US" sz="2800" dirty="0">
-                <a:latin typeface="Consolas" panose="020B0609020204030204" pitchFamily="49" charset="0"/>
-              </a:rPr>
-              <a:t>a</a:t>
-            </a:r>
-            <a:r>
-              <a:rPr lang="en-IL" sz="2800" dirty="0">
-                <a:latin typeface="Consolas" panose="020B0609020204030204" pitchFamily="49" charset="0"/>
-              </a:rPr>
-              <a:t>b</a:t>
-            </a:r>
-            <a:r>
-              <a:rPr lang="en-US" sz="2800" dirty="0">
-                <a:latin typeface="Consolas" panose="020B0609020204030204" pitchFamily="49" charset="0"/>
-              </a:rPr>
-              <a:t>l</a:t>
-            </a:r>
-            <a:r>
-              <a:rPr lang="en-IL" sz="2800" dirty="0">
-                <a:latin typeface="Consolas" panose="020B0609020204030204" pitchFamily="49" charset="0"/>
-              </a:rPr>
-              <a:t>e2 = </a:t>
-            </a:r>
-            <a:r>
-              <a:rPr lang="en-US" sz="2800" dirty="0">
-                <a:latin typeface="Consolas" panose="020B0609020204030204" pitchFamily="49" charset="0"/>
-              </a:rPr>
-              <a:t>v</a:t>
-            </a:r>
-            <a:r>
-              <a:rPr lang="en-IL" sz="2800" dirty="0">
-                <a:latin typeface="Consolas" panose="020B0609020204030204" pitchFamily="49" charset="0"/>
-              </a:rPr>
-              <a:t>a</a:t>
-            </a:r>
-            <a:r>
-              <a:rPr lang="en-US" sz="2800" dirty="0">
-                <a:latin typeface="Consolas" panose="020B0609020204030204" pitchFamily="49" charset="0"/>
-              </a:rPr>
-              <a:t>l</a:t>
-            </a:r>
-            <a:r>
-              <a:rPr lang="en-IL" sz="2800" dirty="0">
-                <a:latin typeface="Consolas" panose="020B0609020204030204" pitchFamily="49" charset="0"/>
-              </a:rPr>
-              <a:t>u</a:t>
-            </a:r>
-            <a:r>
-              <a:rPr lang="en-US" sz="2800" dirty="0">
-                <a:latin typeface="Consolas" panose="020B0609020204030204" pitchFamily="49" charset="0"/>
-              </a:rPr>
-              <a:t>e</a:t>
-            </a:r>
-            <a:r>
-              <a:rPr lang="en-IL" sz="2800" dirty="0">
-                <a:latin typeface="Consolas" panose="020B0609020204030204" pitchFamily="49" charset="0"/>
-              </a:rPr>
-              <a:t>1, </a:t>
-            </a:r>
-            <a:r>
-              <a:rPr lang="en-US" sz="2800" dirty="0">
-                <a:latin typeface="Consolas" panose="020B0609020204030204" pitchFamily="49" charset="0"/>
-              </a:rPr>
-              <a:t>v</a:t>
-            </a:r>
-            <a:r>
-              <a:rPr lang="en-IL" sz="2800" dirty="0">
-                <a:latin typeface="Consolas" panose="020B0609020204030204" pitchFamily="49" charset="0"/>
-              </a:rPr>
-              <a:t>alue2</a:t>
-            </a:r>
-          </a:p>
-          <a:p>
-            <a:pPr marL="0" indent="0">
-              <a:lnSpc>
-                <a:spcPct val="90000"/>
-              </a:lnSpc>
-              <a:buNone/>
-            </a:pPr>
-            <a:endParaRPr lang="en-IL" sz="2800" dirty="0">
-              <a:latin typeface="Consolas" panose="020B0609020204030204" pitchFamily="49" charset="0"/>
-            </a:endParaRPr>
-          </a:p>
-          <a:p>
-            <a:pPr marL="0" indent="0">
-              <a:lnSpc>
-                <a:spcPct val="90000"/>
-              </a:lnSpc>
-              <a:buNone/>
-            </a:pPr>
-            <a:r>
-              <a:rPr lang="en-IL" sz="2800" dirty="0">
-                <a:latin typeface="Consolas" panose="020B0609020204030204" pitchFamily="49" charset="0"/>
-              </a:rPr>
-              <a:t>x, y, z = 1, 2, 3</a:t>
-            </a:r>
-          </a:p>
-        </p:txBody>
-      </p:sp>
-      <p:pic>
-        <p:nvPicPr>
-          <p:cNvPr id="3" name="Picture 2">
-            <a:extLst>
-              <a:ext uri="{FF2B5EF4-FFF2-40B4-BE49-F238E27FC236}">
-                <a16:creationId xmlns:a16="http://schemas.microsoft.com/office/drawing/2014/main" id="{CDDECDCF-1F4D-4509-A88E-3D5B6E873F3B}"/>
-              </a:ext>
-            </a:extLst>
-          </p:cNvPr>
-          <p:cNvPicPr>
-            <a:picLocks noChangeAspect="1"/>
-          </p:cNvPicPr>
-          <p:nvPr/>
-        </p:nvPicPr>
-        <p:blipFill rotWithShape="1">
-          <a:blip r:embed="rId2"/>
-          <a:srcRect l="32604" t="19667" r="31982" b="17238"/>
-          <a:stretch/>
-        </p:blipFill>
-        <p:spPr>
-          <a:xfrm>
-            <a:off x="7113320" y="4616351"/>
-            <a:ext cx="2030680" cy="2241649"/>
-          </a:xfrm>
-          <a:prstGeom prst="rect">
-            <a:avLst/>
-          </a:prstGeom>
-        </p:spPr>
-      </p:pic>
-      <p:sp>
-        <p:nvSpPr>
-          <p:cNvPr id="13" name="Freeform: Shape 12">
-            <a:extLst>
-              <a:ext uri="{FF2B5EF4-FFF2-40B4-BE49-F238E27FC236}">
-                <a16:creationId xmlns:a16="http://schemas.microsoft.com/office/drawing/2014/main" id="{6AD97C46-F405-44A9-AF50-CC4091BE3D85}"/>
-              </a:ext>
-            </a:extLst>
-          </p:cNvPr>
-          <p:cNvSpPr/>
-          <p:nvPr/>
-        </p:nvSpPr>
-        <p:spPr>
-          <a:xfrm>
-            <a:off x="961901" y="5035138"/>
-            <a:ext cx="1947554" cy="440639"/>
-          </a:xfrm>
-          <a:custGeom>
-            <a:avLst/>
-            <a:gdLst>
-              <a:gd name="connsiteX0" fmla="*/ 1947554 w 1947554"/>
-              <a:gd name="connsiteY0" fmla="*/ 106878 h 440639"/>
-              <a:gd name="connsiteX1" fmla="*/ 570016 w 1947554"/>
-              <a:gd name="connsiteY1" fmla="*/ 439387 h 440639"/>
-              <a:gd name="connsiteX2" fmla="*/ 0 w 1947554"/>
-              <a:gd name="connsiteY2" fmla="*/ 0 h 440639"/>
-              <a:gd name="connsiteX3" fmla="*/ 0 w 1947554"/>
-              <a:gd name="connsiteY3" fmla="*/ 0 h 440639"/>
-            </a:gdLst>
-            <a:ahLst/>
-            <a:cxnLst>
-              <a:cxn ang="0">
-                <a:pos x="connsiteX0" y="connsiteY0"/>
-              </a:cxn>
-              <a:cxn ang="0">
-                <a:pos x="connsiteX1" y="connsiteY1"/>
-              </a:cxn>
-              <a:cxn ang="0">
-                <a:pos x="connsiteX2" y="connsiteY2"/>
-              </a:cxn>
-              <a:cxn ang="0">
-                <a:pos x="connsiteX3" y="connsiteY3"/>
-              </a:cxn>
-            </a:cxnLst>
-            <a:rect l="l" t="t" r="r" b="b"/>
-            <a:pathLst>
-              <a:path w="1947554" h="440639">
-                <a:moveTo>
-                  <a:pt x="1947554" y="106878"/>
-                </a:moveTo>
-                <a:cubicBezTo>
-                  <a:pt x="1421081" y="282039"/>
-                  <a:pt x="894608" y="457200"/>
-                  <a:pt x="570016" y="439387"/>
-                </a:cubicBezTo>
-                <a:cubicBezTo>
-                  <a:pt x="245424" y="421574"/>
-                  <a:pt x="0" y="0"/>
-                  <a:pt x="0" y="0"/>
-                </a:cubicBezTo>
-                <a:lnTo>
-                  <a:pt x="0" y="0"/>
-                </a:lnTo>
-              </a:path>
-            </a:pathLst>
-          </a:custGeom>
-          <a:noFill/>
-          <a:ln w="28575">
-            <a:tailEnd type="triangle" w="lg" len="lg"/>
-          </a:ln>
-        </p:spPr>
-        <p:style>
-          <a:lnRef idx="1">
-            <a:schemeClr val="accent1"/>
-          </a:lnRef>
-          <a:fillRef idx="3">
-            <a:schemeClr val="accent1"/>
-          </a:fillRef>
-          <a:effectRef idx="2">
-            <a:schemeClr val="accent1"/>
-          </a:effectRef>
-          <a:fontRef idx="minor">
-            <a:schemeClr val="lt1"/>
-          </a:fontRef>
-        </p:style>
-        <p:txBody>
-          <a:bodyPr rtlCol="0" anchor="ctr"/>
-          <a:lstStyle/>
-          <a:p>
-            <a:pPr algn="ctr"/>
-            <a:endParaRPr lang="en-IL"/>
-          </a:p>
-        </p:txBody>
-      </p:sp>
-      <p:sp>
-        <p:nvSpPr>
-          <p:cNvPr id="14" name="Freeform: Shape 13">
-            <a:extLst>
-              <a:ext uri="{FF2B5EF4-FFF2-40B4-BE49-F238E27FC236}">
-                <a16:creationId xmlns:a16="http://schemas.microsoft.com/office/drawing/2014/main" id="{3CACABF0-7A4A-4319-BA7A-A8FD6D10D85B}"/>
-              </a:ext>
-            </a:extLst>
-          </p:cNvPr>
-          <p:cNvSpPr/>
-          <p:nvPr/>
-        </p:nvSpPr>
-        <p:spPr>
-          <a:xfrm>
-            <a:off x="1565564" y="5035138"/>
-            <a:ext cx="1947554" cy="440639"/>
-          </a:xfrm>
-          <a:custGeom>
-            <a:avLst/>
-            <a:gdLst>
-              <a:gd name="connsiteX0" fmla="*/ 1947554 w 1947554"/>
-              <a:gd name="connsiteY0" fmla="*/ 106878 h 440639"/>
-              <a:gd name="connsiteX1" fmla="*/ 570016 w 1947554"/>
-              <a:gd name="connsiteY1" fmla="*/ 439387 h 440639"/>
-              <a:gd name="connsiteX2" fmla="*/ 0 w 1947554"/>
-              <a:gd name="connsiteY2" fmla="*/ 0 h 440639"/>
-              <a:gd name="connsiteX3" fmla="*/ 0 w 1947554"/>
-              <a:gd name="connsiteY3" fmla="*/ 0 h 440639"/>
-            </a:gdLst>
-            <a:ahLst/>
-            <a:cxnLst>
-              <a:cxn ang="0">
-                <a:pos x="connsiteX0" y="connsiteY0"/>
-              </a:cxn>
-              <a:cxn ang="0">
-                <a:pos x="connsiteX1" y="connsiteY1"/>
-              </a:cxn>
-              <a:cxn ang="0">
-                <a:pos x="connsiteX2" y="connsiteY2"/>
-              </a:cxn>
-              <a:cxn ang="0">
-                <a:pos x="connsiteX3" y="connsiteY3"/>
-              </a:cxn>
-            </a:cxnLst>
-            <a:rect l="l" t="t" r="r" b="b"/>
-            <a:pathLst>
-              <a:path w="1947554" h="440639">
-                <a:moveTo>
-                  <a:pt x="1947554" y="106878"/>
-                </a:moveTo>
-                <a:cubicBezTo>
-                  <a:pt x="1421081" y="282039"/>
-                  <a:pt x="894608" y="457200"/>
-                  <a:pt x="570016" y="439387"/>
-                </a:cubicBezTo>
-                <a:cubicBezTo>
-                  <a:pt x="245424" y="421574"/>
-                  <a:pt x="0" y="0"/>
-                  <a:pt x="0" y="0"/>
-                </a:cubicBezTo>
-                <a:lnTo>
-                  <a:pt x="0" y="0"/>
-                </a:lnTo>
-              </a:path>
-            </a:pathLst>
-          </a:custGeom>
-          <a:noFill/>
-          <a:ln w="28575">
-            <a:solidFill>
-              <a:schemeClr val="accent2"/>
-            </a:solidFill>
-            <a:tailEnd type="triangle" w="lg" len="lg"/>
-          </a:ln>
-        </p:spPr>
-        <p:style>
-          <a:lnRef idx="1">
-            <a:schemeClr val="accent1"/>
-          </a:lnRef>
-          <a:fillRef idx="3">
-            <a:schemeClr val="accent1"/>
-          </a:fillRef>
-          <a:effectRef idx="2">
-            <a:schemeClr val="accent1"/>
-          </a:effectRef>
-          <a:fontRef idx="minor">
-            <a:schemeClr val="lt1"/>
-          </a:fontRef>
-        </p:style>
-        <p:txBody>
-          <a:bodyPr rtlCol="0" anchor="ctr"/>
-          <a:lstStyle/>
-          <a:p>
-            <a:pPr algn="ctr"/>
-            <a:endParaRPr lang="en-IL"/>
-          </a:p>
-        </p:txBody>
-      </p:sp>
-      <p:sp>
-        <p:nvSpPr>
-          <p:cNvPr id="15" name="Freeform: Shape 14">
-            <a:extLst>
-              <a:ext uri="{FF2B5EF4-FFF2-40B4-BE49-F238E27FC236}">
-                <a16:creationId xmlns:a16="http://schemas.microsoft.com/office/drawing/2014/main" id="{D40769F6-9F21-461D-AC80-D62A9D580F21}"/>
-              </a:ext>
-            </a:extLst>
-          </p:cNvPr>
-          <p:cNvSpPr/>
-          <p:nvPr/>
-        </p:nvSpPr>
-        <p:spPr>
-          <a:xfrm>
-            <a:off x="2133056" y="5035138"/>
-            <a:ext cx="1947554" cy="440639"/>
-          </a:xfrm>
-          <a:custGeom>
-            <a:avLst/>
-            <a:gdLst>
-              <a:gd name="connsiteX0" fmla="*/ 1947554 w 1947554"/>
-              <a:gd name="connsiteY0" fmla="*/ 106878 h 440639"/>
-              <a:gd name="connsiteX1" fmla="*/ 570016 w 1947554"/>
-              <a:gd name="connsiteY1" fmla="*/ 439387 h 440639"/>
-              <a:gd name="connsiteX2" fmla="*/ 0 w 1947554"/>
-              <a:gd name="connsiteY2" fmla="*/ 0 h 440639"/>
-              <a:gd name="connsiteX3" fmla="*/ 0 w 1947554"/>
-              <a:gd name="connsiteY3" fmla="*/ 0 h 440639"/>
-            </a:gdLst>
-            <a:ahLst/>
-            <a:cxnLst>
-              <a:cxn ang="0">
-                <a:pos x="connsiteX0" y="connsiteY0"/>
-              </a:cxn>
-              <a:cxn ang="0">
-                <a:pos x="connsiteX1" y="connsiteY1"/>
-              </a:cxn>
-              <a:cxn ang="0">
-                <a:pos x="connsiteX2" y="connsiteY2"/>
-              </a:cxn>
-              <a:cxn ang="0">
-                <a:pos x="connsiteX3" y="connsiteY3"/>
-              </a:cxn>
-            </a:cxnLst>
-            <a:rect l="l" t="t" r="r" b="b"/>
-            <a:pathLst>
-              <a:path w="1947554" h="440639">
-                <a:moveTo>
-                  <a:pt x="1947554" y="106878"/>
-                </a:moveTo>
-                <a:cubicBezTo>
-                  <a:pt x="1421081" y="282039"/>
-                  <a:pt x="894608" y="457200"/>
-                  <a:pt x="570016" y="439387"/>
-                </a:cubicBezTo>
-                <a:cubicBezTo>
-                  <a:pt x="245424" y="421574"/>
-                  <a:pt x="0" y="0"/>
-                  <a:pt x="0" y="0"/>
-                </a:cubicBezTo>
-                <a:lnTo>
-                  <a:pt x="0" y="0"/>
-                </a:lnTo>
-              </a:path>
-            </a:pathLst>
-          </a:custGeom>
-          <a:noFill/>
-          <a:ln w="28575">
-            <a:solidFill>
-              <a:srgbClr val="00B050"/>
-            </a:solidFill>
-            <a:tailEnd type="triangle" w="lg" len="lg"/>
-          </a:ln>
-        </p:spPr>
-        <p:style>
-          <a:lnRef idx="1">
-            <a:schemeClr val="accent1"/>
-          </a:lnRef>
-          <a:fillRef idx="3">
-            <a:schemeClr val="accent1"/>
-          </a:fillRef>
-          <a:effectRef idx="2">
-            <a:schemeClr val="accent1"/>
-          </a:effectRef>
-          <a:fontRef idx="minor">
-            <a:schemeClr val="lt1"/>
-          </a:fontRef>
-        </p:style>
-        <p:txBody>
-          <a:bodyPr rtlCol="0" anchor="ctr"/>
-          <a:lstStyle/>
-          <a:p>
-            <a:pPr algn="ctr"/>
-            <a:endParaRPr lang="en-IL"/>
-          </a:p>
-        </p:txBody>
-      </p:sp>
-    </p:spTree>
-    <p:extLst>
-      <p:ext uri="{BB962C8B-B14F-4D97-AF65-F5344CB8AC3E}">
-        <p14:creationId xmlns:p14="http://schemas.microsoft.com/office/powerpoint/2010/main" val="4058417675"/>
-      </p:ext>
-    </p:extLst>
-  </p:cSld>
-  <p:clrMapOvr>
-    <a:masterClrMapping/>
-  </p:clrMapOvr>
-</p:sld>
-</file>
-
-<file path=ppt/slides/slide29.xml><?xml version="1.0" encoding="utf-8"?>
+<file path=ppt/slides/slide30.xml><?xml version="1.0" encoding="utf-8"?>
 <p:sld xmlns:a="http://schemas.openxmlformats.org/drawingml/2006/main" xmlns:r="http://schemas.openxmlformats.org/officeDocument/2006/relationships" xmlns:p="http://schemas.openxmlformats.org/presentationml/2006/main">
   <p:cSld>
     <p:spTree>
@@ -15218,440 +15397,7 @@
 </p:sld>
 </file>
 
-<file path=ppt/slides/slide3.xml><?xml version="1.0" encoding="utf-8"?>
-<p:sld xmlns:a="http://schemas.openxmlformats.org/drawingml/2006/main" xmlns:r="http://schemas.openxmlformats.org/officeDocument/2006/relationships" xmlns:p="http://schemas.openxmlformats.org/presentationml/2006/main">
-  <p:cSld>
-    <p:bg>
-      <p:bgPr>
-        <a:solidFill>
-          <a:schemeClr val="bg1">
-            <a:tint val="95000"/>
-            <a:satMod val="170000"/>
-          </a:schemeClr>
-        </a:solidFill>
-        <a:effectLst/>
-      </p:bgPr>
-    </p:bg>
-    <p:spTree>
-      <p:nvGrpSpPr>
-        <p:cNvPr id="1" name=""/>
-        <p:cNvGrpSpPr/>
-        <p:nvPr/>
-      </p:nvGrpSpPr>
-      <p:grpSpPr>
-        <a:xfrm>
-          <a:off x="0" y="0"/>
-          <a:ext cx="0" cy="0"/>
-          <a:chOff x="0" y="0"/>
-          <a:chExt cx="0" cy="0"/>
-        </a:xfrm>
-      </p:grpSpPr>
-      <p:sp>
-        <p:nvSpPr>
-          <p:cNvPr id="8" name="Freeform: Shape 7">
-            <a:extLst>
-              <a:ext uri="{FF2B5EF4-FFF2-40B4-BE49-F238E27FC236}">
-                <a16:creationId xmlns:a16="http://schemas.microsoft.com/office/drawing/2014/main" id="{48A740BC-A0AA-45E0-B899-2AE9C6FE11CA}"/>
-              </a:ext>
-              <a:ext uri="{C183D7F6-B498-43B3-948B-1728B52AA6E4}">
-                <adec:decorative xmlns:adec="http://schemas.microsoft.com/office/drawing/2017/decorative" val="1"/>
-              </a:ext>
-            </a:extLst>
-          </p:cNvPr>
-          <p:cNvSpPr>
-            <a:spLocks noGrp="1" noRot="1" noChangeAspect="1" noMove="1" noResize="1" noEditPoints="1" noAdjustHandles="1" noChangeArrowheads="1" noChangeShapeType="1" noTextEdit="1"/>
-          </p:cNvSpPr>
-          <p:nvPr>
-            <p:extLst>
-              <p:ext uri="{386F3935-93C4-4BCD-93E2-E3B085C9AB24}">
-                <p16:designElem xmlns:p16="http://schemas.microsoft.com/office/powerpoint/2015/main" val="1"/>
-              </p:ext>
-            </p:extLst>
-          </p:nvPr>
-        </p:nvSpPr>
-        <p:spPr>
-          <a:xfrm>
-            <a:off x="4434840" y="-2"/>
-            <a:ext cx="4709160" cy="6858002"/>
-          </a:xfrm>
-          <a:custGeom>
-            <a:avLst/>
-            <a:gdLst>
-              <a:gd name="connsiteX0" fmla="*/ 45572 w 6278879"/>
-              <a:gd name="connsiteY0" fmla="*/ 0 h 6858002"/>
-              <a:gd name="connsiteX1" fmla="*/ 6278879 w 6278879"/>
-              <a:gd name="connsiteY1" fmla="*/ 0 h 6858002"/>
-              <a:gd name="connsiteX2" fmla="*/ 6278879 w 6278879"/>
-              <a:gd name="connsiteY2" fmla="*/ 6858002 h 6858002"/>
-              <a:gd name="connsiteX3" fmla="*/ 3292308 w 6278879"/>
-              <a:gd name="connsiteY3" fmla="*/ 6858002 h 6858002"/>
-              <a:gd name="connsiteX4" fmla="*/ 3181526 w 6278879"/>
-              <a:gd name="connsiteY4" fmla="*/ 6786982 h 6858002"/>
-              <a:gd name="connsiteX5" fmla="*/ 0 w 6278879"/>
-              <a:gd name="connsiteY5" fmla="*/ 803254 h 6858002"/>
-              <a:gd name="connsiteX6" fmla="*/ 37255 w 6278879"/>
-              <a:gd name="connsiteY6" fmla="*/ 65447 h 6858002"/>
-            </a:gdLst>
-            <a:ahLst/>
-            <a:cxnLst>
-              <a:cxn ang="0">
-                <a:pos x="connsiteX0" y="connsiteY0"/>
-              </a:cxn>
-              <a:cxn ang="0">
-                <a:pos x="connsiteX1" y="connsiteY1"/>
-              </a:cxn>
-              <a:cxn ang="0">
-                <a:pos x="connsiteX2" y="connsiteY2"/>
-              </a:cxn>
-              <a:cxn ang="0">
-                <a:pos x="connsiteX3" y="connsiteY3"/>
-              </a:cxn>
-              <a:cxn ang="0">
-                <a:pos x="connsiteX4" y="connsiteY4"/>
-              </a:cxn>
-              <a:cxn ang="0">
-                <a:pos x="connsiteX5" y="connsiteY5"/>
-              </a:cxn>
-              <a:cxn ang="0">
-                <a:pos x="connsiteX6" y="connsiteY6"/>
-              </a:cxn>
-            </a:cxnLst>
-            <a:rect l="l" t="t" r="r" b="b"/>
-            <a:pathLst>
-              <a:path w="6278879" h="6858002">
-                <a:moveTo>
-                  <a:pt x="45572" y="0"/>
-                </a:moveTo>
-                <a:lnTo>
-                  <a:pt x="6278879" y="0"/>
-                </a:lnTo>
-                <a:lnTo>
-                  <a:pt x="6278879" y="6858002"/>
-                </a:lnTo>
-                <a:lnTo>
-                  <a:pt x="3292308" y="6858002"/>
-                </a:lnTo>
-                <a:lnTo>
-                  <a:pt x="3181526" y="6786982"/>
-                </a:lnTo>
-                <a:cubicBezTo>
-                  <a:pt x="1262021" y="5490191"/>
-                  <a:pt x="0" y="3294103"/>
-                  <a:pt x="0" y="803254"/>
-                </a:cubicBezTo>
-                <a:cubicBezTo>
-                  <a:pt x="0" y="554169"/>
-                  <a:pt x="12620" y="308032"/>
-                  <a:pt x="37255" y="65447"/>
-                </a:cubicBezTo>
-                <a:close/>
-              </a:path>
-            </a:pathLst>
-          </a:custGeom>
-          <a:solidFill>
-            <a:schemeClr val="bg1">
-              <a:lumMod val="85000"/>
-              <a:lumOff val="15000"/>
-              <a:alpha val="70000"/>
-            </a:schemeClr>
-          </a:solidFill>
-          <a:ln>
-            <a:noFill/>
-          </a:ln>
-        </p:spPr>
-        <p:style>
-          <a:lnRef idx="2">
-            <a:schemeClr val="accent1">
-              <a:shade val="50000"/>
-            </a:schemeClr>
-          </a:lnRef>
-          <a:fillRef idx="1">
-            <a:schemeClr val="accent1"/>
-          </a:fillRef>
-          <a:effectRef idx="0">
-            <a:schemeClr val="accent1"/>
-          </a:effectRef>
-          <a:fontRef idx="minor">
-            <a:schemeClr val="lt1"/>
-          </a:fontRef>
-        </p:style>
-        <p:txBody>
-          <a:bodyPr rtlCol="0" anchor="ctr"/>
-          <a:lstStyle/>
-          <a:p>
-            <a:pPr marL="0" marR="0" lvl="0" indent="0" algn="ctr" defTabSz="914400" rtl="0" eaLnBrk="1" fontAlgn="auto" latinLnBrk="0" hangingPunct="1">
-              <a:lnSpc>
-                <a:spcPct val="100000"/>
-              </a:lnSpc>
-              <a:spcBef>
-                <a:spcPts val="0"/>
-              </a:spcBef>
-              <a:spcAft>
-                <a:spcPts val="0"/>
-              </a:spcAft>
-              <a:buClrTx/>
-              <a:buSzTx/>
-              <a:buFontTx/>
-              <a:buNone/>
-              <a:tabLst/>
-              <a:defRPr/>
-            </a:pPr>
-            <a:endParaRPr kumimoji="0" lang="en-US" sz="3200" b="0" i="0" u="none" strike="noStrike" kern="1200" cap="none" spc="0" normalizeH="0" baseline="0" noProof="0" dirty="0">
-              <a:ln>
-                <a:noFill/>
-              </a:ln>
-              <a:solidFill>
-                <a:prstClr val="white"/>
-              </a:solidFill>
-              <a:effectLst/>
-              <a:uLnTx/>
-              <a:uFillTx/>
-              <a:latin typeface="Times New Roman" panose="02020603050405020304" pitchFamily="18" charset="0"/>
-              <a:ea typeface="+mn-ea"/>
-              <a:cs typeface="+mn-cs"/>
-            </a:endParaRPr>
-          </a:p>
-        </p:txBody>
-      </p:sp>
-      <p:sp>
-        <p:nvSpPr>
-          <p:cNvPr id="2" name="Title 1"/>
-          <p:cNvSpPr>
-            <a:spLocks noGrp="1"/>
-          </p:cNvSpPr>
-          <p:nvPr>
-            <p:ph type="title"/>
-          </p:nvPr>
-        </p:nvSpPr>
-        <p:spPr>
-          <a:xfrm>
-            <a:off x="491490" y="365125"/>
-            <a:ext cx="8204835" cy="1623312"/>
-          </a:xfrm>
-        </p:spPr>
-        <p:txBody>
-          <a:bodyPr anchor="b">
-            <a:noAutofit/>
-          </a:bodyPr>
-          <a:lstStyle/>
-          <a:p>
-            <a:pPr algn="l"/>
-            <a:r>
-              <a:rPr lang="en-IL" sz="4800" dirty="0"/>
-              <a:t>Goals</a:t>
-            </a:r>
-            <a:r>
-              <a:rPr lang="en-US" sz="4800" dirty="0"/>
-              <a:t>:</a:t>
-            </a:r>
-          </a:p>
-        </p:txBody>
-      </p:sp>
-      <p:cxnSp>
-        <p:nvCxnSpPr>
-          <p:cNvPr id="10" name="Straight Arrow Connector 9">
-            <a:extLst>
-              <a:ext uri="{FF2B5EF4-FFF2-40B4-BE49-F238E27FC236}">
-                <a16:creationId xmlns:a16="http://schemas.microsoft.com/office/drawing/2014/main" id="{B874EF51-C858-4BB9-97C3-D17755787127}"/>
-              </a:ext>
-              <a:ext uri="{C183D7F6-B498-43B3-948B-1728B52AA6E4}">
-                <adec:decorative xmlns:adec="http://schemas.microsoft.com/office/drawing/2017/decorative" val="1"/>
-              </a:ext>
-            </a:extLst>
-          </p:cNvPr>
-          <p:cNvCxnSpPr>
-            <a:cxnSpLocks noGrp="1" noRot="1" noChangeAspect="1" noMove="1" noResize="1" noEditPoints="1" noAdjustHandles="1" noChangeArrowheads="1" noChangeShapeType="1"/>
-          </p:cNvCxnSpPr>
-          <p:nvPr>
-            <p:extLst>
-              <p:ext uri="{386F3935-93C4-4BCD-93E2-E3B085C9AB24}">
-                <p16:designElem xmlns:p16="http://schemas.microsoft.com/office/powerpoint/2015/main" val="1"/>
-              </p:ext>
-            </p:extLst>
-          </p:nvPr>
-        </p:nvCxnSpPr>
-        <p:spPr>
-          <a:xfrm>
-            <a:off x="572745" y="2316480"/>
-            <a:ext cx="6172200" cy="0"/>
-          </a:xfrm>
-          <a:prstGeom prst="straightConnector1">
-            <a:avLst/>
-          </a:prstGeom>
-          <a:ln w="19050" cap="sq">
-            <a:solidFill>
-              <a:schemeClr val="tx1"/>
-            </a:solidFill>
-            <a:tailEnd type="none"/>
-          </a:ln>
-        </p:spPr>
-        <p:style>
-          <a:lnRef idx="1">
-            <a:schemeClr val="accent1"/>
-          </a:lnRef>
-          <a:fillRef idx="0">
-            <a:schemeClr val="accent1"/>
-          </a:fillRef>
-          <a:effectRef idx="0">
-            <a:schemeClr val="accent1"/>
-          </a:effectRef>
-          <a:fontRef idx="minor">
-            <a:schemeClr val="tx1"/>
-          </a:fontRef>
-        </p:style>
-      </p:cxnSp>
-      <p:sp>
-        <p:nvSpPr>
-          <p:cNvPr id="3" name="Content Placeholder 2"/>
-          <p:cNvSpPr>
-            <a:spLocks noGrp="1"/>
-          </p:cNvSpPr>
-          <p:nvPr>
-            <p:ph idx="1"/>
-          </p:nvPr>
-        </p:nvSpPr>
-        <p:spPr>
-          <a:xfrm>
-            <a:off x="491490" y="2644518"/>
-            <a:ext cx="8204835" cy="3327251"/>
-          </a:xfrm>
-        </p:spPr>
-        <p:txBody>
-          <a:bodyPr>
-            <a:normAutofit/>
-          </a:bodyPr>
-          <a:lstStyle/>
-          <a:p>
-            <a:pPr marL="514350" indent="-514350">
-              <a:buFont typeface="+mj-lt"/>
-              <a:buAutoNum type="arabicPeriod"/>
-            </a:pPr>
-            <a:r>
-              <a:rPr lang="en-IL" sz="2800" dirty="0">
-                <a:solidFill>
-                  <a:srgbClr val="FFFF00"/>
-                </a:solidFill>
-              </a:rPr>
-              <a:t>Learn basic concepts </a:t>
-            </a:r>
-            <a:r>
-              <a:rPr lang="en-IL" sz="2800" dirty="0"/>
-              <a:t>in programming</a:t>
-            </a:r>
-            <a:endParaRPr lang="en-US" sz="2800" dirty="0"/>
-          </a:p>
-          <a:p>
-            <a:pPr marL="514350" indent="-514350">
-              <a:buFont typeface="+mj-lt"/>
-              <a:buAutoNum type="arabicPeriod"/>
-            </a:pPr>
-            <a:r>
-              <a:rPr lang="en-IL" sz="2800" dirty="0">
-                <a:solidFill>
-                  <a:srgbClr val="FFFF00"/>
-                </a:solidFill>
-              </a:rPr>
-              <a:t>Develop skills </a:t>
-            </a:r>
-            <a:r>
-              <a:rPr lang="en-US" sz="2800" dirty="0">
-                <a:solidFill>
-                  <a:srgbClr val="FFFF00"/>
-                </a:solidFill>
-              </a:rPr>
-              <a:t>to</a:t>
-            </a:r>
-            <a:r>
-              <a:rPr lang="en-IL" sz="2800" dirty="0">
-                <a:solidFill>
-                  <a:srgbClr val="FFFF00"/>
-                </a:solidFill>
-              </a:rPr>
-              <a:t> (continue)</a:t>
-            </a:r>
-            <a:r>
-              <a:rPr lang="en-US" sz="2800" dirty="0">
-                <a:solidFill>
-                  <a:srgbClr val="FFFF00"/>
-                </a:solidFill>
-              </a:rPr>
-              <a:t> learn</a:t>
-            </a:r>
-            <a:r>
-              <a:rPr lang="en-IL" sz="2800" dirty="0" err="1">
-                <a:solidFill>
-                  <a:srgbClr val="FFFF00"/>
-                </a:solidFill>
-              </a:rPr>
-              <a:t>ing</a:t>
-            </a:r>
-            <a:r>
-              <a:rPr lang="en-US" sz="2800" dirty="0">
-                <a:solidFill>
-                  <a:srgbClr val="FFFF00"/>
-                </a:solidFill>
-              </a:rPr>
-              <a:t> by yourself</a:t>
-            </a:r>
-            <a:r>
-              <a:rPr lang="en-US" sz="2800" dirty="0"/>
-              <a:t> from on-line resources and examples</a:t>
-            </a:r>
-          </a:p>
-          <a:p>
-            <a:pPr marL="514350" indent="-514350">
-              <a:buFont typeface="+mj-lt"/>
-              <a:buAutoNum type="arabicPeriod"/>
-            </a:pPr>
-            <a:r>
-              <a:rPr lang="en-IL" sz="2800" dirty="0">
-                <a:solidFill>
-                  <a:srgbClr val="FFFF00"/>
-                </a:solidFill>
-              </a:rPr>
-              <a:t>Develop c</a:t>
-            </a:r>
-            <a:r>
-              <a:rPr lang="en-US" sz="2800" dirty="0" err="1">
-                <a:solidFill>
-                  <a:srgbClr val="FFFF00"/>
-                </a:solidFill>
-              </a:rPr>
-              <a:t>onfiden</a:t>
-            </a:r>
-            <a:r>
-              <a:rPr lang="en-IL" sz="2800" dirty="0" err="1">
-                <a:solidFill>
-                  <a:srgbClr val="FFFF00"/>
-                </a:solidFill>
-              </a:rPr>
-              <a:t>ce</a:t>
-            </a:r>
-            <a:r>
-              <a:rPr lang="en-US" sz="2800" dirty="0">
-                <a:solidFill>
-                  <a:srgbClr val="FFFF00"/>
-                </a:solidFill>
-              </a:rPr>
-              <a:t> to continue working </a:t>
-            </a:r>
-            <a:r>
-              <a:rPr lang="en-US" sz="2800" dirty="0"/>
-              <a:t>with Python for *your* specific research needs.</a:t>
-            </a:r>
-            <a:endParaRPr lang="en-IL" sz="2800" dirty="0"/>
-          </a:p>
-        </p:txBody>
-      </p:sp>
-    </p:spTree>
-  </p:cSld>
-  <p:clrMapOvr>
-    <a:overrideClrMapping bg1="dk1" tx1="lt1" bg2="dk2" tx2="lt2" accent1="accent1" accent2="accent2" accent3="accent3" accent4="accent4" accent5="accent5" accent6="accent6" hlink="hlink" folHlink="folHlink"/>
-  </p:clrMapOvr>
-</p:sld>
-</file>
-
-<file path=ppt/slides/slide30.xml><?xml version="1.0" encoding="utf-8"?>
+<file path=ppt/slides/slide31.xml><?xml version="1.0" encoding="utf-8"?>
 <p:sld xmlns:a="http://schemas.openxmlformats.org/drawingml/2006/main" xmlns:r="http://schemas.openxmlformats.org/officeDocument/2006/relationships" xmlns:p="http://schemas.openxmlformats.org/presentationml/2006/main">
   <p:cSld>
     <p:spTree>
@@ -15973,117 +15719,6 @@
     <p:extLst>
       <p:ext uri="{BB962C8B-B14F-4D97-AF65-F5344CB8AC3E}">
         <p14:creationId xmlns:p14="http://schemas.microsoft.com/office/powerpoint/2010/main" val="2650663133"/>
-      </p:ext>
-    </p:extLst>
-  </p:cSld>
-  <p:clrMapOvr>
-    <a:masterClrMapping/>
-  </p:clrMapOvr>
-</p:sld>
-</file>
-
-<file path=ppt/slides/slide31.xml><?xml version="1.0" encoding="utf-8"?>
-<p:sld xmlns:a="http://schemas.openxmlformats.org/drawingml/2006/main" xmlns:r="http://schemas.openxmlformats.org/officeDocument/2006/relationships" xmlns:p="http://schemas.openxmlformats.org/presentationml/2006/main">
-  <p:cSld>
-    <p:bg>
-      <p:bgPr>
-        <a:solidFill>
-          <a:schemeClr val="bg1"/>
-        </a:solidFill>
-        <a:effectLst/>
-      </p:bgPr>
-    </p:bg>
-    <p:spTree>
-      <p:nvGrpSpPr>
-        <p:cNvPr id="1" name=""/>
-        <p:cNvGrpSpPr/>
-        <p:nvPr/>
-      </p:nvGrpSpPr>
-      <p:grpSpPr>
-        <a:xfrm>
-          <a:off x="0" y="0"/>
-          <a:ext cx="0" cy="0"/>
-          <a:chOff x="0" y="0"/>
-          <a:chExt cx="0" cy="0"/>
-        </a:xfrm>
-      </p:grpSpPr>
-      <p:sp>
-        <p:nvSpPr>
-          <p:cNvPr id="2" name="Content Placeholder 1">
-            <a:extLst>
-              <a:ext uri="{FF2B5EF4-FFF2-40B4-BE49-F238E27FC236}">
-                <a16:creationId xmlns:a16="http://schemas.microsoft.com/office/drawing/2014/main" id="{D42B980F-23C4-408F-8382-7B57E52EE861}"/>
-              </a:ext>
-            </a:extLst>
-          </p:cNvPr>
-          <p:cNvSpPr>
-            <a:spLocks noGrp="1"/>
-          </p:cNvSpPr>
-          <p:nvPr>
-            <p:ph idx="1"/>
-          </p:nvPr>
-        </p:nvSpPr>
-        <p:spPr>
-          <a:xfrm>
-            <a:off x="457200" y="712520"/>
-            <a:ext cx="8229600" cy="5413644"/>
-          </a:xfrm>
-        </p:spPr>
-        <p:txBody>
-          <a:bodyPr anchor="ctr">
-            <a:normAutofit/>
-          </a:bodyPr>
-          <a:lstStyle/>
-          <a:p>
-            <a:pPr marL="0" indent="0" algn="ctr">
-              <a:buNone/>
-            </a:pPr>
-            <a:r>
-              <a:rPr lang="en-IL" sz="4400" dirty="0">
-                <a:latin typeface="Consolas" panose="020B0609020204030204" pitchFamily="49" charset="0"/>
-              </a:rPr>
-              <a:t>type()</a:t>
-            </a:r>
-          </a:p>
-          <a:p>
-            <a:pPr marL="0" indent="0" algn="ctr">
-              <a:buNone/>
-            </a:pPr>
-            <a:r>
-              <a:rPr lang="en-IL" sz="4400" dirty="0">
-                <a:latin typeface="Consolas" panose="020B0609020204030204" pitchFamily="49" charset="0"/>
-              </a:rPr>
-              <a:t>print()</a:t>
-            </a:r>
-          </a:p>
-          <a:p>
-            <a:pPr marL="0" indent="0" algn="ctr">
-              <a:buNone/>
-            </a:pPr>
-            <a:r>
-              <a:rPr lang="en-IL" sz="4400" dirty="0">
-                <a:latin typeface="Consolas" panose="020B0609020204030204" pitchFamily="49" charset="0"/>
-              </a:rPr>
-              <a:t>input()</a:t>
-            </a:r>
-          </a:p>
-          <a:p>
-            <a:pPr marL="0" indent="0" algn="ctr">
-              <a:buNone/>
-            </a:pPr>
-            <a:r>
-              <a:rPr lang="en-IL" sz="4400" dirty="0">
-                <a:latin typeface="Consolas" panose="020B0609020204030204" pitchFamily="49" charset="0"/>
-              </a:rPr>
-              <a:t>int()</a:t>
-            </a:r>
-          </a:p>
-        </p:txBody>
-      </p:sp>
-    </p:spTree>
-    <p:extLst>
-      <p:ext uri="{BB962C8B-B14F-4D97-AF65-F5344CB8AC3E}">
-        <p14:creationId xmlns:p14="http://schemas.microsoft.com/office/powerpoint/2010/main" val="1034199217"/>
       </p:ext>
     </p:extLst>
   </p:cSld>
@@ -16153,6 +15788,117 @@
               <a:rPr lang="en-IL" sz="4400" dirty="0">
                 <a:latin typeface="Consolas" panose="020B0609020204030204" pitchFamily="49" charset="0"/>
               </a:rPr>
+              <a:t>type()</a:t>
+            </a:r>
+          </a:p>
+          <a:p>
+            <a:pPr marL="0" indent="0" algn="ctr">
+              <a:buNone/>
+            </a:pPr>
+            <a:r>
+              <a:rPr lang="en-IL" sz="4400" dirty="0">
+                <a:latin typeface="Consolas" panose="020B0609020204030204" pitchFamily="49" charset="0"/>
+              </a:rPr>
+              <a:t>print()</a:t>
+            </a:r>
+          </a:p>
+          <a:p>
+            <a:pPr marL="0" indent="0" algn="ctr">
+              <a:buNone/>
+            </a:pPr>
+            <a:r>
+              <a:rPr lang="en-IL" sz="4400" dirty="0">
+                <a:latin typeface="Consolas" panose="020B0609020204030204" pitchFamily="49" charset="0"/>
+              </a:rPr>
+              <a:t>input()</a:t>
+            </a:r>
+          </a:p>
+          <a:p>
+            <a:pPr marL="0" indent="0" algn="ctr">
+              <a:buNone/>
+            </a:pPr>
+            <a:r>
+              <a:rPr lang="en-IL" sz="4400" dirty="0">
+                <a:latin typeface="Consolas" panose="020B0609020204030204" pitchFamily="49" charset="0"/>
+              </a:rPr>
+              <a:t>int()</a:t>
+            </a:r>
+          </a:p>
+        </p:txBody>
+      </p:sp>
+    </p:spTree>
+    <p:extLst>
+      <p:ext uri="{BB962C8B-B14F-4D97-AF65-F5344CB8AC3E}">
+        <p14:creationId xmlns:p14="http://schemas.microsoft.com/office/powerpoint/2010/main" val="1034199217"/>
+      </p:ext>
+    </p:extLst>
+  </p:cSld>
+  <p:clrMapOvr>
+    <a:masterClrMapping/>
+  </p:clrMapOvr>
+</p:sld>
+</file>
+
+<file path=ppt/slides/slide33.xml><?xml version="1.0" encoding="utf-8"?>
+<p:sld xmlns:a="http://schemas.openxmlformats.org/drawingml/2006/main" xmlns:r="http://schemas.openxmlformats.org/officeDocument/2006/relationships" xmlns:p="http://schemas.openxmlformats.org/presentationml/2006/main">
+  <p:cSld>
+    <p:bg>
+      <p:bgPr>
+        <a:solidFill>
+          <a:schemeClr val="bg1"/>
+        </a:solidFill>
+        <a:effectLst/>
+      </p:bgPr>
+    </p:bg>
+    <p:spTree>
+      <p:nvGrpSpPr>
+        <p:cNvPr id="1" name=""/>
+        <p:cNvGrpSpPr/>
+        <p:nvPr/>
+      </p:nvGrpSpPr>
+      <p:grpSpPr>
+        <a:xfrm>
+          <a:off x="0" y="0"/>
+          <a:ext cx="0" cy="0"/>
+          <a:chOff x="0" y="0"/>
+          <a:chExt cx="0" cy="0"/>
+        </a:xfrm>
+      </p:grpSpPr>
+      <p:sp>
+        <p:nvSpPr>
+          <p:cNvPr id="2" name="Content Placeholder 1">
+            <a:extLst>
+              <a:ext uri="{FF2B5EF4-FFF2-40B4-BE49-F238E27FC236}">
+                <a16:creationId xmlns:a16="http://schemas.microsoft.com/office/drawing/2014/main" id="{D42B980F-23C4-408F-8382-7B57E52EE861}"/>
+              </a:ext>
+            </a:extLst>
+          </p:cNvPr>
+          <p:cNvSpPr>
+            <a:spLocks noGrp="1"/>
+          </p:cNvSpPr>
+          <p:nvPr>
+            <p:ph idx="1"/>
+          </p:nvPr>
+        </p:nvSpPr>
+        <p:spPr>
+          <a:xfrm>
+            <a:off x="457200" y="712520"/>
+            <a:ext cx="8229600" cy="5413644"/>
+          </a:xfrm>
+        </p:spPr>
+        <p:txBody>
+          <a:bodyPr anchor="ctr">
+            <a:normAutofit/>
+          </a:bodyPr>
+          <a:lstStyle/>
+          <a:p>
+            <a:pPr marL="0" indent="0" algn="ctr">
+              <a:buNone/>
+            </a:pPr>
+            <a:r>
+              <a:rPr lang="en-IL" sz="4400" dirty="0">
+                <a:latin typeface="Consolas" panose="020B0609020204030204" pitchFamily="49" charset="0"/>
+              </a:rPr>
               <a:t>x = int(input())</a:t>
             </a:r>
           </a:p>
@@ -16237,7 +15983,7 @@
 </p:sld>
 </file>
 
-<file path=ppt/slides/slide33.xml><?xml version="1.0" encoding="utf-8"?>
+<file path=ppt/slides/slide34.xml><?xml version="1.0" encoding="utf-8"?>
 <p:sld xmlns:a="http://schemas.openxmlformats.org/drawingml/2006/main" xmlns:r="http://schemas.openxmlformats.org/officeDocument/2006/relationships" xmlns:p="http://schemas.openxmlformats.org/presentationml/2006/main">
   <p:cSld>
     <p:spTree>
@@ -16713,7 +16459,7 @@
 </p:sld>
 </file>
 
-<file path=ppt/slides/slide34.xml><?xml version="1.0" encoding="utf-8"?>
+<file path=ppt/slides/slide35.xml><?xml version="1.0" encoding="utf-8"?>
 <p:sld xmlns:a="http://schemas.openxmlformats.org/drawingml/2006/main" xmlns:r="http://schemas.openxmlformats.org/officeDocument/2006/relationships" xmlns:p="http://schemas.openxmlformats.org/presentationml/2006/main">
   <p:cSld>
     <p:spTree>
@@ -16829,7 +16575,7 @@
 </p:sld>
 </file>
 
-<file path=ppt/slides/slide35.xml><?xml version="1.0" encoding="utf-8"?>
+<file path=ppt/slides/slide36.xml><?xml version="1.0" encoding="utf-8"?>
 <p:sld xmlns:a="http://schemas.openxmlformats.org/drawingml/2006/main" xmlns:r="http://schemas.openxmlformats.org/officeDocument/2006/relationships" xmlns:p="http://schemas.openxmlformats.org/presentationml/2006/main">
   <p:cSld>
     <p:bg>
@@ -17041,7 +16787,7 @@
 </p:sld>
 </file>
 
-<file path=ppt/slides/slide36.xml><?xml version="1.0" encoding="utf-8"?>
+<file path=ppt/slides/slide37.xml><?xml version="1.0" encoding="utf-8"?>
 <p:sld xmlns:a="http://schemas.openxmlformats.org/drawingml/2006/main" xmlns:r="http://schemas.openxmlformats.org/officeDocument/2006/relationships" xmlns:p="http://schemas.openxmlformats.org/presentationml/2006/main">
   <p:cSld>
     <p:spTree>
@@ -17529,6 +17275,439 @@
           </a:bodyPr>
           <a:lstStyle/>
           <a:p>
+            <a:pPr marL="514350" indent="-514350">
+              <a:buFont typeface="+mj-lt"/>
+              <a:buAutoNum type="arabicPeriod"/>
+            </a:pPr>
+            <a:r>
+              <a:rPr lang="en-IL" sz="2800" dirty="0">
+                <a:solidFill>
+                  <a:srgbClr val="FFFF00"/>
+                </a:solidFill>
+              </a:rPr>
+              <a:t>Learn basic concepts </a:t>
+            </a:r>
+            <a:r>
+              <a:rPr lang="en-IL" sz="2800" dirty="0"/>
+              <a:t>in programming</a:t>
+            </a:r>
+            <a:endParaRPr lang="en-US" sz="2800" dirty="0"/>
+          </a:p>
+          <a:p>
+            <a:pPr marL="514350" indent="-514350">
+              <a:buFont typeface="+mj-lt"/>
+              <a:buAutoNum type="arabicPeriod"/>
+            </a:pPr>
+            <a:r>
+              <a:rPr lang="en-IL" sz="2800" dirty="0">
+                <a:solidFill>
+                  <a:srgbClr val="FFFF00"/>
+                </a:solidFill>
+              </a:rPr>
+              <a:t>Develop skills </a:t>
+            </a:r>
+            <a:r>
+              <a:rPr lang="en-US" sz="2800" dirty="0">
+                <a:solidFill>
+                  <a:srgbClr val="FFFF00"/>
+                </a:solidFill>
+              </a:rPr>
+              <a:t>to</a:t>
+            </a:r>
+            <a:r>
+              <a:rPr lang="en-IL" sz="2800" dirty="0">
+                <a:solidFill>
+                  <a:srgbClr val="FFFF00"/>
+                </a:solidFill>
+              </a:rPr>
+              <a:t> (continue)</a:t>
+            </a:r>
+            <a:r>
+              <a:rPr lang="en-US" sz="2800" dirty="0">
+                <a:solidFill>
+                  <a:srgbClr val="FFFF00"/>
+                </a:solidFill>
+              </a:rPr>
+              <a:t> learn</a:t>
+            </a:r>
+            <a:r>
+              <a:rPr lang="en-IL" sz="2800" dirty="0" err="1">
+                <a:solidFill>
+                  <a:srgbClr val="FFFF00"/>
+                </a:solidFill>
+              </a:rPr>
+              <a:t>ing</a:t>
+            </a:r>
+            <a:r>
+              <a:rPr lang="en-US" sz="2800" dirty="0">
+                <a:solidFill>
+                  <a:srgbClr val="FFFF00"/>
+                </a:solidFill>
+              </a:rPr>
+              <a:t> by yourself</a:t>
+            </a:r>
+            <a:r>
+              <a:rPr lang="en-US" sz="2800" dirty="0"/>
+              <a:t> from on-line resources and examples</a:t>
+            </a:r>
+          </a:p>
+          <a:p>
+            <a:pPr marL="514350" indent="-514350">
+              <a:buFont typeface="+mj-lt"/>
+              <a:buAutoNum type="arabicPeriod"/>
+            </a:pPr>
+            <a:r>
+              <a:rPr lang="en-IL" sz="2800" dirty="0">
+                <a:solidFill>
+                  <a:srgbClr val="FFFF00"/>
+                </a:solidFill>
+              </a:rPr>
+              <a:t>Develop c</a:t>
+            </a:r>
+            <a:r>
+              <a:rPr lang="en-US" sz="2800" dirty="0" err="1">
+                <a:solidFill>
+                  <a:srgbClr val="FFFF00"/>
+                </a:solidFill>
+              </a:rPr>
+              <a:t>onfiden</a:t>
+            </a:r>
+            <a:r>
+              <a:rPr lang="en-IL" sz="2800" dirty="0" err="1">
+                <a:solidFill>
+                  <a:srgbClr val="FFFF00"/>
+                </a:solidFill>
+              </a:rPr>
+              <a:t>ce</a:t>
+            </a:r>
+            <a:r>
+              <a:rPr lang="en-US" sz="2800" dirty="0">
+                <a:solidFill>
+                  <a:srgbClr val="FFFF00"/>
+                </a:solidFill>
+              </a:rPr>
+              <a:t> to continue working </a:t>
+            </a:r>
+            <a:r>
+              <a:rPr lang="en-US" sz="2800" dirty="0"/>
+              <a:t>with Python for *your* specific research needs.</a:t>
+            </a:r>
+            <a:endParaRPr lang="en-IL" sz="2800" dirty="0"/>
+          </a:p>
+        </p:txBody>
+      </p:sp>
+    </p:spTree>
+  </p:cSld>
+  <p:clrMapOvr>
+    <a:overrideClrMapping bg1="dk1" tx1="lt1" bg2="dk2" tx2="lt2" accent1="accent1" accent2="accent2" accent3="accent3" accent4="accent4" accent5="accent5" accent6="accent6" hlink="hlink" folHlink="folHlink"/>
+  </p:clrMapOvr>
+</p:sld>
+</file>
+
+<file path=ppt/slides/slide5.xml><?xml version="1.0" encoding="utf-8"?>
+<p:sld xmlns:a="http://schemas.openxmlformats.org/drawingml/2006/main" xmlns:r="http://schemas.openxmlformats.org/officeDocument/2006/relationships" xmlns:p="http://schemas.openxmlformats.org/presentationml/2006/main">
+  <p:cSld>
+    <p:bg>
+      <p:bgPr>
+        <a:solidFill>
+          <a:schemeClr val="bg1">
+            <a:tint val="95000"/>
+            <a:satMod val="170000"/>
+          </a:schemeClr>
+        </a:solidFill>
+        <a:effectLst/>
+      </p:bgPr>
+    </p:bg>
+    <p:spTree>
+      <p:nvGrpSpPr>
+        <p:cNvPr id="1" name=""/>
+        <p:cNvGrpSpPr/>
+        <p:nvPr/>
+      </p:nvGrpSpPr>
+      <p:grpSpPr>
+        <a:xfrm>
+          <a:off x="0" y="0"/>
+          <a:ext cx="0" cy="0"/>
+          <a:chOff x="0" y="0"/>
+          <a:chExt cx="0" cy="0"/>
+        </a:xfrm>
+      </p:grpSpPr>
+      <p:sp>
+        <p:nvSpPr>
+          <p:cNvPr id="8" name="Freeform: Shape 7">
+            <a:extLst>
+              <a:ext uri="{FF2B5EF4-FFF2-40B4-BE49-F238E27FC236}">
+                <a16:creationId xmlns:a16="http://schemas.microsoft.com/office/drawing/2014/main" id="{48A740BC-A0AA-45E0-B899-2AE9C6FE11CA}"/>
+              </a:ext>
+              <a:ext uri="{C183D7F6-B498-43B3-948B-1728B52AA6E4}">
+                <adec:decorative xmlns:adec="http://schemas.microsoft.com/office/drawing/2017/decorative" val="1"/>
+              </a:ext>
+            </a:extLst>
+          </p:cNvPr>
+          <p:cNvSpPr>
+            <a:spLocks noGrp="1" noRot="1" noChangeAspect="1" noMove="1" noResize="1" noEditPoints="1" noAdjustHandles="1" noChangeArrowheads="1" noChangeShapeType="1" noTextEdit="1"/>
+          </p:cNvSpPr>
+          <p:nvPr>
+            <p:extLst>
+              <p:ext uri="{386F3935-93C4-4BCD-93E2-E3B085C9AB24}">
+                <p16:designElem xmlns:p16="http://schemas.microsoft.com/office/powerpoint/2015/main" val="1"/>
+              </p:ext>
+            </p:extLst>
+          </p:nvPr>
+        </p:nvSpPr>
+        <p:spPr>
+          <a:xfrm>
+            <a:off x="4434840" y="-2"/>
+            <a:ext cx="4709160" cy="6858002"/>
+          </a:xfrm>
+          <a:custGeom>
+            <a:avLst/>
+            <a:gdLst>
+              <a:gd name="connsiteX0" fmla="*/ 45572 w 6278879"/>
+              <a:gd name="connsiteY0" fmla="*/ 0 h 6858002"/>
+              <a:gd name="connsiteX1" fmla="*/ 6278879 w 6278879"/>
+              <a:gd name="connsiteY1" fmla="*/ 0 h 6858002"/>
+              <a:gd name="connsiteX2" fmla="*/ 6278879 w 6278879"/>
+              <a:gd name="connsiteY2" fmla="*/ 6858002 h 6858002"/>
+              <a:gd name="connsiteX3" fmla="*/ 3292308 w 6278879"/>
+              <a:gd name="connsiteY3" fmla="*/ 6858002 h 6858002"/>
+              <a:gd name="connsiteX4" fmla="*/ 3181526 w 6278879"/>
+              <a:gd name="connsiteY4" fmla="*/ 6786982 h 6858002"/>
+              <a:gd name="connsiteX5" fmla="*/ 0 w 6278879"/>
+              <a:gd name="connsiteY5" fmla="*/ 803254 h 6858002"/>
+              <a:gd name="connsiteX6" fmla="*/ 37255 w 6278879"/>
+              <a:gd name="connsiteY6" fmla="*/ 65447 h 6858002"/>
+            </a:gdLst>
+            <a:ahLst/>
+            <a:cxnLst>
+              <a:cxn ang="0">
+                <a:pos x="connsiteX0" y="connsiteY0"/>
+              </a:cxn>
+              <a:cxn ang="0">
+                <a:pos x="connsiteX1" y="connsiteY1"/>
+              </a:cxn>
+              <a:cxn ang="0">
+                <a:pos x="connsiteX2" y="connsiteY2"/>
+              </a:cxn>
+              <a:cxn ang="0">
+                <a:pos x="connsiteX3" y="connsiteY3"/>
+              </a:cxn>
+              <a:cxn ang="0">
+                <a:pos x="connsiteX4" y="connsiteY4"/>
+              </a:cxn>
+              <a:cxn ang="0">
+                <a:pos x="connsiteX5" y="connsiteY5"/>
+              </a:cxn>
+              <a:cxn ang="0">
+                <a:pos x="connsiteX6" y="connsiteY6"/>
+              </a:cxn>
+            </a:cxnLst>
+            <a:rect l="l" t="t" r="r" b="b"/>
+            <a:pathLst>
+              <a:path w="6278879" h="6858002">
+                <a:moveTo>
+                  <a:pt x="45572" y="0"/>
+                </a:moveTo>
+                <a:lnTo>
+                  <a:pt x="6278879" y="0"/>
+                </a:lnTo>
+                <a:lnTo>
+                  <a:pt x="6278879" y="6858002"/>
+                </a:lnTo>
+                <a:lnTo>
+                  <a:pt x="3292308" y="6858002"/>
+                </a:lnTo>
+                <a:lnTo>
+                  <a:pt x="3181526" y="6786982"/>
+                </a:lnTo>
+                <a:cubicBezTo>
+                  <a:pt x="1262021" y="5490191"/>
+                  <a:pt x="0" y="3294103"/>
+                  <a:pt x="0" y="803254"/>
+                </a:cubicBezTo>
+                <a:cubicBezTo>
+                  <a:pt x="0" y="554169"/>
+                  <a:pt x="12620" y="308032"/>
+                  <a:pt x="37255" y="65447"/>
+                </a:cubicBezTo>
+                <a:close/>
+              </a:path>
+            </a:pathLst>
+          </a:custGeom>
+          <a:solidFill>
+            <a:schemeClr val="bg1">
+              <a:lumMod val="85000"/>
+              <a:lumOff val="15000"/>
+              <a:alpha val="70000"/>
+            </a:schemeClr>
+          </a:solidFill>
+          <a:ln>
+            <a:noFill/>
+          </a:ln>
+        </p:spPr>
+        <p:style>
+          <a:lnRef idx="2">
+            <a:schemeClr val="accent1">
+              <a:shade val="50000"/>
+            </a:schemeClr>
+          </a:lnRef>
+          <a:fillRef idx="1">
+            <a:schemeClr val="accent1"/>
+          </a:fillRef>
+          <a:effectRef idx="0">
+            <a:schemeClr val="accent1"/>
+          </a:effectRef>
+          <a:fontRef idx="minor">
+            <a:schemeClr val="lt1"/>
+          </a:fontRef>
+        </p:style>
+        <p:txBody>
+          <a:bodyPr rtlCol="0" anchor="ctr"/>
+          <a:lstStyle/>
+          <a:p>
+            <a:pPr marL="0" marR="0" lvl="0" indent="0" algn="ctr" defTabSz="914400" rtl="0" eaLnBrk="1" fontAlgn="auto" latinLnBrk="0" hangingPunct="1">
+              <a:lnSpc>
+                <a:spcPct val="100000"/>
+              </a:lnSpc>
+              <a:spcBef>
+                <a:spcPts val="0"/>
+              </a:spcBef>
+              <a:spcAft>
+                <a:spcPts val="0"/>
+              </a:spcAft>
+              <a:buClrTx/>
+              <a:buSzTx/>
+              <a:buFontTx/>
+              <a:buNone/>
+              <a:tabLst/>
+              <a:defRPr/>
+            </a:pPr>
+            <a:endParaRPr kumimoji="0" lang="en-US" sz="3200" b="0" i="0" u="none" strike="noStrike" kern="1200" cap="none" spc="0" normalizeH="0" baseline="0" noProof="0" dirty="0">
+              <a:ln>
+                <a:noFill/>
+              </a:ln>
+              <a:solidFill>
+                <a:prstClr val="white"/>
+              </a:solidFill>
+              <a:effectLst/>
+              <a:uLnTx/>
+              <a:uFillTx/>
+              <a:latin typeface="Times New Roman" panose="02020603050405020304" pitchFamily="18" charset="0"/>
+              <a:ea typeface="+mn-ea"/>
+              <a:cs typeface="+mn-cs"/>
+            </a:endParaRPr>
+          </a:p>
+        </p:txBody>
+      </p:sp>
+      <p:sp>
+        <p:nvSpPr>
+          <p:cNvPr id="2" name="Title 1"/>
+          <p:cNvSpPr>
+            <a:spLocks noGrp="1"/>
+          </p:cNvSpPr>
+          <p:nvPr>
+            <p:ph type="title"/>
+          </p:nvPr>
+        </p:nvSpPr>
+        <p:spPr>
+          <a:xfrm>
+            <a:off x="491490" y="365125"/>
+            <a:ext cx="8204835" cy="1623312"/>
+          </a:xfrm>
+        </p:spPr>
+        <p:txBody>
+          <a:bodyPr anchor="b">
+            <a:noAutofit/>
+          </a:bodyPr>
+          <a:lstStyle/>
+          <a:p>
+            <a:pPr algn="l"/>
+            <a:r>
+              <a:rPr lang="en-IL" sz="4800" dirty="0"/>
+              <a:t>Goals</a:t>
+            </a:r>
+            <a:r>
+              <a:rPr lang="en-US" sz="4800" dirty="0"/>
+              <a:t>:</a:t>
+            </a:r>
+          </a:p>
+        </p:txBody>
+      </p:sp>
+      <p:cxnSp>
+        <p:nvCxnSpPr>
+          <p:cNvPr id="10" name="Straight Arrow Connector 9">
+            <a:extLst>
+              <a:ext uri="{FF2B5EF4-FFF2-40B4-BE49-F238E27FC236}">
+                <a16:creationId xmlns:a16="http://schemas.microsoft.com/office/drawing/2014/main" id="{B874EF51-C858-4BB9-97C3-D17755787127}"/>
+              </a:ext>
+              <a:ext uri="{C183D7F6-B498-43B3-948B-1728B52AA6E4}">
+                <adec:decorative xmlns:adec="http://schemas.microsoft.com/office/drawing/2017/decorative" val="1"/>
+              </a:ext>
+            </a:extLst>
+          </p:cNvPr>
+          <p:cNvCxnSpPr>
+            <a:cxnSpLocks noGrp="1" noRot="1" noChangeAspect="1" noMove="1" noResize="1" noEditPoints="1" noAdjustHandles="1" noChangeArrowheads="1" noChangeShapeType="1"/>
+          </p:cNvCxnSpPr>
+          <p:nvPr>
+            <p:extLst>
+              <p:ext uri="{386F3935-93C4-4BCD-93E2-E3B085C9AB24}">
+                <p16:designElem xmlns:p16="http://schemas.microsoft.com/office/powerpoint/2015/main" val="1"/>
+              </p:ext>
+            </p:extLst>
+          </p:nvPr>
+        </p:nvCxnSpPr>
+        <p:spPr>
+          <a:xfrm>
+            <a:off x="572745" y="2316480"/>
+            <a:ext cx="6172200" cy="0"/>
+          </a:xfrm>
+          <a:prstGeom prst="straightConnector1">
+            <a:avLst/>
+          </a:prstGeom>
+          <a:ln w="19050" cap="sq">
+            <a:solidFill>
+              <a:schemeClr val="tx1"/>
+            </a:solidFill>
+            <a:tailEnd type="none"/>
+          </a:ln>
+        </p:spPr>
+        <p:style>
+          <a:lnRef idx="1">
+            <a:schemeClr val="accent1"/>
+          </a:lnRef>
+          <a:fillRef idx="0">
+            <a:schemeClr val="accent1"/>
+          </a:fillRef>
+          <a:effectRef idx="0">
+            <a:schemeClr val="accent1"/>
+          </a:effectRef>
+          <a:fontRef idx="minor">
+            <a:schemeClr val="tx1"/>
+          </a:fontRef>
+        </p:style>
+      </p:cxnSp>
+      <p:sp>
+        <p:nvSpPr>
+          <p:cNvPr id="3" name="Content Placeholder 2"/>
+          <p:cNvSpPr>
+            <a:spLocks noGrp="1"/>
+          </p:cNvSpPr>
+          <p:nvPr>
+            <p:ph idx="1"/>
+          </p:nvPr>
+        </p:nvSpPr>
+        <p:spPr>
+          <a:xfrm>
+            <a:off x="491490" y="2644518"/>
+            <a:ext cx="8204835" cy="3327251"/>
+          </a:xfrm>
+        </p:spPr>
+        <p:txBody>
+          <a:bodyPr>
+            <a:normAutofit/>
+          </a:bodyPr>
+          <a:lstStyle/>
+          <a:p>
             <a:pPr marL="0" indent="0">
               <a:buNone/>
             </a:pPr>
@@ -17569,7 +17748,7 @@
 </p:sld>
 </file>
 
-<file path=ppt/slides/slide5.xml><?xml version="1.0" encoding="utf-8"?>
+<file path=ppt/slides/slide6.xml><?xml version="1.0" encoding="utf-8"?>
 <p:sld xmlns:a="http://schemas.openxmlformats.org/drawingml/2006/main" xmlns:r="http://schemas.openxmlformats.org/officeDocument/2006/relationships" xmlns:p="http://schemas.openxmlformats.org/presentationml/2006/main">
   <p:cSld>
     <p:spTree>
@@ -17733,7 +17912,7 @@
 </p:sld>
 </file>
 
-<file path=ppt/slides/slide6.xml><?xml version="1.0" encoding="utf-8"?>
+<file path=ppt/slides/slide7.xml><?xml version="1.0" encoding="utf-8"?>
 <p:sld xmlns:a="http://schemas.openxmlformats.org/drawingml/2006/main" xmlns:r="http://schemas.openxmlformats.org/officeDocument/2006/relationships" xmlns:p="http://schemas.openxmlformats.org/presentationml/2006/main">
   <p:cSld>
     <p:spTree>
@@ -17931,7 +18110,7 @@
 </p:sld>
 </file>
 
-<file path=ppt/slides/slide7.xml><?xml version="1.0" encoding="utf-8"?>
+<file path=ppt/slides/slide8.xml><?xml version="1.0" encoding="utf-8"?>
 <p:sld xmlns:a="http://schemas.openxmlformats.org/drawingml/2006/main" xmlns:r="http://schemas.openxmlformats.org/officeDocument/2006/relationships" xmlns:p="http://schemas.openxmlformats.org/presentationml/2006/main">
   <p:cSld>
     <p:bg>
@@ -18083,7 +18262,7 @@
 </p:sld>
 </file>
 
-<file path=ppt/slides/slide8.xml><?xml version="1.0" encoding="utf-8"?>
+<file path=ppt/slides/slide9.xml><?xml version="1.0" encoding="utf-8"?>
 <p:sld xmlns:a="http://schemas.openxmlformats.org/drawingml/2006/main" xmlns:r="http://schemas.openxmlformats.org/officeDocument/2006/relationships" xmlns:p="http://schemas.openxmlformats.org/presentationml/2006/main">
   <p:cSld>
     <p:spTree>
@@ -18178,110 +18357,6 @@
     <p:extLst>
       <p:ext uri="{BB962C8B-B14F-4D97-AF65-F5344CB8AC3E}">
         <p14:creationId xmlns:p14="http://schemas.microsoft.com/office/powerpoint/2010/main" val="3957628992"/>
-      </p:ext>
-    </p:extLst>
-  </p:cSld>
-  <p:clrMapOvr>
-    <a:masterClrMapping/>
-  </p:clrMapOvr>
-</p:sld>
-</file>
-
-<file path=ppt/slides/slide9.xml><?xml version="1.0" encoding="utf-8"?>
-<p:sld xmlns:a="http://schemas.openxmlformats.org/drawingml/2006/main" xmlns:r="http://schemas.openxmlformats.org/officeDocument/2006/relationships" xmlns:p="http://schemas.openxmlformats.org/presentationml/2006/main">
-  <p:cSld>
-    <p:bg>
-      <p:bgPr>
-        <a:solidFill>
-          <a:schemeClr val="bg1"/>
-        </a:solidFill>
-        <a:effectLst/>
-      </p:bgPr>
-    </p:bg>
-    <p:spTree>
-      <p:nvGrpSpPr>
-        <p:cNvPr id="1" name=""/>
-        <p:cNvGrpSpPr/>
-        <p:nvPr/>
-      </p:nvGrpSpPr>
-      <p:grpSpPr>
-        <a:xfrm>
-          <a:off x="0" y="0"/>
-          <a:ext cx="0" cy="0"/>
-          <a:chOff x="0" y="0"/>
-          <a:chExt cx="0" cy="0"/>
-        </a:xfrm>
-      </p:grpSpPr>
-      <p:sp>
-        <p:nvSpPr>
-          <p:cNvPr id="2" name="Title 1"/>
-          <p:cNvSpPr>
-            <a:spLocks noGrp="1"/>
-          </p:cNvSpPr>
-          <p:nvPr>
-            <p:ph type="title"/>
-          </p:nvPr>
-        </p:nvSpPr>
-        <p:spPr>
-          <a:xfrm>
-            <a:off x="628650" y="365125"/>
-            <a:ext cx="7886700" cy="1325563"/>
-          </a:xfrm>
-        </p:spPr>
-        <p:txBody>
-          <a:bodyPr>
-            <a:normAutofit/>
-          </a:bodyPr>
-          <a:lstStyle/>
-          <a:p>
-            <a:pPr>
-              <a:lnSpc>
-                <a:spcPct val="90000"/>
-              </a:lnSpc>
-            </a:pPr>
-            <a:r>
-              <a:rPr lang="en-US" dirty="0"/>
-              <a:t>Course requirements:</a:t>
-            </a:r>
-            <a:endParaRPr lang="en-IL" dirty="0"/>
-          </a:p>
-        </p:txBody>
-      </p:sp>
-      <p:graphicFrame>
-        <p:nvGraphicFramePr>
-          <p:cNvPr id="5" name="Content Placeholder 2">
-            <a:extLst>
-              <a:ext uri="{FF2B5EF4-FFF2-40B4-BE49-F238E27FC236}">
-                <a16:creationId xmlns:a16="http://schemas.microsoft.com/office/drawing/2014/main" id="{D18A1F7E-7C95-4C3E-927A-49FE10BEB3DC}"/>
-              </a:ext>
-            </a:extLst>
-          </p:cNvPr>
-          <p:cNvGraphicFramePr>
-            <a:graphicFrameLocks noGrp="1"/>
-          </p:cNvGraphicFramePr>
-          <p:nvPr>
-            <p:ph idx="1"/>
-            <p:extLst>
-              <p:ext uri="{D42A27DB-BD31-4B8C-83A1-F6EECF244321}">
-                <p14:modId xmlns:p14="http://schemas.microsoft.com/office/powerpoint/2010/main" val="272464317"/>
-              </p:ext>
-            </p:extLst>
-          </p:nvPr>
-        </p:nvGraphicFramePr>
-        <p:xfrm>
-          <a:off x="628650" y="1825625"/>
-          <a:ext cx="7886700" cy="4351338"/>
-        </p:xfrm>
-        <a:graphic>
-          <a:graphicData uri="http://schemas.openxmlformats.org/drawingml/2006/diagram">
-            <dgm:relIds xmlns:dgm="http://schemas.openxmlformats.org/drawingml/2006/diagram" xmlns:r="http://schemas.openxmlformats.org/officeDocument/2006/relationships" r:dm="rId2" r:lo="rId3" r:qs="rId4" r:cs="rId5"/>
-          </a:graphicData>
-        </a:graphic>
-      </p:graphicFrame>
-    </p:spTree>
-    <p:extLst>
-      <p:ext uri="{BB962C8B-B14F-4D97-AF65-F5344CB8AC3E}">
-        <p14:creationId xmlns:p14="http://schemas.microsoft.com/office/powerpoint/2010/main" val="2864601969"/>
       </p:ext>
     </p:extLst>
   </p:cSld>
